--- a/Capstone Folder/HMEQCapstone2/HomeEquityDefaultPrediction.pptx
+++ b/Capstone Folder/HMEQCapstone2/HomeEquityDefaultPrediction.pptx
@@ -1,45 +1,45 @@
 
 <file path=ppt/presentation.xml><?xml version="1.0" encoding="utf-8"?>
-<p:presentation xmlns:a="http://schemas.openxmlformats.org/drawingml/2006/main" xmlns:r="http://schemas.openxmlformats.org/officeDocument/2006/relationships" xmlns:mc="http://schemas.openxmlformats.org/markup-compatibility/2006" xmlns:mv="urn:schemas-microsoft-com:mac:vml" xmlns:p="http://schemas.openxmlformats.org/presentationml/2006/main" xmlns:c="http://schemas.openxmlformats.org/drawingml/2006/chart" xmlns:dgm="http://schemas.openxmlformats.org/drawingml/2006/diagram" xmlns:o="urn:schemas-microsoft-com:office:office" xmlns:v="urn:schemas-microsoft-com:vml" xmlns:pvml="urn:schemas-microsoft-com:office:powerpoint" xmlns:com="http://schemas.openxmlformats.org/drawingml/2006/compatibility" xmlns:p14="http://schemas.microsoft.com/office/powerpoint/2010/main" xmlns:p15="http://schemas.microsoft.com/office/powerpoint/2012/main" xmlns:ahyp="http://schemas.microsoft.com/office/drawing/2018/hyperlinkcolor" autoCompressPictures="0" embedTrueTypeFonts="1" strictFirstAndLastChars="0" saveSubsetFonts="1">
+<p:presentation xmlns:a="http://schemas.openxmlformats.org/drawingml/2006/main" xmlns:r="http://schemas.openxmlformats.org/officeDocument/2006/relationships" xmlns:p="http://schemas.openxmlformats.org/presentationml/2006/main" strictFirstAndLastChars="0" embedTrueTypeFonts="1" saveSubsetFonts="1" autoCompressPictures="0">
   <p:sldMasterIdLst>
-    <p:sldMasterId id="2147483659" r:id="rId4"/>
+    <p:sldMasterId id="2147483659" r:id="rId1"/>
   </p:sldMasterIdLst>
   <p:notesMasterIdLst>
-    <p:notesMasterId r:id="rId5"/>
+    <p:notesMasterId r:id="rId13"/>
   </p:notesMasterIdLst>
   <p:sldIdLst>
-    <p:sldId id="256" r:id="rId6"/>
-    <p:sldId id="257" r:id="rId7"/>
-    <p:sldId id="258" r:id="rId8"/>
-    <p:sldId id="259" r:id="rId9"/>
-    <p:sldId id="260" r:id="rId10"/>
-    <p:sldId id="261" r:id="rId11"/>
-    <p:sldId id="262" r:id="rId12"/>
-    <p:sldId id="263" r:id="rId13"/>
-    <p:sldId id="264" r:id="rId14"/>
-    <p:sldId id="265" r:id="rId15"/>
-    <p:sldId id="266" r:id="rId16"/>
+    <p:sldId id="256" r:id="rId2"/>
+    <p:sldId id="257" r:id="rId3"/>
+    <p:sldId id="258" r:id="rId4"/>
+    <p:sldId id="259" r:id="rId5"/>
+    <p:sldId id="260" r:id="rId6"/>
+    <p:sldId id="261" r:id="rId7"/>
+    <p:sldId id="262" r:id="rId8"/>
+    <p:sldId id="263" r:id="rId9"/>
+    <p:sldId id="264" r:id="rId10"/>
+    <p:sldId id="265" r:id="rId11"/>
+    <p:sldId id="266" r:id="rId12"/>
   </p:sldIdLst>
-  <p:sldSz cy="5143500" cx="9144000"/>
+  <p:sldSz cx="9144000" cy="5143500" type="screen16x9"/>
   <p:notesSz cx="6858000" cy="9144000"/>
   <p:embeddedFontLst>
     <p:embeddedFont>
-      <p:font typeface="Roboto"/>
-      <p:regular r:id="rId17"/>
-      <p:bold r:id="rId18"/>
-      <p:italic r:id="rId19"/>
-      <p:boldItalic r:id="rId20"/>
+      <p:font typeface="Merriweather" panose="00000500000000000000" pitchFamily="2" charset="0"/>
+      <p:regular r:id="rId14"/>
+      <p:bold r:id="rId15"/>
+      <p:italic r:id="rId16"/>
+      <p:boldItalic r:id="rId17"/>
     </p:embeddedFont>
     <p:embeddedFont>
-      <p:font typeface="Merriweather"/>
-      <p:regular r:id="rId21"/>
-      <p:bold r:id="rId22"/>
-      <p:italic r:id="rId23"/>
-      <p:boldItalic r:id="rId24"/>
+      <p:font typeface="Roboto" panose="02000000000000000000" pitchFamily="2" charset="0"/>
+      <p:regular r:id="rId18"/>
+      <p:bold r:id="rId19"/>
+      <p:italic r:id="rId20"/>
+      <p:boldItalic r:id="rId21"/>
     </p:embeddedFont>
   </p:embeddedFontLst>
   <p:defaultTextStyle>
-    <a:defPPr lvl="0" marR="0" rtl="0" algn="l">
+    <a:defPPr marR="0" lvl="0" algn="l" rtl="0">
       <a:lnSpc>
         <a:spcPct val="100000"/>
       </a:lnSpc>
@@ -50,7 +50,7 @@
         <a:spcPts val="0"/>
       </a:spcAft>
     </a:defPPr>
-    <a:lvl1pPr lvl="0" marR="0" rtl="0" algn="l">
+    <a:lvl1pPr marR="0" lvl="0" algn="l" rtl="0">
       <a:lnSpc>
         <a:spcPct val="100000"/>
       </a:lnSpc>
@@ -64,7 +64,7 @@
         <a:srgbClr val="000000"/>
       </a:buClr>
       <a:buFont typeface="Arial"/>
-      <a:defRPr b="0" i="0" sz="1400" u="none" cap="none" strike="noStrike">
+      <a:defRPr sz="1400" b="0" i="0" u="none" strike="noStrike" cap="none">
         <a:solidFill>
           <a:srgbClr val="000000"/>
         </a:solidFill>
@@ -74,7 +74,7 @@
         <a:sym typeface="Arial"/>
       </a:defRPr>
     </a:lvl1pPr>
-    <a:lvl2pPr lvl="1" marR="0" rtl="0" algn="l">
+    <a:lvl2pPr marR="0" lvl="1" algn="l" rtl="0">
       <a:lnSpc>
         <a:spcPct val="100000"/>
       </a:lnSpc>
@@ -88,7 +88,7 @@
         <a:srgbClr val="000000"/>
       </a:buClr>
       <a:buFont typeface="Arial"/>
-      <a:defRPr b="0" i="0" sz="1400" u="none" cap="none" strike="noStrike">
+      <a:defRPr sz="1400" b="0" i="0" u="none" strike="noStrike" cap="none">
         <a:solidFill>
           <a:srgbClr val="000000"/>
         </a:solidFill>
@@ -98,7 +98,7 @@
         <a:sym typeface="Arial"/>
       </a:defRPr>
     </a:lvl2pPr>
-    <a:lvl3pPr lvl="2" marR="0" rtl="0" algn="l">
+    <a:lvl3pPr marR="0" lvl="2" algn="l" rtl="0">
       <a:lnSpc>
         <a:spcPct val="100000"/>
       </a:lnSpc>
@@ -112,7 +112,7 @@
         <a:srgbClr val="000000"/>
       </a:buClr>
       <a:buFont typeface="Arial"/>
-      <a:defRPr b="0" i="0" sz="1400" u="none" cap="none" strike="noStrike">
+      <a:defRPr sz="1400" b="0" i="0" u="none" strike="noStrike" cap="none">
         <a:solidFill>
           <a:srgbClr val="000000"/>
         </a:solidFill>
@@ -122,7 +122,7 @@
         <a:sym typeface="Arial"/>
       </a:defRPr>
     </a:lvl3pPr>
-    <a:lvl4pPr lvl="3" marR="0" rtl="0" algn="l">
+    <a:lvl4pPr marR="0" lvl="3" algn="l" rtl="0">
       <a:lnSpc>
         <a:spcPct val="100000"/>
       </a:lnSpc>
@@ -136,7 +136,7 @@
         <a:srgbClr val="000000"/>
       </a:buClr>
       <a:buFont typeface="Arial"/>
-      <a:defRPr b="0" i="0" sz="1400" u="none" cap="none" strike="noStrike">
+      <a:defRPr sz="1400" b="0" i="0" u="none" strike="noStrike" cap="none">
         <a:solidFill>
           <a:srgbClr val="000000"/>
         </a:solidFill>
@@ -146,7 +146,7 @@
         <a:sym typeface="Arial"/>
       </a:defRPr>
     </a:lvl4pPr>
-    <a:lvl5pPr lvl="4" marR="0" rtl="0" algn="l">
+    <a:lvl5pPr marR="0" lvl="4" algn="l" rtl="0">
       <a:lnSpc>
         <a:spcPct val="100000"/>
       </a:lnSpc>
@@ -160,7 +160,7 @@
         <a:srgbClr val="000000"/>
       </a:buClr>
       <a:buFont typeface="Arial"/>
-      <a:defRPr b="0" i="0" sz="1400" u="none" cap="none" strike="noStrike">
+      <a:defRPr sz="1400" b="0" i="0" u="none" strike="noStrike" cap="none">
         <a:solidFill>
           <a:srgbClr val="000000"/>
         </a:solidFill>
@@ -170,7 +170,7 @@
         <a:sym typeface="Arial"/>
       </a:defRPr>
     </a:lvl5pPr>
-    <a:lvl6pPr lvl="5" marR="0" rtl="0" algn="l">
+    <a:lvl6pPr marR="0" lvl="5" algn="l" rtl="0">
       <a:lnSpc>
         <a:spcPct val="100000"/>
       </a:lnSpc>
@@ -184,7 +184,7 @@
         <a:srgbClr val="000000"/>
       </a:buClr>
       <a:buFont typeface="Arial"/>
-      <a:defRPr b="0" i="0" sz="1400" u="none" cap="none" strike="noStrike">
+      <a:defRPr sz="1400" b="0" i="0" u="none" strike="noStrike" cap="none">
         <a:solidFill>
           <a:srgbClr val="000000"/>
         </a:solidFill>
@@ -194,7 +194,7 @@
         <a:sym typeface="Arial"/>
       </a:defRPr>
     </a:lvl6pPr>
-    <a:lvl7pPr lvl="6" marR="0" rtl="0" algn="l">
+    <a:lvl7pPr marR="0" lvl="6" algn="l" rtl="0">
       <a:lnSpc>
         <a:spcPct val="100000"/>
       </a:lnSpc>
@@ -208,7 +208,7 @@
         <a:srgbClr val="000000"/>
       </a:buClr>
       <a:buFont typeface="Arial"/>
-      <a:defRPr b="0" i="0" sz="1400" u="none" cap="none" strike="noStrike">
+      <a:defRPr sz="1400" b="0" i="0" u="none" strike="noStrike" cap="none">
         <a:solidFill>
           <a:srgbClr val="000000"/>
         </a:solidFill>
@@ -218,7 +218,7 @@
         <a:sym typeface="Arial"/>
       </a:defRPr>
     </a:lvl7pPr>
-    <a:lvl8pPr lvl="7" marR="0" rtl="0" algn="l">
+    <a:lvl8pPr marR="0" lvl="7" algn="l" rtl="0">
       <a:lnSpc>
         <a:spcPct val="100000"/>
       </a:lnSpc>
@@ -232,7 +232,7 @@
         <a:srgbClr val="000000"/>
       </a:buClr>
       <a:buFont typeface="Arial"/>
-      <a:defRPr b="0" i="0" sz="1400" u="none" cap="none" strike="noStrike">
+      <a:defRPr sz="1400" b="0" i="0" u="none" strike="noStrike" cap="none">
         <a:solidFill>
           <a:srgbClr val="000000"/>
         </a:solidFill>
@@ -242,7 +242,7 @@
         <a:sym typeface="Arial"/>
       </a:defRPr>
     </a:lvl8pPr>
-    <a:lvl9pPr lvl="8" marR="0" rtl="0" algn="l">
+    <a:lvl9pPr marR="0" lvl="8" algn="l" rtl="0">
       <a:lnSpc>
         <a:spcPct val="100000"/>
       </a:lnSpc>
@@ -256,7 +256,7 @@
         <a:srgbClr val="000000"/>
       </a:buClr>
       <a:buFont typeface="Arial"/>
-      <a:defRPr b="0" i="0" sz="1400" u="none" cap="none" strike="noStrike">
+      <a:defRPr sz="1400" b="0" i="0" u="none" strike="noStrike" cap="none">
         <a:solidFill>
           <a:srgbClr val="000000"/>
         </a:solidFill>
@@ -269,7 +269,7 @@
   </p:defaultTextStyle>
   <p:extLst>
     <p:ext uri="{EFAFB233-063F-42B5-8137-9DF3F51BA10A}">
-      <p15:sldGuideLst>
+      <p15:sldGuideLst xmlns:p15="http://schemas.microsoft.com/office/powerpoint/2012/main">
         <p15:guide id="1" orient="horz" pos="1620">
           <p15:clr>
             <a:srgbClr val="747775"/>
@@ -286,12 +286,46 @@
 </p:presentation>
 </file>
 
+<file path=ppt/changesInfos/changesInfo1.xml><?xml version="1.0" encoding="utf-8"?>
+<pc:chgInfo xmlns:a="http://schemas.openxmlformats.org/drawingml/2006/main" xmlns:r="http://schemas.openxmlformats.org/officeDocument/2006/relationships" xmlns:ac="http://schemas.microsoft.com/office/drawing/2013/main/command" xmlns:pc="http://schemas.microsoft.com/office/powerpoint/2013/main/command">
+  <pc:docChgLst>
+    <pc:chgData name="Jacob Stys" userId="8b560aeb39dfb63e" providerId="LiveId" clId="{CB618ED1-AB78-4B83-B320-AB1AFFF08376}"/>
+    <pc:docChg chg="modSld">
+      <pc:chgData name="Jacob Stys" userId="8b560aeb39dfb63e" providerId="LiveId" clId="{CB618ED1-AB78-4B83-B320-AB1AFFF08376}" dt="2023-11-21T01:32:01.071" v="3" actId="20577"/>
+      <pc:docMkLst>
+        <pc:docMk/>
+      </pc:docMkLst>
+      <pc:sldChg chg="modSp mod">
+        <pc:chgData name="Jacob Stys" userId="8b560aeb39dfb63e" providerId="LiveId" clId="{CB618ED1-AB78-4B83-B320-AB1AFFF08376}" dt="2023-11-21T01:32:01.071" v="3" actId="20577"/>
+        <pc:sldMkLst>
+          <pc:docMk/>
+          <pc:sldMk cId="0" sldId="266"/>
+        </pc:sldMkLst>
+        <pc:spChg chg="mod">
+          <ac:chgData name="Jacob Stys" userId="8b560aeb39dfb63e" providerId="LiveId" clId="{CB618ED1-AB78-4B83-B320-AB1AFFF08376}" dt="2023-11-21T01:32:01.071" v="3" actId="20577"/>
+          <ac:spMkLst>
+            <pc:docMk/>
+            <pc:sldMk cId="0" sldId="266"/>
+            <ac:spMk id="138" creationId="{00000000-0000-0000-0000-000000000000}"/>
+          </ac:spMkLst>
+        </pc:spChg>
+      </pc:sldChg>
+    </pc:docChg>
+  </pc:docChgLst>
+</pc:chgInfo>
+</file>
+
 <file path=ppt/notesMasters/notesMaster1.xml><?xml version="1.0" encoding="utf-8"?>
-<p:notesMaster xmlns:a="http://schemas.openxmlformats.org/drawingml/2006/main" xmlns:r="http://schemas.openxmlformats.org/officeDocument/2006/relationships" xmlns:mc="http://schemas.openxmlformats.org/markup-compatibility/2006" xmlns:mv="urn:schemas-microsoft-com:mac:vml" xmlns:p="http://schemas.openxmlformats.org/presentationml/2006/main" xmlns:c="http://schemas.openxmlformats.org/drawingml/2006/chart" xmlns:dgm="http://schemas.openxmlformats.org/drawingml/2006/diagram" xmlns:o="urn:schemas-microsoft-com:office:office" xmlns:v="urn:schemas-microsoft-com:vml" xmlns:pvml="urn:schemas-microsoft-com:office:powerpoint" xmlns:com="http://schemas.openxmlformats.org/drawingml/2006/compatibility" xmlns:p14="http://schemas.microsoft.com/office/powerpoint/2010/main" xmlns:p15="http://schemas.microsoft.com/office/powerpoint/2012/main" xmlns:ahyp="http://schemas.microsoft.com/office/drawing/2018/hyperlinkcolor">
+<p:notesMaster xmlns:a="http://schemas.openxmlformats.org/drawingml/2006/main" xmlns:r="http://schemas.openxmlformats.org/officeDocument/2006/relationships" xmlns:p="http://schemas.openxmlformats.org/presentationml/2006/main">
   <p:cSld>
+    <p:bg>
+      <p:bgRef idx="1001">
+        <a:schemeClr val="bg1"/>
+      </p:bgRef>
+    </p:bg>
     <p:spTree>
       <p:nvGrpSpPr>
-        <p:cNvPr id="2" name="Shape 2"/>
+        <p:cNvPr id="1" name="Shape 2"/>
         <p:cNvGrpSpPr/>
         <p:nvPr/>
       </p:nvGrpSpPr>
@@ -306,9 +340,11 @@
       <p:sp>
         <p:nvSpPr>
           <p:cNvPr id="3" name="Google Shape;3;n"/>
-          <p:cNvSpPr/>
+          <p:cNvSpPr>
+            <a:spLocks noGrp="1" noRot="1" noChangeAspect="1"/>
+          </p:cNvSpPr>
           <p:nvPr>
-            <p:ph idx="2" type="sldImg"/>
+            <p:ph type="sldImg" idx="2"/>
           </p:nvPr>
         </p:nvSpPr>
         <p:spPr>
@@ -317,9 +353,13 @@
             <a:ext cx="6096075" cy="3429000"/>
           </a:xfrm>
           <a:custGeom>
-            <a:rect b="b" l="l" r="r" t="t"/>
+            <a:avLst/>
+            <a:gdLst/>
+            <a:ahLst/>
+            <a:cxnLst/>
+            <a:rect l="l" t="t" r="r" b="b"/>
             <a:pathLst>
-              <a:path extrusionOk="0" h="120000" w="120000">
+              <a:path w="120000" h="120000" extrusionOk="0">
                 <a:moveTo>
                   <a:pt x="0" y="0"/>
                 </a:moveTo>
@@ -337,23 +377,25 @@
             </a:pathLst>
           </a:custGeom>
           <a:noFill/>
-          <a:ln cap="flat" cmpd="sng" w="9525">
+          <a:ln w="9525" cap="flat" cmpd="sng">
             <a:solidFill>
               <a:srgbClr val="000000"/>
             </a:solidFill>
             <a:prstDash val="solid"/>
             <a:round/>
-            <a:headEnd len="sm" w="sm" type="none"/>
-            <a:tailEnd len="sm" w="sm" type="none"/>
+            <a:headEnd type="none" w="sm" len="sm"/>
+            <a:tailEnd type="none" w="sm" len="sm"/>
           </a:ln>
         </p:spPr>
       </p:sp>
       <p:sp>
         <p:nvSpPr>
           <p:cNvPr id="4" name="Google Shape;4;n"/>
-          <p:cNvSpPr txBox="1"/>
+          <p:cNvSpPr txBox="1">
+            <a:spLocks noGrp="1"/>
+          </p:cNvSpPr>
           <p:nvPr>
-            <p:ph idx="1" type="body"/>
+            <p:ph type="body" idx="1"/>
           </p:nvPr>
         </p:nvSpPr>
         <p:spPr>
@@ -370,11 +412,11 @@
           </a:ln>
         </p:spPr>
         <p:txBody>
-          <a:bodyPr anchorCtr="0" anchor="t" bIns="91425" lIns="91425" spcFirstLastPara="1" rIns="91425" wrap="square" tIns="91425">
+          <a:bodyPr spcFirstLastPara="1" wrap="square" lIns="91425" tIns="91425" rIns="91425" bIns="91425" anchor="t" anchorCtr="0">
             <a:noAutofit/>
           </a:bodyPr>
           <a:lstStyle>
-            <a:lvl1pPr indent="-298450" lvl="0" marL="457200">
+            <a:lvl1pPr marL="457200" lvl="0" indent="-298450">
               <a:spcBef>
                 <a:spcPts val="0"/>
               </a:spcBef>
@@ -385,7 +427,7 @@
               <a:buChar char="●"/>
               <a:defRPr sz="1100"/>
             </a:lvl1pPr>
-            <a:lvl2pPr indent="-298450" lvl="1" marL="914400">
+            <a:lvl2pPr marL="914400" lvl="1" indent="-298450">
               <a:spcBef>
                 <a:spcPts val="0"/>
               </a:spcBef>
@@ -396,7 +438,7 @@
               <a:buChar char="○"/>
               <a:defRPr sz="1100"/>
             </a:lvl2pPr>
-            <a:lvl3pPr indent="-298450" lvl="2" marL="1371600">
+            <a:lvl3pPr marL="1371600" lvl="2" indent="-298450">
               <a:spcBef>
                 <a:spcPts val="0"/>
               </a:spcBef>
@@ -407,7 +449,7 @@
               <a:buChar char="■"/>
               <a:defRPr sz="1100"/>
             </a:lvl3pPr>
-            <a:lvl4pPr indent="-298450" lvl="3" marL="1828800">
+            <a:lvl4pPr marL="1828800" lvl="3" indent="-298450">
               <a:spcBef>
                 <a:spcPts val="0"/>
               </a:spcBef>
@@ -418,7 +460,7 @@
               <a:buChar char="●"/>
               <a:defRPr sz="1100"/>
             </a:lvl4pPr>
-            <a:lvl5pPr indent="-298450" lvl="4" marL="2286000">
+            <a:lvl5pPr marL="2286000" lvl="4" indent="-298450">
               <a:spcBef>
                 <a:spcPts val="0"/>
               </a:spcBef>
@@ -429,7 +471,7 @@
               <a:buChar char="○"/>
               <a:defRPr sz="1100"/>
             </a:lvl5pPr>
-            <a:lvl6pPr indent="-298450" lvl="5" marL="2743200">
+            <a:lvl6pPr marL="2743200" lvl="5" indent="-298450">
               <a:spcBef>
                 <a:spcPts val="0"/>
               </a:spcBef>
@@ -440,7 +482,7 @@
               <a:buChar char="■"/>
               <a:defRPr sz="1100"/>
             </a:lvl6pPr>
-            <a:lvl7pPr indent="-298450" lvl="6" marL="3200400">
+            <a:lvl7pPr marL="3200400" lvl="6" indent="-298450">
               <a:spcBef>
                 <a:spcPts val="0"/>
               </a:spcBef>
@@ -451,7 +493,7 @@
               <a:buChar char="●"/>
               <a:defRPr sz="1100"/>
             </a:lvl7pPr>
-            <a:lvl8pPr indent="-298450" lvl="7" marL="3657600">
+            <a:lvl8pPr marL="3657600" lvl="7" indent="-298450">
               <a:spcBef>
                 <a:spcPts val="0"/>
               </a:spcBef>
@@ -462,7 +504,7 @@
               <a:buChar char="○"/>
               <a:defRPr sz="1100"/>
             </a:lvl8pPr>
-            <a:lvl9pPr indent="-298450" lvl="8" marL="4114800">
+            <a:lvl9pPr marL="4114800" lvl="8" indent="-298450">
               <a:spcBef>
                 <a:spcPts val="0"/>
               </a:spcBef>
@@ -474,14 +516,16 @@
               <a:defRPr sz="1100"/>
             </a:lvl9pPr>
           </a:lstStyle>
-          <a:p/>
+          <a:p>
+            <a:endParaRPr/>
+          </a:p>
         </p:txBody>
       </p:sp>
     </p:spTree>
   </p:cSld>
-  <p:clrMap accent1="accent1" accent2="accent2" accent3="accent3" accent4="accent4" accent5="accent5" accent6="accent6" bg1="lt1" bg2="dk2" tx1="dk1" tx2="lt2" folHlink="folHlink" hlink="hlink"/>
+  <p:clrMap bg1="lt1" tx1="dk1" bg2="dk2" tx2="lt2" accent1="accent1" accent2="accent2" accent3="accent3" accent4="accent4" accent5="accent5" accent6="accent6" hlink="hlink" folHlink="folHlink"/>
   <p:notesStyle>
-    <a:defPPr lvl="0" marR="0" rtl="0" algn="l">
+    <a:defPPr marR="0" lvl="0" algn="l" rtl="0">
       <a:lnSpc>
         <a:spcPct val="100000"/>
       </a:lnSpc>
@@ -492,7 +536,7 @@
         <a:spcPts val="0"/>
       </a:spcAft>
     </a:defPPr>
-    <a:lvl1pPr lvl="0" marR="0" rtl="0" algn="l">
+    <a:lvl1pPr marR="0" lvl="0" algn="l" rtl="0">
       <a:lnSpc>
         <a:spcPct val="100000"/>
       </a:lnSpc>
@@ -506,7 +550,7 @@
         <a:srgbClr val="000000"/>
       </a:buClr>
       <a:buFont typeface="Arial"/>
-      <a:defRPr b="0" i="0" sz="1400" u="none" cap="none" strike="noStrike">
+      <a:defRPr sz="1400" b="0" i="0" u="none" strike="noStrike" cap="none">
         <a:solidFill>
           <a:srgbClr val="000000"/>
         </a:solidFill>
@@ -516,7 +560,7 @@
         <a:sym typeface="Arial"/>
       </a:defRPr>
     </a:lvl1pPr>
-    <a:lvl2pPr lvl="1" marR="0" rtl="0" algn="l">
+    <a:lvl2pPr marR="0" lvl="1" algn="l" rtl="0">
       <a:lnSpc>
         <a:spcPct val="100000"/>
       </a:lnSpc>
@@ -530,7 +574,7 @@
         <a:srgbClr val="000000"/>
       </a:buClr>
       <a:buFont typeface="Arial"/>
-      <a:defRPr b="0" i="0" sz="1400" u="none" cap="none" strike="noStrike">
+      <a:defRPr sz="1400" b="0" i="0" u="none" strike="noStrike" cap="none">
         <a:solidFill>
           <a:srgbClr val="000000"/>
         </a:solidFill>
@@ -540,7 +584,7 @@
         <a:sym typeface="Arial"/>
       </a:defRPr>
     </a:lvl2pPr>
-    <a:lvl3pPr lvl="2" marR="0" rtl="0" algn="l">
+    <a:lvl3pPr marR="0" lvl="2" algn="l" rtl="0">
       <a:lnSpc>
         <a:spcPct val="100000"/>
       </a:lnSpc>
@@ -554,7 +598,7 @@
         <a:srgbClr val="000000"/>
       </a:buClr>
       <a:buFont typeface="Arial"/>
-      <a:defRPr b="0" i="0" sz="1400" u="none" cap="none" strike="noStrike">
+      <a:defRPr sz="1400" b="0" i="0" u="none" strike="noStrike" cap="none">
         <a:solidFill>
           <a:srgbClr val="000000"/>
         </a:solidFill>
@@ -564,7 +608,7 @@
         <a:sym typeface="Arial"/>
       </a:defRPr>
     </a:lvl3pPr>
-    <a:lvl4pPr lvl="3" marR="0" rtl="0" algn="l">
+    <a:lvl4pPr marR="0" lvl="3" algn="l" rtl="0">
       <a:lnSpc>
         <a:spcPct val="100000"/>
       </a:lnSpc>
@@ -578,7 +622,7 @@
         <a:srgbClr val="000000"/>
       </a:buClr>
       <a:buFont typeface="Arial"/>
-      <a:defRPr b="0" i="0" sz="1400" u="none" cap="none" strike="noStrike">
+      <a:defRPr sz="1400" b="0" i="0" u="none" strike="noStrike" cap="none">
         <a:solidFill>
           <a:srgbClr val="000000"/>
         </a:solidFill>
@@ -588,7 +632,7 @@
         <a:sym typeface="Arial"/>
       </a:defRPr>
     </a:lvl4pPr>
-    <a:lvl5pPr lvl="4" marR="0" rtl="0" algn="l">
+    <a:lvl5pPr marR="0" lvl="4" algn="l" rtl="0">
       <a:lnSpc>
         <a:spcPct val="100000"/>
       </a:lnSpc>
@@ -602,7 +646,7 @@
         <a:srgbClr val="000000"/>
       </a:buClr>
       <a:buFont typeface="Arial"/>
-      <a:defRPr b="0" i="0" sz="1400" u="none" cap="none" strike="noStrike">
+      <a:defRPr sz="1400" b="0" i="0" u="none" strike="noStrike" cap="none">
         <a:solidFill>
           <a:srgbClr val="000000"/>
         </a:solidFill>
@@ -612,7 +656,7 @@
         <a:sym typeface="Arial"/>
       </a:defRPr>
     </a:lvl5pPr>
-    <a:lvl6pPr lvl="5" marR="0" rtl="0" algn="l">
+    <a:lvl6pPr marR="0" lvl="5" algn="l" rtl="0">
       <a:lnSpc>
         <a:spcPct val="100000"/>
       </a:lnSpc>
@@ -626,7 +670,7 @@
         <a:srgbClr val="000000"/>
       </a:buClr>
       <a:buFont typeface="Arial"/>
-      <a:defRPr b="0" i="0" sz="1400" u="none" cap="none" strike="noStrike">
+      <a:defRPr sz="1400" b="0" i="0" u="none" strike="noStrike" cap="none">
         <a:solidFill>
           <a:srgbClr val="000000"/>
         </a:solidFill>
@@ -636,7 +680,7 @@
         <a:sym typeface="Arial"/>
       </a:defRPr>
     </a:lvl6pPr>
-    <a:lvl7pPr lvl="6" marR="0" rtl="0" algn="l">
+    <a:lvl7pPr marR="0" lvl="6" algn="l" rtl="0">
       <a:lnSpc>
         <a:spcPct val="100000"/>
       </a:lnSpc>
@@ -650,7 +694,7 @@
         <a:srgbClr val="000000"/>
       </a:buClr>
       <a:buFont typeface="Arial"/>
-      <a:defRPr b="0" i="0" sz="1400" u="none" cap="none" strike="noStrike">
+      <a:defRPr sz="1400" b="0" i="0" u="none" strike="noStrike" cap="none">
         <a:solidFill>
           <a:srgbClr val="000000"/>
         </a:solidFill>
@@ -660,7 +704,7 @@
         <a:sym typeface="Arial"/>
       </a:defRPr>
     </a:lvl7pPr>
-    <a:lvl8pPr lvl="7" marR="0" rtl="0" algn="l">
+    <a:lvl8pPr marR="0" lvl="7" algn="l" rtl="0">
       <a:lnSpc>
         <a:spcPct val="100000"/>
       </a:lnSpc>
@@ -674,7 +718,7 @@
         <a:srgbClr val="000000"/>
       </a:buClr>
       <a:buFont typeface="Arial"/>
-      <a:defRPr b="0" i="0" sz="1400" u="none" cap="none" strike="noStrike">
+      <a:defRPr sz="1400" b="0" i="0" u="none" strike="noStrike" cap="none">
         <a:solidFill>
           <a:srgbClr val="000000"/>
         </a:solidFill>
@@ -684,7 +728,7 @@
         <a:sym typeface="Arial"/>
       </a:defRPr>
     </a:lvl8pPr>
-    <a:lvl9pPr lvl="8" marR="0" rtl="0" algn="l">
+    <a:lvl9pPr marR="0" lvl="8" algn="l" rtl="0">
       <a:lnSpc>
         <a:spcPct val="100000"/>
       </a:lnSpc>
@@ -698,7 +742,7 @@
         <a:srgbClr val="000000"/>
       </a:buClr>
       <a:buFont typeface="Arial"/>
-      <a:defRPr b="0" i="0" sz="1400" u="none" cap="none" strike="noStrike">
+      <a:defRPr sz="1400" b="0" i="0" u="none" strike="noStrike" cap="none">
         <a:solidFill>
           <a:srgbClr val="000000"/>
         </a:solidFill>
@@ -713,11 +757,11 @@
 </file>
 
 <file path=ppt/notesSlides/notesSlide1.xml><?xml version="1.0" encoding="utf-8"?>
-<p:notes xmlns:a="http://schemas.openxmlformats.org/drawingml/2006/main" xmlns:r="http://schemas.openxmlformats.org/officeDocument/2006/relationships" xmlns:mc="http://schemas.openxmlformats.org/markup-compatibility/2006" xmlns:mv="urn:schemas-microsoft-com:mac:vml" xmlns:p="http://schemas.openxmlformats.org/presentationml/2006/main" xmlns:c="http://schemas.openxmlformats.org/drawingml/2006/chart" xmlns:dgm="http://schemas.openxmlformats.org/drawingml/2006/diagram" xmlns:o="urn:schemas-microsoft-com:office:office" xmlns:v="urn:schemas-microsoft-com:vml" xmlns:pvml="urn:schemas-microsoft-com:office:powerpoint" xmlns:com="http://schemas.openxmlformats.org/drawingml/2006/compatibility" xmlns:p14="http://schemas.microsoft.com/office/powerpoint/2010/main" xmlns:p15="http://schemas.microsoft.com/office/powerpoint/2012/main" xmlns:ahyp="http://schemas.microsoft.com/office/drawing/2018/hyperlinkcolor" showMasterPhAnim="0" showMasterSp="0">
+<p:notes xmlns:a="http://schemas.openxmlformats.org/drawingml/2006/main" xmlns:r="http://schemas.openxmlformats.org/officeDocument/2006/relationships" xmlns:p="http://schemas.openxmlformats.org/presentationml/2006/main" showMasterSp="0" showMasterPhAnim="0">
   <p:cSld>
     <p:spTree>
       <p:nvGrpSpPr>
-        <p:cNvPr id="60" name="Shape 60"/>
+        <p:cNvPr id="1" name="Shape 60"/>
         <p:cNvGrpSpPr/>
         <p:nvPr/>
       </p:nvGrpSpPr>
@@ -732,9 +776,11 @@
       <p:sp>
         <p:nvSpPr>
           <p:cNvPr id="61" name="Google Shape;61;p:notes"/>
-          <p:cNvSpPr/>
+          <p:cNvSpPr>
+            <a:spLocks noGrp="1" noRot="1" noChangeAspect="1"/>
+          </p:cNvSpPr>
           <p:nvPr>
-            <p:ph idx="2" type="sldImg"/>
+            <p:ph type="sldImg" idx="2"/>
           </p:nvPr>
         </p:nvSpPr>
         <p:spPr>
@@ -743,9 +789,13 @@
             <a:ext cx="6096075" cy="3429000"/>
           </a:xfrm>
           <a:custGeom>
-            <a:rect b="b" l="l" r="r" t="t"/>
+            <a:avLst/>
+            <a:gdLst/>
+            <a:ahLst/>
+            <a:cxnLst/>
+            <a:rect l="l" t="t" r="r" b="b"/>
             <a:pathLst>
-              <a:path extrusionOk="0" h="120000" w="120000">
+              <a:path w="120000" h="120000" extrusionOk="0">
                 <a:moveTo>
                   <a:pt x="0" y="0"/>
                 </a:moveTo>
@@ -767,9 +817,11 @@
       <p:sp>
         <p:nvSpPr>
           <p:cNvPr id="62" name="Google Shape;62;p:notes"/>
-          <p:cNvSpPr txBox="1"/>
+          <p:cNvSpPr txBox="1">
+            <a:spLocks noGrp="1"/>
+          </p:cNvSpPr>
           <p:nvPr>
-            <p:ph idx="1" type="body"/>
+            <p:ph type="body" idx="1"/>
           </p:nvPr>
         </p:nvSpPr>
         <p:spPr>
@@ -782,12 +834,12 @@
           </a:prstGeom>
         </p:spPr>
         <p:txBody>
-          <a:bodyPr anchorCtr="0" anchor="t" bIns="91425" lIns="91425" spcFirstLastPara="1" rIns="91425" wrap="square" tIns="91425">
+          <a:bodyPr spcFirstLastPara="1" wrap="square" lIns="91425" tIns="91425" rIns="91425" bIns="91425" anchor="t" anchorCtr="0">
             <a:noAutofit/>
           </a:bodyPr>
           <a:lstStyle/>
           <a:p>
-            <a:pPr indent="0" lvl="0" marL="0" rtl="0" algn="l">
+            <a:pPr marL="0" lvl="0" indent="0" algn="l" rtl="0">
               <a:spcBef>
                 <a:spcPts val="0"/>
               </a:spcBef>
@@ -796,9 +848,6 @@
               </a:spcAft>
               <a:buNone/>
             </a:pPr>
-            <a:r>
-              <a:t/>
-            </a:r>
             <a:endParaRPr/>
           </a:p>
         </p:txBody>
@@ -812,11 +861,11 @@
 </file>
 
 <file path=ppt/notesSlides/notesSlide10.xml><?xml version="1.0" encoding="utf-8"?>
-<p:notes xmlns:a="http://schemas.openxmlformats.org/drawingml/2006/main" xmlns:r="http://schemas.openxmlformats.org/officeDocument/2006/relationships" xmlns:mc="http://schemas.openxmlformats.org/markup-compatibility/2006" xmlns:mv="urn:schemas-microsoft-com:mac:vml" xmlns:p="http://schemas.openxmlformats.org/presentationml/2006/main" xmlns:c="http://schemas.openxmlformats.org/drawingml/2006/chart" xmlns:dgm="http://schemas.openxmlformats.org/drawingml/2006/diagram" xmlns:o="urn:schemas-microsoft-com:office:office" xmlns:v="urn:schemas-microsoft-com:vml" xmlns:pvml="urn:schemas-microsoft-com:office:powerpoint" xmlns:com="http://schemas.openxmlformats.org/drawingml/2006/compatibility" xmlns:p14="http://schemas.microsoft.com/office/powerpoint/2010/main" xmlns:p15="http://schemas.microsoft.com/office/powerpoint/2012/main" xmlns:ahyp="http://schemas.microsoft.com/office/drawing/2018/hyperlinkcolor" showMasterPhAnim="0" showMasterSp="0">
+<p:notes xmlns:a="http://schemas.openxmlformats.org/drawingml/2006/main" xmlns:r="http://schemas.openxmlformats.org/officeDocument/2006/relationships" xmlns:p="http://schemas.openxmlformats.org/presentationml/2006/main" showMasterSp="0" showMasterPhAnim="0">
   <p:cSld>
     <p:spTree>
       <p:nvGrpSpPr>
-        <p:cNvPr id="126" name="Shape 126"/>
+        <p:cNvPr id="1" name="Shape 126"/>
         <p:cNvGrpSpPr/>
         <p:nvPr/>
       </p:nvGrpSpPr>
@@ -831,9 +880,11 @@
       <p:sp>
         <p:nvSpPr>
           <p:cNvPr id="127" name="Google Shape;127;g261edaaa813_0_102:notes"/>
-          <p:cNvSpPr/>
+          <p:cNvSpPr>
+            <a:spLocks noGrp="1" noRot="1" noChangeAspect="1"/>
+          </p:cNvSpPr>
           <p:nvPr>
-            <p:ph idx="2" type="sldImg"/>
+            <p:ph type="sldImg" idx="2"/>
           </p:nvPr>
         </p:nvSpPr>
         <p:spPr>
@@ -842,9 +893,13 @@
             <a:ext cx="6096000" cy="3429000"/>
           </a:xfrm>
           <a:custGeom>
-            <a:rect b="b" l="l" r="r" t="t"/>
+            <a:avLst/>
+            <a:gdLst/>
+            <a:ahLst/>
+            <a:cxnLst/>
+            <a:rect l="l" t="t" r="r" b="b"/>
             <a:pathLst>
-              <a:path extrusionOk="0" h="120000" w="120000">
+              <a:path w="120000" h="120000" extrusionOk="0">
                 <a:moveTo>
                   <a:pt x="0" y="0"/>
                 </a:moveTo>
@@ -866,9 +921,11 @@
       <p:sp>
         <p:nvSpPr>
           <p:cNvPr id="128" name="Google Shape;128;g261edaaa813_0_102:notes"/>
-          <p:cNvSpPr txBox="1"/>
+          <p:cNvSpPr txBox="1">
+            <a:spLocks noGrp="1"/>
+          </p:cNvSpPr>
           <p:nvPr>
-            <p:ph idx="1" type="body"/>
+            <p:ph type="body" idx="1"/>
           </p:nvPr>
         </p:nvSpPr>
         <p:spPr>
@@ -881,12 +938,12 @@
           </a:prstGeom>
         </p:spPr>
         <p:txBody>
-          <a:bodyPr anchorCtr="0" anchor="t" bIns="91425" lIns="91425" spcFirstLastPara="1" rIns="91425" wrap="square" tIns="91425">
+          <a:bodyPr spcFirstLastPara="1" wrap="square" lIns="91425" tIns="91425" rIns="91425" bIns="91425" anchor="t" anchorCtr="0">
             <a:noAutofit/>
           </a:bodyPr>
           <a:lstStyle/>
           <a:p>
-            <a:pPr indent="0" lvl="0" marL="0" rtl="0" algn="l">
+            <a:pPr marL="0" lvl="0" indent="0" algn="l" rtl="0">
               <a:spcBef>
                 <a:spcPts val="0"/>
               </a:spcBef>
@@ -895,9 +952,6 @@
               </a:spcAft>
               <a:buNone/>
             </a:pPr>
-            <a:r>
-              <a:t/>
-            </a:r>
             <a:endParaRPr/>
           </a:p>
         </p:txBody>
@@ -911,11 +965,11 @@
 </file>
 
 <file path=ppt/notesSlides/notesSlide11.xml><?xml version="1.0" encoding="utf-8"?>
-<p:notes xmlns:a="http://schemas.openxmlformats.org/drawingml/2006/main" xmlns:r="http://schemas.openxmlformats.org/officeDocument/2006/relationships" xmlns:mc="http://schemas.openxmlformats.org/markup-compatibility/2006" xmlns:mv="urn:schemas-microsoft-com:mac:vml" xmlns:p="http://schemas.openxmlformats.org/presentationml/2006/main" xmlns:c="http://schemas.openxmlformats.org/drawingml/2006/chart" xmlns:dgm="http://schemas.openxmlformats.org/drawingml/2006/diagram" xmlns:o="urn:schemas-microsoft-com:office:office" xmlns:v="urn:schemas-microsoft-com:vml" xmlns:pvml="urn:schemas-microsoft-com:office:powerpoint" xmlns:com="http://schemas.openxmlformats.org/drawingml/2006/compatibility" xmlns:p14="http://schemas.microsoft.com/office/powerpoint/2010/main" xmlns:p15="http://schemas.microsoft.com/office/powerpoint/2012/main" xmlns:ahyp="http://schemas.microsoft.com/office/drawing/2018/hyperlinkcolor" showMasterPhAnim="0" showMasterSp="0">
+<p:notes xmlns:a="http://schemas.openxmlformats.org/drawingml/2006/main" xmlns:r="http://schemas.openxmlformats.org/officeDocument/2006/relationships" xmlns:p="http://schemas.openxmlformats.org/presentationml/2006/main" showMasterSp="0" showMasterPhAnim="0">
   <p:cSld>
     <p:spTree>
       <p:nvGrpSpPr>
-        <p:cNvPr id="133" name="Shape 133"/>
+        <p:cNvPr id="1" name="Shape 133"/>
         <p:cNvGrpSpPr/>
         <p:nvPr/>
       </p:nvGrpSpPr>
@@ -930,20 +984,26 @@
       <p:sp>
         <p:nvSpPr>
           <p:cNvPr id="134" name="Google Shape;134;g261edaaa813_0_108:notes"/>
-          <p:cNvSpPr/>
+          <p:cNvSpPr>
+            <a:spLocks noGrp="1" noRot="1" noChangeAspect="1"/>
+          </p:cNvSpPr>
           <p:nvPr>
-            <p:ph idx="2" type="sldImg"/>
+            <p:ph type="sldImg" idx="2"/>
           </p:nvPr>
         </p:nvSpPr>
         <p:spPr>
           <a:xfrm>
-            <a:off x="381300" y="685800"/>
+            <a:off x="381000" y="685800"/>
             <a:ext cx="6096000" cy="3429000"/>
           </a:xfrm>
           <a:custGeom>
-            <a:rect b="b" l="l" r="r" t="t"/>
+            <a:avLst/>
+            <a:gdLst/>
+            <a:ahLst/>
+            <a:cxnLst/>
+            <a:rect l="l" t="t" r="r" b="b"/>
             <a:pathLst>
-              <a:path extrusionOk="0" h="120000" w="120000">
+              <a:path w="120000" h="120000" extrusionOk="0">
                 <a:moveTo>
                   <a:pt x="0" y="0"/>
                 </a:moveTo>
@@ -965,9 +1025,11 @@
       <p:sp>
         <p:nvSpPr>
           <p:cNvPr id="135" name="Google Shape;135;g261edaaa813_0_108:notes"/>
-          <p:cNvSpPr txBox="1"/>
+          <p:cNvSpPr txBox="1">
+            <a:spLocks noGrp="1"/>
+          </p:cNvSpPr>
           <p:nvPr>
-            <p:ph idx="1" type="body"/>
+            <p:ph type="body" idx="1"/>
           </p:nvPr>
         </p:nvSpPr>
         <p:spPr>
@@ -980,12 +1042,12 @@
           </a:prstGeom>
         </p:spPr>
         <p:txBody>
-          <a:bodyPr anchorCtr="0" anchor="t" bIns="91425" lIns="91425" spcFirstLastPara="1" rIns="91425" wrap="square" tIns="91425">
+          <a:bodyPr spcFirstLastPara="1" wrap="square" lIns="91425" tIns="91425" rIns="91425" bIns="91425" anchor="t" anchorCtr="0">
             <a:noAutofit/>
           </a:bodyPr>
           <a:lstStyle/>
           <a:p>
-            <a:pPr indent="0" lvl="0" marL="0" rtl="0" algn="l">
+            <a:pPr marL="0" lvl="0" indent="0" algn="l" rtl="0">
               <a:spcBef>
                 <a:spcPts val="0"/>
               </a:spcBef>
@@ -994,9 +1056,6 @@
               </a:spcAft>
               <a:buNone/>
             </a:pPr>
-            <a:r>
-              <a:t/>
-            </a:r>
             <a:endParaRPr/>
           </a:p>
         </p:txBody>
@@ -1010,11 +1069,11 @@
 </file>
 
 <file path=ppt/notesSlides/notesSlide2.xml><?xml version="1.0" encoding="utf-8"?>
-<p:notes xmlns:a="http://schemas.openxmlformats.org/drawingml/2006/main" xmlns:r="http://schemas.openxmlformats.org/officeDocument/2006/relationships" xmlns:mc="http://schemas.openxmlformats.org/markup-compatibility/2006" xmlns:mv="urn:schemas-microsoft-com:mac:vml" xmlns:p="http://schemas.openxmlformats.org/presentationml/2006/main" xmlns:c="http://schemas.openxmlformats.org/drawingml/2006/chart" xmlns:dgm="http://schemas.openxmlformats.org/drawingml/2006/diagram" xmlns:o="urn:schemas-microsoft-com:office:office" xmlns:v="urn:schemas-microsoft-com:vml" xmlns:pvml="urn:schemas-microsoft-com:office:powerpoint" xmlns:com="http://schemas.openxmlformats.org/drawingml/2006/compatibility" xmlns:p14="http://schemas.microsoft.com/office/powerpoint/2010/main" xmlns:p15="http://schemas.microsoft.com/office/powerpoint/2012/main" xmlns:ahyp="http://schemas.microsoft.com/office/drawing/2018/hyperlinkcolor" showMasterPhAnim="0" showMasterSp="0">
+<p:notes xmlns:a="http://schemas.openxmlformats.org/drawingml/2006/main" xmlns:r="http://schemas.openxmlformats.org/officeDocument/2006/relationships" xmlns:p="http://schemas.openxmlformats.org/presentationml/2006/main" showMasterSp="0" showMasterPhAnim="0">
   <p:cSld>
     <p:spTree>
       <p:nvGrpSpPr>
-        <p:cNvPr id="67" name="Shape 67"/>
+        <p:cNvPr id="1" name="Shape 67"/>
         <p:cNvGrpSpPr/>
         <p:nvPr/>
       </p:nvGrpSpPr>
@@ -1029,9 +1088,11 @@
       <p:sp>
         <p:nvSpPr>
           <p:cNvPr id="68" name="Google Shape;68;g261edaaa813_0_55:notes"/>
-          <p:cNvSpPr/>
+          <p:cNvSpPr>
+            <a:spLocks noGrp="1" noRot="1" noChangeAspect="1"/>
+          </p:cNvSpPr>
           <p:nvPr>
-            <p:ph idx="2" type="sldImg"/>
+            <p:ph type="sldImg" idx="2"/>
           </p:nvPr>
         </p:nvSpPr>
         <p:spPr>
@@ -1040,9 +1101,13 @@
             <a:ext cx="6096000" cy="3429000"/>
           </a:xfrm>
           <a:custGeom>
-            <a:rect b="b" l="l" r="r" t="t"/>
+            <a:avLst/>
+            <a:gdLst/>
+            <a:ahLst/>
+            <a:cxnLst/>
+            <a:rect l="l" t="t" r="r" b="b"/>
             <a:pathLst>
-              <a:path extrusionOk="0" h="120000" w="120000">
+              <a:path w="120000" h="120000" extrusionOk="0">
                 <a:moveTo>
                   <a:pt x="0" y="0"/>
                 </a:moveTo>
@@ -1064,9 +1129,11 @@
       <p:sp>
         <p:nvSpPr>
           <p:cNvPr id="69" name="Google Shape;69;g261edaaa813_0_55:notes"/>
-          <p:cNvSpPr txBox="1"/>
+          <p:cNvSpPr txBox="1">
+            <a:spLocks noGrp="1"/>
+          </p:cNvSpPr>
           <p:nvPr>
-            <p:ph idx="1" type="body"/>
+            <p:ph type="body" idx="1"/>
           </p:nvPr>
         </p:nvSpPr>
         <p:spPr>
@@ -1079,12 +1146,12 @@
           </a:prstGeom>
         </p:spPr>
         <p:txBody>
-          <a:bodyPr anchorCtr="0" anchor="t" bIns="91425" lIns="91425" spcFirstLastPara="1" rIns="91425" wrap="square" tIns="91425">
+          <a:bodyPr spcFirstLastPara="1" wrap="square" lIns="91425" tIns="91425" rIns="91425" bIns="91425" anchor="t" anchorCtr="0">
             <a:noAutofit/>
           </a:bodyPr>
           <a:lstStyle/>
           <a:p>
-            <a:pPr indent="0" lvl="0" marL="0" rtl="0" algn="l">
+            <a:pPr marL="0" lvl="0" indent="0" algn="l" rtl="0">
               <a:spcBef>
                 <a:spcPts val="0"/>
               </a:spcBef>
@@ -1093,9 +1160,6 @@
               </a:spcAft>
               <a:buNone/>
             </a:pPr>
-            <a:r>
-              <a:t/>
-            </a:r>
             <a:endParaRPr/>
           </a:p>
         </p:txBody>
@@ -1109,11 +1173,11 @@
 </file>
 
 <file path=ppt/notesSlides/notesSlide3.xml><?xml version="1.0" encoding="utf-8"?>
-<p:notes xmlns:a="http://schemas.openxmlformats.org/drawingml/2006/main" xmlns:r="http://schemas.openxmlformats.org/officeDocument/2006/relationships" xmlns:mc="http://schemas.openxmlformats.org/markup-compatibility/2006" xmlns:mv="urn:schemas-microsoft-com:mac:vml" xmlns:p="http://schemas.openxmlformats.org/presentationml/2006/main" xmlns:c="http://schemas.openxmlformats.org/drawingml/2006/chart" xmlns:dgm="http://schemas.openxmlformats.org/drawingml/2006/diagram" xmlns:o="urn:schemas-microsoft-com:office:office" xmlns:v="urn:schemas-microsoft-com:vml" xmlns:pvml="urn:schemas-microsoft-com:office:powerpoint" xmlns:com="http://schemas.openxmlformats.org/drawingml/2006/compatibility" xmlns:p14="http://schemas.microsoft.com/office/powerpoint/2010/main" xmlns:p15="http://schemas.microsoft.com/office/powerpoint/2012/main" xmlns:ahyp="http://schemas.microsoft.com/office/drawing/2018/hyperlinkcolor" showMasterPhAnim="0" showMasterSp="0">
+<p:notes xmlns:a="http://schemas.openxmlformats.org/drawingml/2006/main" xmlns:r="http://schemas.openxmlformats.org/officeDocument/2006/relationships" xmlns:p="http://schemas.openxmlformats.org/presentationml/2006/main" showMasterSp="0" showMasterPhAnim="0">
   <p:cSld>
     <p:spTree>
       <p:nvGrpSpPr>
-        <p:cNvPr id="74" name="Shape 74"/>
+        <p:cNvPr id="1" name="Shape 74"/>
         <p:cNvGrpSpPr/>
         <p:nvPr/>
       </p:nvGrpSpPr>
@@ -1128,9 +1192,11 @@
       <p:sp>
         <p:nvSpPr>
           <p:cNvPr id="75" name="Google Shape;75;g261edaaa813_0_116:notes"/>
-          <p:cNvSpPr/>
+          <p:cNvSpPr>
+            <a:spLocks noGrp="1" noRot="1" noChangeAspect="1"/>
+          </p:cNvSpPr>
           <p:nvPr>
-            <p:ph idx="2" type="sldImg"/>
+            <p:ph type="sldImg" idx="2"/>
           </p:nvPr>
         </p:nvSpPr>
         <p:spPr>
@@ -1139,9 +1205,13 @@
             <a:ext cx="6096000" cy="3429000"/>
           </a:xfrm>
           <a:custGeom>
-            <a:rect b="b" l="l" r="r" t="t"/>
+            <a:avLst/>
+            <a:gdLst/>
+            <a:ahLst/>
+            <a:cxnLst/>
+            <a:rect l="l" t="t" r="r" b="b"/>
             <a:pathLst>
-              <a:path extrusionOk="0" h="120000" w="120000">
+              <a:path w="120000" h="120000" extrusionOk="0">
                 <a:moveTo>
                   <a:pt x="0" y="0"/>
                 </a:moveTo>
@@ -1163,9 +1233,11 @@
       <p:sp>
         <p:nvSpPr>
           <p:cNvPr id="76" name="Google Shape;76;g261edaaa813_0_116:notes"/>
-          <p:cNvSpPr txBox="1"/>
+          <p:cNvSpPr txBox="1">
+            <a:spLocks noGrp="1"/>
+          </p:cNvSpPr>
           <p:nvPr>
-            <p:ph idx="1" type="body"/>
+            <p:ph type="body" idx="1"/>
           </p:nvPr>
         </p:nvSpPr>
         <p:spPr>
@@ -1178,12 +1250,12 @@
           </a:prstGeom>
         </p:spPr>
         <p:txBody>
-          <a:bodyPr anchorCtr="0" anchor="t" bIns="91425" lIns="91425" spcFirstLastPara="1" rIns="91425" wrap="square" tIns="91425">
+          <a:bodyPr spcFirstLastPara="1" wrap="square" lIns="91425" tIns="91425" rIns="91425" bIns="91425" anchor="t" anchorCtr="0">
             <a:noAutofit/>
           </a:bodyPr>
           <a:lstStyle/>
           <a:p>
-            <a:pPr indent="0" lvl="0" marL="0" rtl="0" algn="l">
+            <a:pPr marL="0" lvl="0" indent="0" algn="l" rtl="0">
               <a:spcBef>
                 <a:spcPts val="0"/>
               </a:spcBef>
@@ -1192,9 +1264,6 @@
               </a:spcAft>
               <a:buNone/>
             </a:pPr>
-            <a:r>
-              <a:t/>
-            </a:r>
             <a:endParaRPr/>
           </a:p>
         </p:txBody>
@@ -1208,11 +1277,11 @@
 </file>
 
 <file path=ppt/notesSlides/notesSlide4.xml><?xml version="1.0" encoding="utf-8"?>
-<p:notes xmlns:a="http://schemas.openxmlformats.org/drawingml/2006/main" xmlns:r="http://schemas.openxmlformats.org/officeDocument/2006/relationships" xmlns:mc="http://schemas.openxmlformats.org/markup-compatibility/2006" xmlns:mv="urn:schemas-microsoft-com:mac:vml" xmlns:p="http://schemas.openxmlformats.org/presentationml/2006/main" xmlns:c="http://schemas.openxmlformats.org/drawingml/2006/chart" xmlns:dgm="http://schemas.openxmlformats.org/drawingml/2006/diagram" xmlns:o="urn:schemas-microsoft-com:office:office" xmlns:v="urn:schemas-microsoft-com:vml" xmlns:pvml="urn:schemas-microsoft-com:office:powerpoint" xmlns:com="http://schemas.openxmlformats.org/drawingml/2006/compatibility" xmlns:p14="http://schemas.microsoft.com/office/powerpoint/2010/main" xmlns:p15="http://schemas.microsoft.com/office/powerpoint/2012/main" xmlns:ahyp="http://schemas.microsoft.com/office/drawing/2018/hyperlinkcolor" showMasterPhAnim="0" showMasterSp="0">
+<p:notes xmlns:a="http://schemas.openxmlformats.org/drawingml/2006/main" xmlns:r="http://schemas.openxmlformats.org/officeDocument/2006/relationships" xmlns:p="http://schemas.openxmlformats.org/presentationml/2006/main" showMasterSp="0" showMasterPhAnim="0">
   <p:cSld>
     <p:spTree>
       <p:nvGrpSpPr>
-        <p:cNvPr id="81" name="Shape 81"/>
+        <p:cNvPr id="1" name="Shape 81"/>
         <p:cNvGrpSpPr/>
         <p:nvPr/>
       </p:nvGrpSpPr>
@@ -1227,9 +1296,11 @@
       <p:sp>
         <p:nvSpPr>
           <p:cNvPr id="82" name="Google Shape;82;g261edaaa813_0_62:notes"/>
-          <p:cNvSpPr/>
+          <p:cNvSpPr>
+            <a:spLocks noGrp="1" noRot="1" noChangeAspect="1"/>
+          </p:cNvSpPr>
           <p:nvPr>
-            <p:ph idx="2" type="sldImg"/>
+            <p:ph type="sldImg" idx="2"/>
           </p:nvPr>
         </p:nvSpPr>
         <p:spPr>
@@ -1238,9 +1309,13 @@
             <a:ext cx="6096000" cy="3429000"/>
           </a:xfrm>
           <a:custGeom>
-            <a:rect b="b" l="l" r="r" t="t"/>
+            <a:avLst/>
+            <a:gdLst/>
+            <a:ahLst/>
+            <a:cxnLst/>
+            <a:rect l="l" t="t" r="r" b="b"/>
             <a:pathLst>
-              <a:path extrusionOk="0" h="120000" w="120000">
+              <a:path w="120000" h="120000" extrusionOk="0">
                 <a:moveTo>
                   <a:pt x="0" y="0"/>
                 </a:moveTo>
@@ -1262,9 +1337,11 @@
       <p:sp>
         <p:nvSpPr>
           <p:cNvPr id="83" name="Google Shape;83;g261edaaa813_0_62:notes"/>
-          <p:cNvSpPr txBox="1"/>
+          <p:cNvSpPr txBox="1">
+            <a:spLocks noGrp="1"/>
+          </p:cNvSpPr>
           <p:nvPr>
-            <p:ph idx="1" type="body"/>
+            <p:ph type="body" idx="1"/>
           </p:nvPr>
         </p:nvSpPr>
         <p:spPr>
@@ -1277,12 +1354,12 @@
           </a:prstGeom>
         </p:spPr>
         <p:txBody>
-          <a:bodyPr anchorCtr="0" anchor="t" bIns="91425" lIns="91425" spcFirstLastPara="1" rIns="91425" wrap="square" tIns="91425">
+          <a:bodyPr spcFirstLastPara="1" wrap="square" lIns="91425" tIns="91425" rIns="91425" bIns="91425" anchor="t" anchorCtr="0">
             <a:noAutofit/>
           </a:bodyPr>
           <a:lstStyle/>
           <a:p>
-            <a:pPr indent="0" lvl="0" marL="0" rtl="0" algn="l">
+            <a:pPr marL="0" lvl="0" indent="0" algn="l" rtl="0">
               <a:spcBef>
                 <a:spcPts val="0"/>
               </a:spcBef>
@@ -1291,9 +1368,6 @@
               </a:spcAft>
               <a:buNone/>
             </a:pPr>
-            <a:r>
-              <a:t/>
-            </a:r>
             <a:endParaRPr/>
           </a:p>
         </p:txBody>
@@ -1307,11 +1381,11 @@
 </file>
 
 <file path=ppt/notesSlides/notesSlide5.xml><?xml version="1.0" encoding="utf-8"?>
-<p:notes xmlns:a="http://schemas.openxmlformats.org/drawingml/2006/main" xmlns:r="http://schemas.openxmlformats.org/officeDocument/2006/relationships" xmlns:mc="http://schemas.openxmlformats.org/markup-compatibility/2006" xmlns:mv="urn:schemas-microsoft-com:mac:vml" xmlns:p="http://schemas.openxmlformats.org/presentationml/2006/main" xmlns:c="http://schemas.openxmlformats.org/drawingml/2006/chart" xmlns:dgm="http://schemas.openxmlformats.org/drawingml/2006/diagram" xmlns:o="urn:schemas-microsoft-com:office:office" xmlns:v="urn:schemas-microsoft-com:vml" xmlns:pvml="urn:schemas-microsoft-com:office:powerpoint" xmlns:com="http://schemas.openxmlformats.org/drawingml/2006/compatibility" xmlns:p14="http://schemas.microsoft.com/office/powerpoint/2010/main" xmlns:p15="http://schemas.microsoft.com/office/powerpoint/2012/main" xmlns:ahyp="http://schemas.microsoft.com/office/drawing/2018/hyperlinkcolor" showMasterPhAnim="0" showMasterSp="0">
+<p:notes xmlns:a="http://schemas.openxmlformats.org/drawingml/2006/main" xmlns:r="http://schemas.openxmlformats.org/officeDocument/2006/relationships" xmlns:p="http://schemas.openxmlformats.org/presentationml/2006/main" showMasterSp="0" showMasterPhAnim="0">
   <p:cSld>
     <p:spTree>
       <p:nvGrpSpPr>
-        <p:cNvPr id="88" name="Shape 88"/>
+        <p:cNvPr id="1" name="Shape 88"/>
         <p:cNvGrpSpPr/>
         <p:nvPr/>
       </p:nvGrpSpPr>
@@ -1326,9 +1400,11 @@
       <p:sp>
         <p:nvSpPr>
           <p:cNvPr id="89" name="Google Shape;89;g261edaaa813_0_68:notes"/>
-          <p:cNvSpPr/>
+          <p:cNvSpPr>
+            <a:spLocks noGrp="1" noRot="1" noChangeAspect="1"/>
+          </p:cNvSpPr>
           <p:nvPr>
-            <p:ph idx="2" type="sldImg"/>
+            <p:ph type="sldImg" idx="2"/>
           </p:nvPr>
         </p:nvSpPr>
         <p:spPr>
@@ -1337,9 +1413,13 @@
             <a:ext cx="6096000" cy="3429000"/>
           </a:xfrm>
           <a:custGeom>
-            <a:rect b="b" l="l" r="r" t="t"/>
+            <a:avLst/>
+            <a:gdLst/>
+            <a:ahLst/>
+            <a:cxnLst/>
+            <a:rect l="l" t="t" r="r" b="b"/>
             <a:pathLst>
-              <a:path extrusionOk="0" h="120000" w="120000">
+              <a:path w="120000" h="120000" extrusionOk="0">
                 <a:moveTo>
                   <a:pt x="0" y="0"/>
                 </a:moveTo>
@@ -1361,9 +1441,11 @@
       <p:sp>
         <p:nvSpPr>
           <p:cNvPr id="90" name="Google Shape;90;g261edaaa813_0_68:notes"/>
-          <p:cNvSpPr txBox="1"/>
+          <p:cNvSpPr txBox="1">
+            <a:spLocks noGrp="1"/>
+          </p:cNvSpPr>
           <p:nvPr>
-            <p:ph idx="1" type="body"/>
+            <p:ph type="body" idx="1"/>
           </p:nvPr>
         </p:nvSpPr>
         <p:spPr>
@@ -1376,12 +1458,12 @@
           </a:prstGeom>
         </p:spPr>
         <p:txBody>
-          <a:bodyPr anchorCtr="0" anchor="t" bIns="91425" lIns="91425" spcFirstLastPara="1" rIns="91425" wrap="square" tIns="91425">
+          <a:bodyPr spcFirstLastPara="1" wrap="square" lIns="91425" tIns="91425" rIns="91425" bIns="91425" anchor="t" anchorCtr="0">
             <a:noAutofit/>
           </a:bodyPr>
           <a:lstStyle/>
           <a:p>
-            <a:pPr indent="0" lvl="0" marL="0" rtl="0" algn="l">
+            <a:pPr marL="0" lvl="0" indent="0" algn="l" rtl="0">
               <a:spcBef>
                 <a:spcPts val="0"/>
               </a:spcBef>
@@ -1390,9 +1472,6 @@
               </a:spcAft>
               <a:buNone/>
             </a:pPr>
-            <a:r>
-              <a:t/>
-            </a:r>
             <a:endParaRPr/>
           </a:p>
         </p:txBody>
@@ -1406,11 +1485,11 @@
 </file>
 
 <file path=ppt/notesSlides/notesSlide6.xml><?xml version="1.0" encoding="utf-8"?>
-<p:notes xmlns:a="http://schemas.openxmlformats.org/drawingml/2006/main" xmlns:r="http://schemas.openxmlformats.org/officeDocument/2006/relationships" xmlns:mc="http://schemas.openxmlformats.org/markup-compatibility/2006" xmlns:mv="urn:schemas-microsoft-com:mac:vml" xmlns:p="http://schemas.openxmlformats.org/presentationml/2006/main" xmlns:c="http://schemas.openxmlformats.org/drawingml/2006/chart" xmlns:dgm="http://schemas.openxmlformats.org/drawingml/2006/diagram" xmlns:o="urn:schemas-microsoft-com:office:office" xmlns:v="urn:schemas-microsoft-com:vml" xmlns:pvml="urn:schemas-microsoft-com:office:powerpoint" xmlns:com="http://schemas.openxmlformats.org/drawingml/2006/compatibility" xmlns:p14="http://schemas.microsoft.com/office/powerpoint/2010/main" xmlns:p15="http://schemas.microsoft.com/office/powerpoint/2012/main" xmlns:ahyp="http://schemas.microsoft.com/office/drawing/2018/hyperlinkcolor" showMasterPhAnim="0" showMasterSp="0">
+<p:notes xmlns:a="http://schemas.openxmlformats.org/drawingml/2006/main" xmlns:r="http://schemas.openxmlformats.org/officeDocument/2006/relationships" xmlns:p="http://schemas.openxmlformats.org/presentationml/2006/main" showMasterSp="0" showMasterPhAnim="0">
   <p:cSld>
     <p:spTree>
       <p:nvGrpSpPr>
-        <p:cNvPr id="95" name="Shape 95"/>
+        <p:cNvPr id="1" name="Shape 95"/>
         <p:cNvGrpSpPr/>
         <p:nvPr/>
       </p:nvGrpSpPr>
@@ -1425,9 +1504,11 @@
       <p:sp>
         <p:nvSpPr>
           <p:cNvPr id="96" name="Google Shape;96;g261edaaa813_0_81:notes"/>
-          <p:cNvSpPr/>
+          <p:cNvSpPr>
+            <a:spLocks noGrp="1" noRot="1" noChangeAspect="1"/>
+          </p:cNvSpPr>
           <p:nvPr>
-            <p:ph idx="2" type="sldImg"/>
+            <p:ph type="sldImg" idx="2"/>
           </p:nvPr>
         </p:nvSpPr>
         <p:spPr>
@@ -1436,9 +1517,13 @@
             <a:ext cx="6096000" cy="3429000"/>
           </a:xfrm>
           <a:custGeom>
-            <a:rect b="b" l="l" r="r" t="t"/>
+            <a:avLst/>
+            <a:gdLst/>
+            <a:ahLst/>
+            <a:cxnLst/>
+            <a:rect l="l" t="t" r="r" b="b"/>
             <a:pathLst>
-              <a:path extrusionOk="0" h="120000" w="120000">
+              <a:path w="120000" h="120000" extrusionOk="0">
                 <a:moveTo>
                   <a:pt x="0" y="0"/>
                 </a:moveTo>
@@ -1460,9 +1545,11 @@
       <p:sp>
         <p:nvSpPr>
           <p:cNvPr id="97" name="Google Shape;97;g261edaaa813_0_81:notes"/>
-          <p:cNvSpPr txBox="1"/>
+          <p:cNvSpPr txBox="1">
+            <a:spLocks noGrp="1"/>
+          </p:cNvSpPr>
           <p:nvPr>
-            <p:ph idx="1" type="body"/>
+            <p:ph type="body" idx="1"/>
           </p:nvPr>
         </p:nvSpPr>
         <p:spPr>
@@ -1475,12 +1562,12 @@
           </a:prstGeom>
         </p:spPr>
         <p:txBody>
-          <a:bodyPr anchorCtr="0" anchor="t" bIns="91425" lIns="91425" spcFirstLastPara="1" rIns="91425" wrap="square" tIns="91425">
+          <a:bodyPr spcFirstLastPara="1" wrap="square" lIns="91425" tIns="91425" rIns="91425" bIns="91425" anchor="t" anchorCtr="0">
             <a:noAutofit/>
           </a:bodyPr>
           <a:lstStyle/>
           <a:p>
-            <a:pPr indent="0" lvl="0" marL="0" rtl="0" algn="l">
+            <a:pPr marL="0" lvl="0" indent="0" algn="l" rtl="0">
               <a:spcBef>
                 <a:spcPts val="0"/>
               </a:spcBef>
@@ -1489,9 +1576,6 @@
               </a:spcAft>
               <a:buNone/>
             </a:pPr>
-            <a:r>
-              <a:t/>
-            </a:r>
             <a:endParaRPr/>
           </a:p>
         </p:txBody>
@@ -1505,11 +1589,11 @@
 </file>
 
 <file path=ppt/notesSlides/notesSlide7.xml><?xml version="1.0" encoding="utf-8"?>
-<p:notes xmlns:a="http://schemas.openxmlformats.org/drawingml/2006/main" xmlns:r="http://schemas.openxmlformats.org/officeDocument/2006/relationships" xmlns:mc="http://schemas.openxmlformats.org/markup-compatibility/2006" xmlns:mv="urn:schemas-microsoft-com:mac:vml" xmlns:p="http://schemas.openxmlformats.org/presentationml/2006/main" xmlns:c="http://schemas.openxmlformats.org/drawingml/2006/chart" xmlns:dgm="http://schemas.openxmlformats.org/drawingml/2006/diagram" xmlns:o="urn:schemas-microsoft-com:office:office" xmlns:v="urn:schemas-microsoft-com:vml" xmlns:pvml="urn:schemas-microsoft-com:office:powerpoint" xmlns:com="http://schemas.openxmlformats.org/drawingml/2006/compatibility" xmlns:p14="http://schemas.microsoft.com/office/powerpoint/2010/main" xmlns:p15="http://schemas.microsoft.com/office/powerpoint/2012/main" xmlns:ahyp="http://schemas.microsoft.com/office/drawing/2018/hyperlinkcolor" showMasterPhAnim="0" showMasterSp="0">
+<p:notes xmlns:a="http://schemas.openxmlformats.org/drawingml/2006/main" xmlns:r="http://schemas.openxmlformats.org/officeDocument/2006/relationships" xmlns:p="http://schemas.openxmlformats.org/presentationml/2006/main" showMasterSp="0" showMasterPhAnim="0">
   <p:cSld>
     <p:spTree>
       <p:nvGrpSpPr>
-        <p:cNvPr id="102" name="Shape 102"/>
+        <p:cNvPr id="1" name="Shape 102"/>
         <p:cNvGrpSpPr/>
         <p:nvPr/>
       </p:nvGrpSpPr>
@@ -1524,9 +1608,11 @@
       <p:sp>
         <p:nvSpPr>
           <p:cNvPr id="103" name="Google Shape;103;g261edaaa813_0_74:notes"/>
-          <p:cNvSpPr/>
+          <p:cNvSpPr>
+            <a:spLocks noGrp="1" noRot="1" noChangeAspect="1"/>
+          </p:cNvSpPr>
           <p:nvPr>
-            <p:ph idx="2" type="sldImg"/>
+            <p:ph type="sldImg" idx="2"/>
           </p:nvPr>
         </p:nvSpPr>
         <p:spPr>
@@ -1535,9 +1621,13 @@
             <a:ext cx="6096000" cy="3429000"/>
           </a:xfrm>
           <a:custGeom>
-            <a:rect b="b" l="l" r="r" t="t"/>
+            <a:avLst/>
+            <a:gdLst/>
+            <a:ahLst/>
+            <a:cxnLst/>
+            <a:rect l="l" t="t" r="r" b="b"/>
             <a:pathLst>
-              <a:path extrusionOk="0" h="120000" w="120000">
+              <a:path w="120000" h="120000" extrusionOk="0">
                 <a:moveTo>
                   <a:pt x="0" y="0"/>
                 </a:moveTo>
@@ -1559,9 +1649,11 @@
       <p:sp>
         <p:nvSpPr>
           <p:cNvPr id="104" name="Google Shape;104;g261edaaa813_0_74:notes"/>
-          <p:cNvSpPr txBox="1"/>
+          <p:cNvSpPr txBox="1">
+            <a:spLocks noGrp="1"/>
+          </p:cNvSpPr>
           <p:nvPr>
-            <p:ph idx="1" type="body"/>
+            <p:ph type="body" idx="1"/>
           </p:nvPr>
         </p:nvSpPr>
         <p:spPr>
@@ -1574,12 +1666,12 @@
           </a:prstGeom>
         </p:spPr>
         <p:txBody>
-          <a:bodyPr anchorCtr="0" anchor="t" bIns="91425" lIns="91425" spcFirstLastPara="1" rIns="91425" wrap="square" tIns="91425">
+          <a:bodyPr spcFirstLastPara="1" wrap="square" lIns="91425" tIns="91425" rIns="91425" bIns="91425" anchor="t" anchorCtr="0">
             <a:noAutofit/>
           </a:bodyPr>
           <a:lstStyle/>
           <a:p>
-            <a:pPr indent="0" lvl="0" marL="0" rtl="0" algn="l">
+            <a:pPr marL="0" lvl="0" indent="0" algn="l" rtl="0">
               <a:spcBef>
                 <a:spcPts val="0"/>
               </a:spcBef>
@@ -1588,9 +1680,6 @@
               </a:spcAft>
               <a:buNone/>
             </a:pPr>
-            <a:r>
-              <a:t/>
-            </a:r>
             <a:endParaRPr/>
           </a:p>
         </p:txBody>
@@ -1604,11 +1693,11 @@
 </file>
 
 <file path=ppt/notesSlides/notesSlide8.xml><?xml version="1.0" encoding="utf-8"?>
-<p:notes xmlns:a="http://schemas.openxmlformats.org/drawingml/2006/main" xmlns:r="http://schemas.openxmlformats.org/officeDocument/2006/relationships" xmlns:mc="http://schemas.openxmlformats.org/markup-compatibility/2006" xmlns:mv="urn:schemas-microsoft-com:mac:vml" xmlns:p="http://schemas.openxmlformats.org/presentationml/2006/main" xmlns:c="http://schemas.openxmlformats.org/drawingml/2006/chart" xmlns:dgm="http://schemas.openxmlformats.org/drawingml/2006/diagram" xmlns:o="urn:schemas-microsoft-com:office:office" xmlns:v="urn:schemas-microsoft-com:vml" xmlns:pvml="urn:schemas-microsoft-com:office:powerpoint" xmlns:com="http://schemas.openxmlformats.org/drawingml/2006/compatibility" xmlns:p14="http://schemas.microsoft.com/office/powerpoint/2010/main" xmlns:p15="http://schemas.microsoft.com/office/powerpoint/2012/main" xmlns:ahyp="http://schemas.microsoft.com/office/drawing/2018/hyperlinkcolor" showMasterPhAnim="0" showMasterSp="0">
+<p:notes xmlns:a="http://schemas.openxmlformats.org/drawingml/2006/main" xmlns:r="http://schemas.openxmlformats.org/officeDocument/2006/relationships" xmlns:p="http://schemas.openxmlformats.org/presentationml/2006/main" showMasterSp="0" showMasterPhAnim="0">
   <p:cSld>
     <p:spTree>
       <p:nvGrpSpPr>
-        <p:cNvPr id="110" name="Shape 110"/>
+        <p:cNvPr id="1" name="Shape 110"/>
         <p:cNvGrpSpPr/>
         <p:nvPr/>
       </p:nvGrpSpPr>
@@ -1623,9 +1712,11 @@
       <p:sp>
         <p:nvSpPr>
           <p:cNvPr id="111" name="Google Shape;111;g261edaaa813_0_86:notes"/>
-          <p:cNvSpPr/>
+          <p:cNvSpPr>
+            <a:spLocks noGrp="1" noRot="1" noChangeAspect="1"/>
+          </p:cNvSpPr>
           <p:nvPr>
-            <p:ph idx="2" type="sldImg"/>
+            <p:ph type="sldImg" idx="2"/>
           </p:nvPr>
         </p:nvSpPr>
         <p:spPr>
@@ -1634,9 +1725,13 @@
             <a:ext cx="6096000" cy="3429000"/>
           </a:xfrm>
           <a:custGeom>
-            <a:rect b="b" l="l" r="r" t="t"/>
+            <a:avLst/>
+            <a:gdLst/>
+            <a:ahLst/>
+            <a:cxnLst/>
+            <a:rect l="l" t="t" r="r" b="b"/>
             <a:pathLst>
-              <a:path extrusionOk="0" h="120000" w="120000">
+              <a:path w="120000" h="120000" extrusionOk="0">
                 <a:moveTo>
                   <a:pt x="0" y="0"/>
                 </a:moveTo>
@@ -1658,9 +1753,11 @@
       <p:sp>
         <p:nvSpPr>
           <p:cNvPr id="112" name="Google Shape;112;g261edaaa813_0_86:notes"/>
-          <p:cNvSpPr txBox="1"/>
+          <p:cNvSpPr txBox="1">
+            <a:spLocks noGrp="1"/>
+          </p:cNvSpPr>
           <p:nvPr>
-            <p:ph idx="1" type="body"/>
+            <p:ph type="body" idx="1"/>
           </p:nvPr>
         </p:nvSpPr>
         <p:spPr>
@@ -1673,12 +1770,12 @@
           </a:prstGeom>
         </p:spPr>
         <p:txBody>
-          <a:bodyPr anchorCtr="0" anchor="t" bIns="91425" lIns="91425" spcFirstLastPara="1" rIns="91425" wrap="square" tIns="91425">
+          <a:bodyPr spcFirstLastPara="1" wrap="square" lIns="91425" tIns="91425" rIns="91425" bIns="91425" anchor="t" anchorCtr="0">
             <a:noAutofit/>
           </a:bodyPr>
           <a:lstStyle/>
           <a:p>
-            <a:pPr indent="0" lvl="0" marL="0" rtl="0" algn="l">
+            <a:pPr marL="0" lvl="0" indent="0" algn="l" rtl="0">
               <a:spcBef>
                 <a:spcPts val="0"/>
               </a:spcBef>
@@ -1687,9 +1784,6 @@
               </a:spcAft>
               <a:buNone/>
             </a:pPr>
-            <a:r>
-              <a:t/>
-            </a:r>
             <a:endParaRPr/>
           </a:p>
         </p:txBody>
@@ -1703,11 +1797,11 @@
 </file>
 
 <file path=ppt/notesSlides/notesSlide9.xml><?xml version="1.0" encoding="utf-8"?>
-<p:notes xmlns:a="http://schemas.openxmlformats.org/drawingml/2006/main" xmlns:r="http://schemas.openxmlformats.org/officeDocument/2006/relationships" xmlns:mc="http://schemas.openxmlformats.org/markup-compatibility/2006" xmlns:mv="urn:schemas-microsoft-com:mac:vml" xmlns:p="http://schemas.openxmlformats.org/presentationml/2006/main" xmlns:c="http://schemas.openxmlformats.org/drawingml/2006/chart" xmlns:dgm="http://schemas.openxmlformats.org/drawingml/2006/diagram" xmlns:o="urn:schemas-microsoft-com:office:office" xmlns:v="urn:schemas-microsoft-com:vml" xmlns:pvml="urn:schemas-microsoft-com:office:powerpoint" xmlns:com="http://schemas.openxmlformats.org/drawingml/2006/compatibility" xmlns:p14="http://schemas.microsoft.com/office/powerpoint/2010/main" xmlns:p15="http://schemas.microsoft.com/office/powerpoint/2012/main" xmlns:ahyp="http://schemas.microsoft.com/office/drawing/2018/hyperlinkcolor" showMasterPhAnim="0" showMasterSp="0">
+<p:notes xmlns:a="http://schemas.openxmlformats.org/drawingml/2006/main" xmlns:r="http://schemas.openxmlformats.org/officeDocument/2006/relationships" xmlns:p="http://schemas.openxmlformats.org/presentationml/2006/main" showMasterSp="0" showMasterPhAnim="0">
   <p:cSld>
     <p:spTree>
       <p:nvGrpSpPr>
-        <p:cNvPr id="118" name="Shape 118"/>
+        <p:cNvPr id="1" name="Shape 118"/>
         <p:cNvGrpSpPr/>
         <p:nvPr/>
       </p:nvGrpSpPr>
@@ -1722,9 +1816,11 @@
       <p:sp>
         <p:nvSpPr>
           <p:cNvPr id="119" name="Google Shape;119;g261edaaa813_0_95:notes"/>
-          <p:cNvSpPr/>
+          <p:cNvSpPr>
+            <a:spLocks noGrp="1" noRot="1" noChangeAspect="1"/>
+          </p:cNvSpPr>
           <p:nvPr>
-            <p:ph idx="2" type="sldImg"/>
+            <p:ph type="sldImg" idx="2"/>
           </p:nvPr>
         </p:nvSpPr>
         <p:spPr>
@@ -1733,9 +1829,13 @@
             <a:ext cx="6096000" cy="3429000"/>
           </a:xfrm>
           <a:custGeom>
-            <a:rect b="b" l="l" r="r" t="t"/>
+            <a:avLst/>
+            <a:gdLst/>
+            <a:ahLst/>
+            <a:cxnLst/>
+            <a:rect l="l" t="t" r="r" b="b"/>
             <a:pathLst>
-              <a:path extrusionOk="0" h="120000" w="120000">
+              <a:path w="120000" h="120000" extrusionOk="0">
                 <a:moveTo>
                   <a:pt x="0" y="0"/>
                 </a:moveTo>
@@ -1757,9 +1857,11 @@
       <p:sp>
         <p:nvSpPr>
           <p:cNvPr id="120" name="Google Shape;120;g261edaaa813_0_95:notes"/>
-          <p:cNvSpPr txBox="1"/>
+          <p:cNvSpPr txBox="1">
+            <a:spLocks noGrp="1"/>
+          </p:cNvSpPr>
           <p:nvPr>
-            <p:ph idx="1" type="body"/>
+            <p:ph type="body" idx="1"/>
           </p:nvPr>
         </p:nvSpPr>
         <p:spPr>
@@ -1772,12 +1874,12 @@
           </a:prstGeom>
         </p:spPr>
         <p:txBody>
-          <a:bodyPr anchorCtr="0" anchor="t" bIns="91425" lIns="91425" spcFirstLastPara="1" rIns="91425" wrap="square" tIns="91425">
+          <a:bodyPr spcFirstLastPara="1" wrap="square" lIns="91425" tIns="91425" rIns="91425" bIns="91425" anchor="t" anchorCtr="0">
             <a:noAutofit/>
           </a:bodyPr>
           <a:lstStyle/>
           <a:p>
-            <a:pPr indent="0" lvl="0" marL="0" rtl="0" algn="l">
+            <a:pPr marL="0" lvl="0" indent="0" algn="l" rtl="0">
               <a:spcBef>
                 <a:spcPts val="0"/>
               </a:spcBef>
@@ -1786,9 +1888,6 @@
               </a:spcAft>
               <a:buNone/>
             </a:pPr>
-            <a:r>
-              <a:t/>
-            </a:r>
             <a:endParaRPr/>
           </a:p>
         </p:txBody>
@@ -1802,18 +1901,19 @@
 </file>
 
 <file path=ppt/slideLayouts/slideLayout1.xml><?xml version="1.0" encoding="utf-8"?>
-<p:sldLayout xmlns:a="http://schemas.openxmlformats.org/drawingml/2006/main" xmlns:r="http://schemas.openxmlformats.org/officeDocument/2006/relationships" xmlns:mc="http://schemas.openxmlformats.org/markup-compatibility/2006" xmlns:mv="urn:schemas-microsoft-com:mac:vml" xmlns:p="http://schemas.openxmlformats.org/presentationml/2006/main" xmlns:c="http://schemas.openxmlformats.org/drawingml/2006/chart" xmlns:dgm="http://schemas.openxmlformats.org/drawingml/2006/diagram" xmlns:o="urn:schemas-microsoft-com:office:office" xmlns:v="urn:schemas-microsoft-com:vml" xmlns:pvml="urn:schemas-microsoft-com:office:powerpoint" xmlns:com="http://schemas.openxmlformats.org/drawingml/2006/compatibility" xmlns:p14="http://schemas.microsoft.com/office/powerpoint/2010/main" xmlns:p15="http://schemas.microsoft.com/office/powerpoint/2012/main" xmlns:ahyp="http://schemas.microsoft.com/office/drawing/2018/hyperlinkcolor" matchingName="Title slide" type="title">
+<p:sldLayout xmlns:a="http://schemas.openxmlformats.org/drawingml/2006/main" xmlns:r="http://schemas.openxmlformats.org/officeDocument/2006/relationships" xmlns:p="http://schemas.openxmlformats.org/presentationml/2006/main" matchingName="Title slide" type="title">
   <p:cSld name="TITLE">
     <p:bg>
       <p:bgPr>
         <a:solidFill>
           <a:schemeClr val="dk1"/>
         </a:solidFill>
+        <a:effectLst/>
       </p:bgPr>
     </p:bg>
     <p:spTree>
       <p:nvGrpSpPr>
-        <p:cNvPr id="9" name="Shape 9"/>
+        <p:cNvPr id="1" name="Shape 9"/>
         <p:cNvGrpSpPr/>
         <p:nvPr/>
       </p:nvGrpSpPr>
@@ -1837,9 +1937,13 @@
             <a:ext cx="9144250" cy="4398100"/>
           </a:xfrm>
           <a:custGeom>
-            <a:rect b="b" l="l" r="r" t="t"/>
+            <a:avLst/>
+            <a:gdLst/>
+            <a:ahLst/>
+            <a:cxnLst/>
+            <a:rect l="l" t="t" r="r" b="b"/>
             <a:pathLst>
-              <a:path extrusionOk="0" h="175924" w="365770">
+              <a:path w="365770" h="175924" extrusionOk="0">
                 <a:moveTo>
                   <a:pt x="0" y="0"/>
                 </a:moveTo>
@@ -1867,7 +1971,9 @@
       <p:sp>
         <p:nvSpPr>
           <p:cNvPr id="11" name="Google Shape;11;p2"/>
-          <p:cNvSpPr txBox="1"/>
+          <p:cNvSpPr txBox="1">
+            <a:spLocks noGrp="1"/>
+          </p:cNvSpPr>
           <p:nvPr>
             <p:ph type="ctrTitle"/>
           </p:nvPr>
@@ -1882,7 +1988,7 @@
           </a:prstGeom>
         </p:spPr>
         <p:txBody>
-          <a:bodyPr anchorCtr="0" anchor="t" bIns="91425" lIns="91425" spcFirstLastPara="1" rIns="91425" wrap="square" tIns="91425">
+          <a:bodyPr spcFirstLastPara="1" wrap="square" lIns="91425" tIns="91425" rIns="91425" bIns="91425" anchor="t" anchorCtr="0">
             <a:normAutofit/>
           </a:bodyPr>
           <a:lstStyle>
@@ -1986,15 +2092,19 @@
               <a:defRPr sz="3600"/>
             </a:lvl9pPr>
           </a:lstStyle>
-          <a:p/>
+          <a:p>
+            <a:endParaRPr/>
+          </a:p>
         </p:txBody>
       </p:sp>
       <p:sp>
         <p:nvSpPr>
           <p:cNvPr id="12" name="Google Shape;12;p2"/>
-          <p:cNvSpPr txBox="1"/>
+          <p:cNvSpPr txBox="1">
+            <a:spLocks noGrp="1"/>
+          </p:cNvSpPr>
           <p:nvPr>
-            <p:ph idx="1" type="subTitle"/>
+            <p:ph type="subTitle" idx="1"/>
           </p:nvPr>
         </p:nvSpPr>
         <p:spPr>
@@ -2007,7 +2117,7 @@
           </a:prstGeom>
         </p:spPr>
         <p:txBody>
-          <a:bodyPr anchorCtr="0" anchor="t" bIns="91425" lIns="91425" spcFirstLastPara="1" rIns="91425" wrap="square" tIns="91425">
+          <a:bodyPr spcFirstLastPara="1" wrap="square" lIns="91425" tIns="91425" rIns="91425" bIns="91425" anchor="t" anchorCtr="0">
             <a:normAutofit/>
           </a:bodyPr>
           <a:lstStyle>
@@ -2201,15 +2311,19 @@
               </a:defRPr>
             </a:lvl9pPr>
           </a:lstStyle>
-          <a:p/>
+          <a:p>
+            <a:endParaRPr/>
+          </a:p>
         </p:txBody>
       </p:sp>
       <p:sp>
         <p:nvSpPr>
           <p:cNvPr id="13" name="Google Shape;13;p2"/>
-          <p:cNvSpPr txBox="1"/>
+          <p:cNvSpPr txBox="1">
+            <a:spLocks noGrp="1"/>
+          </p:cNvSpPr>
           <p:nvPr>
-            <p:ph idx="12" type="sldNum"/>
+            <p:ph type="sldNum" idx="12"/>
           </p:nvPr>
         </p:nvSpPr>
         <p:spPr>
@@ -2222,7 +2336,7 @@
           </a:prstGeom>
         </p:spPr>
         <p:txBody>
-          <a:bodyPr anchorCtr="0" anchor="ctr" bIns="91425" lIns="91425" spcFirstLastPara="1" rIns="91425" wrap="square" tIns="91425">
+          <a:bodyPr spcFirstLastPara="1" wrap="square" lIns="91425" tIns="91425" rIns="91425" bIns="91425" anchor="ctr" anchorCtr="0">
             <a:normAutofit/>
           </a:bodyPr>
           <a:lstStyle>
@@ -2300,7 +2414,7 @@
             </a:lvl9pPr>
           </a:lstStyle>
           <a:p>
-            <a:pPr indent="0" lvl="0" marL="0" rtl="0" algn="r">
+            <a:pPr marL="0" lvl="0" indent="0" algn="r" rtl="0">
               <a:spcBef>
                 <a:spcPts val="0"/>
               </a:spcBef>
@@ -2326,18 +2440,19 @@
 </file>
 
 <file path=ppt/slideLayouts/slideLayout10.xml><?xml version="1.0" encoding="utf-8"?>
-<p:sldLayout xmlns:a="http://schemas.openxmlformats.org/drawingml/2006/main" xmlns:r="http://schemas.openxmlformats.org/officeDocument/2006/relationships" xmlns:mc="http://schemas.openxmlformats.org/markup-compatibility/2006" xmlns:mv="urn:schemas-microsoft-com:mac:vml" xmlns:p="http://schemas.openxmlformats.org/presentationml/2006/main" xmlns:c="http://schemas.openxmlformats.org/drawingml/2006/chart" xmlns:dgm="http://schemas.openxmlformats.org/drawingml/2006/diagram" xmlns:o="urn:schemas-microsoft-com:office:office" xmlns:v="urn:schemas-microsoft-com:vml" xmlns:pvml="urn:schemas-microsoft-com:office:powerpoint" xmlns:com="http://schemas.openxmlformats.org/drawingml/2006/compatibility" xmlns:p14="http://schemas.microsoft.com/office/powerpoint/2010/main" xmlns:p15="http://schemas.microsoft.com/office/powerpoint/2012/main" xmlns:ahyp="http://schemas.microsoft.com/office/drawing/2018/hyperlinkcolor" matchingName="Big number">
+<p:sldLayout xmlns:a="http://schemas.openxmlformats.org/drawingml/2006/main" xmlns:r="http://schemas.openxmlformats.org/officeDocument/2006/relationships" xmlns:p="http://schemas.openxmlformats.org/presentationml/2006/main" matchingName="Big number">
   <p:cSld name="BIG_NUMBER">
     <p:bg>
       <p:bgPr>
         <a:solidFill>
           <a:schemeClr val="dk1"/>
         </a:solidFill>
+        <a:effectLst/>
       </p:bgPr>
     </p:bg>
     <p:spTree>
       <p:nvGrpSpPr>
-        <p:cNvPr id="54" name="Shape 54"/>
+        <p:cNvPr id="1" name="Shape 54"/>
         <p:cNvGrpSpPr/>
         <p:nvPr/>
       </p:nvGrpSpPr>
@@ -2352,9 +2467,11 @@
       <p:sp>
         <p:nvSpPr>
           <p:cNvPr id="55" name="Google Shape;55;p11"/>
-          <p:cNvSpPr txBox="1"/>
+          <p:cNvSpPr txBox="1">
+            <a:spLocks noGrp="1"/>
+          </p:cNvSpPr>
           <p:nvPr>
-            <p:ph hasCustomPrompt="1" type="title"/>
+            <p:ph type="title" hasCustomPrompt="1"/>
           </p:nvPr>
         </p:nvSpPr>
         <p:spPr>
@@ -2367,7 +2484,7 @@
           </a:prstGeom>
         </p:spPr>
         <p:txBody>
-          <a:bodyPr anchorCtr="0" anchor="b" bIns="91425" lIns="91425" spcFirstLastPara="1" rIns="91425" wrap="square" tIns="91425">
+          <a:bodyPr spcFirstLastPara="1" wrap="square" lIns="91425" tIns="91425" rIns="91425" bIns="91425" anchor="b" anchorCtr="0">
             <a:normAutofit/>
           </a:bodyPr>
           <a:lstStyle>
@@ -2544,9 +2661,11 @@
       <p:sp>
         <p:nvSpPr>
           <p:cNvPr id="56" name="Google Shape;56;p11"/>
-          <p:cNvSpPr txBox="1"/>
+          <p:cNvSpPr txBox="1">
+            <a:spLocks noGrp="1"/>
+          </p:cNvSpPr>
           <p:nvPr>
-            <p:ph idx="1" type="body"/>
+            <p:ph type="body" idx="1"/>
           </p:nvPr>
         </p:nvSpPr>
         <p:spPr>
@@ -2559,11 +2678,11 @@
           </a:prstGeom>
         </p:spPr>
         <p:txBody>
-          <a:bodyPr anchorCtr="0" anchor="t" bIns="91425" lIns="91425" spcFirstLastPara="1" rIns="91425" wrap="square" tIns="91425">
+          <a:bodyPr spcFirstLastPara="1" wrap="square" lIns="91425" tIns="91425" rIns="91425" bIns="91425" anchor="t" anchorCtr="0">
             <a:normAutofit/>
           </a:bodyPr>
           <a:lstStyle>
-            <a:lvl1pPr indent="-311150" lvl="0" marL="457200">
+            <a:lvl1pPr marL="457200" lvl="0" indent="-311150">
               <a:spcBef>
                 <a:spcPts val="0"/>
               </a:spcBef>
@@ -2581,7 +2700,7 @@
                 </a:solidFill>
               </a:defRPr>
             </a:lvl1pPr>
-            <a:lvl2pPr indent="-298450" lvl="1" marL="914400">
+            <a:lvl2pPr marL="914400" lvl="1" indent="-298450">
               <a:spcBef>
                 <a:spcPts val="0"/>
               </a:spcBef>
@@ -2599,7 +2718,7 @@
                 </a:solidFill>
               </a:defRPr>
             </a:lvl2pPr>
-            <a:lvl3pPr indent="-298450" lvl="2" marL="1371600">
+            <a:lvl3pPr marL="1371600" lvl="2" indent="-298450">
               <a:spcBef>
                 <a:spcPts val="0"/>
               </a:spcBef>
@@ -2617,7 +2736,7 @@
                 </a:solidFill>
               </a:defRPr>
             </a:lvl3pPr>
-            <a:lvl4pPr indent="-298450" lvl="3" marL="1828800">
+            <a:lvl4pPr marL="1828800" lvl="3" indent="-298450">
               <a:spcBef>
                 <a:spcPts val="0"/>
               </a:spcBef>
@@ -2635,7 +2754,7 @@
                 </a:solidFill>
               </a:defRPr>
             </a:lvl4pPr>
-            <a:lvl5pPr indent="-298450" lvl="4" marL="2286000">
+            <a:lvl5pPr marL="2286000" lvl="4" indent="-298450">
               <a:spcBef>
                 <a:spcPts val="0"/>
               </a:spcBef>
@@ -2653,7 +2772,7 @@
                 </a:solidFill>
               </a:defRPr>
             </a:lvl5pPr>
-            <a:lvl6pPr indent="-298450" lvl="5" marL="2743200">
+            <a:lvl6pPr marL="2743200" lvl="5" indent="-298450">
               <a:spcBef>
                 <a:spcPts val="0"/>
               </a:spcBef>
@@ -2671,7 +2790,7 @@
                 </a:solidFill>
               </a:defRPr>
             </a:lvl6pPr>
-            <a:lvl7pPr indent="-298450" lvl="6" marL="3200400">
+            <a:lvl7pPr marL="3200400" lvl="6" indent="-298450">
               <a:spcBef>
                 <a:spcPts val="0"/>
               </a:spcBef>
@@ -2689,7 +2808,7 @@
                 </a:solidFill>
               </a:defRPr>
             </a:lvl7pPr>
-            <a:lvl8pPr indent="-298450" lvl="7" marL="3657600">
+            <a:lvl8pPr marL="3657600" lvl="7" indent="-298450">
               <a:spcBef>
                 <a:spcPts val="0"/>
               </a:spcBef>
@@ -2707,7 +2826,7 @@
                 </a:solidFill>
               </a:defRPr>
             </a:lvl8pPr>
-            <a:lvl9pPr indent="-298450" lvl="8" marL="4114800">
+            <a:lvl9pPr marL="4114800" lvl="8" indent="-298450">
               <a:spcBef>
                 <a:spcPts val="0"/>
               </a:spcBef>
@@ -2726,15 +2845,19 @@
               </a:defRPr>
             </a:lvl9pPr>
           </a:lstStyle>
-          <a:p/>
+          <a:p>
+            <a:endParaRPr/>
+          </a:p>
         </p:txBody>
       </p:sp>
       <p:sp>
         <p:nvSpPr>
           <p:cNvPr id="57" name="Google Shape;57;p11"/>
-          <p:cNvSpPr txBox="1"/>
+          <p:cNvSpPr txBox="1">
+            <a:spLocks noGrp="1"/>
+          </p:cNvSpPr>
           <p:nvPr>
-            <p:ph idx="12" type="sldNum"/>
+            <p:ph type="sldNum" idx="12"/>
           </p:nvPr>
         </p:nvSpPr>
         <p:spPr>
@@ -2747,7 +2870,7 @@
           </a:prstGeom>
         </p:spPr>
         <p:txBody>
-          <a:bodyPr anchorCtr="0" anchor="ctr" bIns="91425" lIns="91425" spcFirstLastPara="1" rIns="91425" wrap="square" tIns="91425">
+          <a:bodyPr spcFirstLastPara="1" wrap="square" lIns="91425" tIns="91425" rIns="91425" bIns="91425" anchor="ctr" anchorCtr="0">
             <a:normAutofit/>
           </a:bodyPr>
           <a:lstStyle>
@@ -2825,7 +2948,7 @@
             </a:lvl9pPr>
           </a:lstStyle>
           <a:p>
-            <a:pPr indent="0" lvl="0" marL="0" rtl="0" algn="r">
+            <a:pPr marL="0" lvl="0" indent="0" algn="r" rtl="0">
               <a:spcBef>
                 <a:spcPts val="0"/>
               </a:spcBef>
@@ -2851,11 +2974,11 @@
 </file>
 
 <file path=ppt/slideLayouts/slideLayout11.xml><?xml version="1.0" encoding="utf-8"?>
-<p:sldLayout xmlns:a="http://schemas.openxmlformats.org/drawingml/2006/main" xmlns:r="http://schemas.openxmlformats.org/officeDocument/2006/relationships" xmlns:mc="http://schemas.openxmlformats.org/markup-compatibility/2006" xmlns:mv="urn:schemas-microsoft-com:mac:vml" xmlns:p="http://schemas.openxmlformats.org/presentationml/2006/main" xmlns:c="http://schemas.openxmlformats.org/drawingml/2006/chart" xmlns:dgm="http://schemas.openxmlformats.org/drawingml/2006/diagram" xmlns:o="urn:schemas-microsoft-com:office:office" xmlns:v="urn:schemas-microsoft-com:vml" xmlns:pvml="urn:schemas-microsoft-com:office:powerpoint" xmlns:com="http://schemas.openxmlformats.org/drawingml/2006/compatibility" xmlns:p14="http://schemas.microsoft.com/office/powerpoint/2010/main" xmlns:p15="http://schemas.microsoft.com/office/powerpoint/2012/main" xmlns:ahyp="http://schemas.microsoft.com/office/drawing/2018/hyperlinkcolor" matchingName="Blank" type="blank">
+<p:sldLayout xmlns:a="http://schemas.openxmlformats.org/drawingml/2006/main" xmlns:r="http://schemas.openxmlformats.org/officeDocument/2006/relationships" xmlns:p="http://schemas.openxmlformats.org/presentationml/2006/main" matchingName="Blank" type="blank">
   <p:cSld name="BLANK">
     <p:spTree>
       <p:nvGrpSpPr>
-        <p:cNvPr id="58" name="Shape 58"/>
+        <p:cNvPr id="1" name="Shape 58"/>
         <p:cNvGrpSpPr/>
         <p:nvPr/>
       </p:nvGrpSpPr>
@@ -2870,9 +2993,11 @@
       <p:sp>
         <p:nvSpPr>
           <p:cNvPr id="59" name="Google Shape;59;p12"/>
-          <p:cNvSpPr txBox="1"/>
+          <p:cNvSpPr txBox="1">
+            <a:spLocks noGrp="1"/>
+          </p:cNvSpPr>
           <p:nvPr>
-            <p:ph idx="12" type="sldNum"/>
+            <p:ph type="sldNum" idx="12"/>
           </p:nvPr>
         </p:nvSpPr>
         <p:spPr>
@@ -2885,7 +3010,7 @@
           </a:prstGeom>
         </p:spPr>
         <p:txBody>
-          <a:bodyPr anchorCtr="0" anchor="ctr" bIns="91425" lIns="91425" spcFirstLastPara="1" rIns="91425" wrap="square" tIns="91425">
+          <a:bodyPr spcFirstLastPara="1" wrap="square" lIns="91425" tIns="91425" rIns="91425" bIns="91425" anchor="ctr" anchorCtr="0">
             <a:normAutofit/>
           </a:bodyPr>
           <a:lstStyle>
@@ -2927,7 +3052,7 @@
             </a:lvl9pPr>
           </a:lstStyle>
           <a:p>
-            <a:pPr indent="0" lvl="0" marL="0" rtl="0" algn="r">
+            <a:pPr marL="0" lvl="0" indent="0" algn="r" rtl="0">
               <a:spcBef>
                 <a:spcPts val="0"/>
               </a:spcBef>
@@ -2953,18 +3078,19 @@
 </file>
 
 <file path=ppt/slideLayouts/slideLayout2.xml><?xml version="1.0" encoding="utf-8"?>
-<p:sldLayout xmlns:a="http://schemas.openxmlformats.org/drawingml/2006/main" xmlns:r="http://schemas.openxmlformats.org/officeDocument/2006/relationships" xmlns:mc="http://schemas.openxmlformats.org/markup-compatibility/2006" xmlns:mv="urn:schemas-microsoft-com:mac:vml" xmlns:p="http://schemas.openxmlformats.org/presentationml/2006/main" xmlns:c="http://schemas.openxmlformats.org/drawingml/2006/chart" xmlns:dgm="http://schemas.openxmlformats.org/drawingml/2006/diagram" xmlns:o="urn:schemas-microsoft-com:office:office" xmlns:v="urn:schemas-microsoft-com:vml" xmlns:pvml="urn:schemas-microsoft-com:office:powerpoint" xmlns:com="http://schemas.openxmlformats.org/drawingml/2006/compatibility" xmlns:p14="http://schemas.microsoft.com/office/powerpoint/2010/main" xmlns:p15="http://schemas.microsoft.com/office/powerpoint/2012/main" xmlns:ahyp="http://schemas.microsoft.com/office/drawing/2018/hyperlinkcolor" matchingName="Section header" type="secHead">
+<p:sldLayout xmlns:a="http://schemas.openxmlformats.org/drawingml/2006/main" xmlns:r="http://schemas.openxmlformats.org/officeDocument/2006/relationships" xmlns:p="http://schemas.openxmlformats.org/presentationml/2006/main" matchingName="Section header" type="secHead">
   <p:cSld name="SECTION_HEADER">
     <p:bg>
       <p:bgPr>
         <a:solidFill>
           <a:schemeClr val="accent3"/>
         </a:solidFill>
+        <a:effectLst/>
       </p:bgPr>
     </p:bg>
     <p:spTree>
       <p:nvGrpSpPr>
-        <p:cNvPr id="14" name="Shape 14"/>
+        <p:cNvPr id="1" name="Shape 14"/>
         <p:cNvGrpSpPr/>
         <p:nvPr/>
       </p:nvGrpSpPr>
@@ -2988,9 +3114,13 @@
             <a:ext cx="9144250" cy="4398100"/>
           </a:xfrm>
           <a:custGeom>
-            <a:rect b="b" l="l" r="r" t="t"/>
+            <a:avLst/>
+            <a:gdLst/>
+            <a:ahLst/>
+            <a:cxnLst/>
+            <a:rect l="l" t="t" r="r" b="b"/>
             <a:pathLst>
-              <a:path extrusionOk="0" h="175924" w="365770">
+              <a:path w="365770" h="175924" extrusionOk="0">
                 <a:moveTo>
                   <a:pt x="0" y="0"/>
                 </a:moveTo>
@@ -3027,9 +3157,13 @@
             <a:ext cx="9144250" cy="4398100"/>
           </a:xfrm>
           <a:custGeom>
-            <a:rect b="b" l="l" r="r" t="t"/>
+            <a:avLst/>
+            <a:gdLst/>
+            <a:ahLst/>
+            <a:cxnLst/>
+            <a:rect l="l" t="t" r="r" b="b"/>
             <a:pathLst>
-              <a:path extrusionOk="0" h="175924" w="365770">
+              <a:path w="365770" h="175924" extrusionOk="0">
                 <a:moveTo>
                   <a:pt x="0" y="0"/>
                 </a:moveTo>
@@ -3057,7 +3191,9 @@
       <p:sp>
         <p:nvSpPr>
           <p:cNvPr id="17" name="Google Shape;17;p3"/>
-          <p:cNvSpPr txBox="1"/>
+          <p:cNvSpPr txBox="1">
+            <a:spLocks noGrp="1"/>
+          </p:cNvSpPr>
           <p:nvPr>
             <p:ph type="title"/>
           </p:nvPr>
@@ -3072,7 +3208,7 @@
           </a:prstGeom>
         </p:spPr>
         <p:txBody>
-          <a:bodyPr anchorCtr="0" anchor="t" bIns="91425" lIns="91425" spcFirstLastPara="1" rIns="91425" wrap="square" tIns="91425">
+          <a:bodyPr spcFirstLastPara="1" wrap="square" lIns="91425" tIns="91425" rIns="91425" bIns="91425" anchor="t" anchorCtr="0">
             <a:normAutofit/>
           </a:bodyPr>
           <a:lstStyle>
@@ -3176,15 +3312,19 @@
               <a:defRPr sz="3600"/>
             </a:lvl9pPr>
           </a:lstStyle>
-          <a:p/>
+          <a:p>
+            <a:endParaRPr/>
+          </a:p>
         </p:txBody>
       </p:sp>
       <p:sp>
         <p:nvSpPr>
           <p:cNvPr id="18" name="Google Shape;18;p3"/>
-          <p:cNvSpPr txBox="1"/>
+          <p:cNvSpPr txBox="1">
+            <a:spLocks noGrp="1"/>
+          </p:cNvSpPr>
           <p:nvPr>
-            <p:ph idx="12" type="sldNum"/>
+            <p:ph type="sldNum" idx="12"/>
           </p:nvPr>
         </p:nvSpPr>
         <p:spPr>
@@ -3197,7 +3337,7 @@
           </a:prstGeom>
         </p:spPr>
         <p:txBody>
-          <a:bodyPr anchorCtr="0" anchor="ctr" bIns="91425" lIns="91425" spcFirstLastPara="1" rIns="91425" wrap="square" tIns="91425">
+          <a:bodyPr spcFirstLastPara="1" wrap="square" lIns="91425" tIns="91425" rIns="91425" bIns="91425" anchor="ctr" anchorCtr="0">
             <a:normAutofit/>
           </a:bodyPr>
           <a:lstStyle>
@@ -3275,7 +3415,7 @@
             </a:lvl9pPr>
           </a:lstStyle>
           <a:p>
-            <a:pPr indent="0" lvl="0" marL="0" rtl="0" algn="r">
+            <a:pPr marL="0" lvl="0" indent="0" algn="r" rtl="0">
               <a:spcBef>
                 <a:spcPts val="0"/>
               </a:spcBef>
@@ -3301,11 +3441,11 @@
 </file>
 
 <file path=ppt/slideLayouts/slideLayout3.xml><?xml version="1.0" encoding="utf-8"?>
-<p:sldLayout xmlns:a="http://schemas.openxmlformats.org/drawingml/2006/main" xmlns:r="http://schemas.openxmlformats.org/officeDocument/2006/relationships" xmlns:mc="http://schemas.openxmlformats.org/markup-compatibility/2006" xmlns:mv="urn:schemas-microsoft-com:mac:vml" xmlns:p="http://schemas.openxmlformats.org/presentationml/2006/main" xmlns:c="http://schemas.openxmlformats.org/drawingml/2006/chart" xmlns:dgm="http://schemas.openxmlformats.org/drawingml/2006/diagram" xmlns:o="urn:schemas-microsoft-com:office:office" xmlns:v="urn:schemas-microsoft-com:vml" xmlns:pvml="urn:schemas-microsoft-com:office:powerpoint" xmlns:com="http://schemas.openxmlformats.org/drawingml/2006/compatibility" xmlns:p14="http://schemas.microsoft.com/office/powerpoint/2010/main" xmlns:p15="http://schemas.microsoft.com/office/powerpoint/2012/main" xmlns:ahyp="http://schemas.microsoft.com/office/drawing/2018/hyperlinkcolor" matchingName="Title and body" type="tx">
+<p:sldLayout xmlns:a="http://schemas.openxmlformats.org/drawingml/2006/main" xmlns:r="http://schemas.openxmlformats.org/officeDocument/2006/relationships" xmlns:p="http://schemas.openxmlformats.org/presentationml/2006/main" matchingName="Title and body" type="tx">
   <p:cSld name="TITLE_AND_BODY">
     <p:spTree>
       <p:nvGrpSpPr>
-        <p:cNvPr id="19" name="Shape 19"/>
+        <p:cNvPr id="1" name="Shape 19"/>
         <p:cNvGrpSpPr/>
         <p:nvPr/>
       </p:nvGrpSpPr>
@@ -3339,12 +3479,12 @@
           </a:ln>
         </p:spPr>
         <p:txBody>
-          <a:bodyPr anchorCtr="0" anchor="ctr" bIns="91425" lIns="91425" spcFirstLastPara="1" rIns="91425" wrap="square" tIns="91425">
+          <a:bodyPr spcFirstLastPara="1" wrap="square" lIns="91425" tIns="91425" rIns="91425" bIns="91425" anchor="ctr" anchorCtr="0">
             <a:noAutofit/>
           </a:bodyPr>
           <a:lstStyle/>
           <a:p>
-            <a:pPr indent="0" lvl="0" marL="0" rtl="0" algn="l">
+            <a:pPr marL="0" lvl="0" indent="0" algn="l" rtl="0">
               <a:spcBef>
                 <a:spcPts val="0"/>
               </a:spcBef>
@@ -3353,9 +3493,6 @@
               </a:spcAft>
               <a:buNone/>
             </a:pPr>
-            <a:r>
-              <a:t/>
-            </a:r>
             <a:endParaRPr/>
           </a:p>
         </p:txBody>
@@ -3372,9 +3509,13 @@
             <a:ext cx="4313625" cy="4399375"/>
           </a:xfrm>
           <a:custGeom>
-            <a:rect b="b" l="l" r="r" t="t"/>
+            <a:avLst/>
+            <a:gdLst/>
+            <a:ahLst/>
+            <a:cxnLst/>
+            <a:rect l="l" t="t" r="r" b="b"/>
             <a:pathLst>
-              <a:path extrusionOk="0" h="175975" w="172545">
+              <a:path w="172545" h="175975" extrusionOk="0">
                 <a:moveTo>
                   <a:pt x="0" y="157"/>
                 </a:moveTo>
@@ -3411,9 +3552,13 @@
             <a:ext cx="4316900" cy="4395600"/>
           </a:xfrm>
           <a:custGeom>
-            <a:rect b="b" l="l" r="r" t="t"/>
+            <a:avLst/>
+            <a:gdLst/>
+            <a:ahLst/>
+            <a:cxnLst/>
+            <a:rect l="l" t="t" r="r" b="b"/>
             <a:pathLst>
-              <a:path extrusionOk="0" h="175824" w="172676">
+              <a:path w="172676" h="175824" extrusionOk="0">
                 <a:moveTo>
                   <a:pt x="0" y="6"/>
                 </a:moveTo>
@@ -3441,7 +3586,9 @@
       <p:sp>
         <p:nvSpPr>
           <p:cNvPr id="23" name="Google Shape;23;p4"/>
-          <p:cNvSpPr txBox="1"/>
+          <p:cNvSpPr txBox="1">
+            <a:spLocks noGrp="1"/>
+          </p:cNvSpPr>
           <p:nvPr>
             <p:ph type="title"/>
           </p:nvPr>
@@ -3456,7 +3603,7 @@
           </a:prstGeom>
         </p:spPr>
         <p:txBody>
-          <a:bodyPr anchorCtr="0" anchor="t" bIns="91425" lIns="91425" spcFirstLastPara="1" rIns="91425" wrap="square" tIns="91425">
+          <a:bodyPr spcFirstLastPara="1" wrap="square" lIns="91425" tIns="91425" rIns="91425" bIns="91425" anchor="t" anchorCtr="0">
             <a:normAutofit/>
           </a:bodyPr>
           <a:lstStyle>
@@ -3623,15 +3770,19 @@
               </a:defRPr>
             </a:lvl9pPr>
           </a:lstStyle>
-          <a:p/>
+          <a:p>
+            <a:endParaRPr/>
+          </a:p>
         </p:txBody>
       </p:sp>
       <p:sp>
         <p:nvSpPr>
           <p:cNvPr id="24" name="Google Shape;24;p4"/>
-          <p:cNvSpPr txBox="1"/>
+          <p:cNvSpPr txBox="1">
+            <a:spLocks noGrp="1"/>
+          </p:cNvSpPr>
           <p:nvPr>
-            <p:ph idx="1" type="body"/>
+            <p:ph type="body" idx="1"/>
           </p:nvPr>
         </p:nvSpPr>
         <p:spPr>
@@ -3644,11 +3795,11 @@
           </a:prstGeom>
         </p:spPr>
         <p:txBody>
-          <a:bodyPr anchorCtr="0" anchor="t" bIns="91425" lIns="91425" spcFirstLastPara="1" rIns="91425" wrap="square" tIns="91425">
+          <a:bodyPr spcFirstLastPara="1" wrap="square" lIns="91425" tIns="91425" rIns="91425" bIns="91425" anchor="t" anchorCtr="0">
             <a:normAutofit/>
           </a:bodyPr>
           <a:lstStyle>
-            <a:lvl1pPr indent="-311150" lvl="0" marL="457200">
+            <a:lvl1pPr marL="457200" lvl="0" indent="-311150">
               <a:spcBef>
                 <a:spcPts val="0"/>
               </a:spcBef>
@@ -3659,7 +3810,7 @@
               <a:buChar char="●"/>
               <a:defRPr/>
             </a:lvl1pPr>
-            <a:lvl2pPr indent="-298450" lvl="1" marL="914400">
+            <a:lvl2pPr marL="914400" lvl="1" indent="-298450">
               <a:spcBef>
                 <a:spcPts val="0"/>
               </a:spcBef>
@@ -3670,7 +3821,7 @@
               <a:buChar char="○"/>
               <a:defRPr/>
             </a:lvl2pPr>
-            <a:lvl3pPr indent="-298450" lvl="2" marL="1371600">
+            <a:lvl3pPr marL="1371600" lvl="2" indent="-298450">
               <a:spcBef>
                 <a:spcPts val="0"/>
               </a:spcBef>
@@ -3681,7 +3832,7 @@
               <a:buChar char="■"/>
               <a:defRPr/>
             </a:lvl3pPr>
-            <a:lvl4pPr indent="-298450" lvl="3" marL="1828800">
+            <a:lvl4pPr marL="1828800" lvl="3" indent="-298450">
               <a:spcBef>
                 <a:spcPts val="0"/>
               </a:spcBef>
@@ -3692,7 +3843,7 @@
               <a:buChar char="●"/>
               <a:defRPr/>
             </a:lvl4pPr>
-            <a:lvl5pPr indent="-298450" lvl="4" marL="2286000">
+            <a:lvl5pPr marL="2286000" lvl="4" indent="-298450">
               <a:spcBef>
                 <a:spcPts val="0"/>
               </a:spcBef>
@@ -3703,7 +3854,7 @@
               <a:buChar char="○"/>
               <a:defRPr/>
             </a:lvl5pPr>
-            <a:lvl6pPr indent="-298450" lvl="5" marL="2743200">
+            <a:lvl6pPr marL="2743200" lvl="5" indent="-298450">
               <a:spcBef>
                 <a:spcPts val="0"/>
               </a:spcBef>
@@ -3714,7 +3865,7 @@
               <a:buChar char="■"/>
               <a:defRPr/>
             </a:lvl6pPr>
-            <a:lvl7pPr indent="-298450" lvl="6" marL="3200400">
+            <a:lvl7pPr marL="3200400" lvl="6" indent="-298450">
               <a:spcBef>
                 <a:spcPts val="0"/>
               </a:spcBef>
@@ -3725,7 +3876,7 @@
               <a:buChar char="●"/>
               <a:defRPr/>
             </a:lvl7pPr>
-            <a:lvl8pPr indent="-298450" lvl="7" marL="3657600">
+            <a:lvl8pPr marL="3657600" lvl="7" indent="-298450">
               <a:spcBef>
                 <a:spcPts val="0"/>
               </a:spcBef>
@@ -3736,7 +3887,7 @@
               <a:buChar char="○"/>
               <a:defRPr/>
             </a:lvl8pPr>
-            <a:lvl9pPr indent="-298450" lvl="8" marL="4114800">
+            <a:lvl9pPr marL="4114800" lvl="8" indent="-298450">
               <a:spcBef>
                 <a:spcPts val="0"/>
               </a:spcBef>
@@ -3748,15 +3899,19 @@
               <a:defRPr/>
             </a:lvl9pPr>
           </a:lstStyle>
-          <a:p/>
+          <a:p>
+            <a:endParaRPr/>
+          </a:p>
         </p:txBody>
       </p:sp>
       <p:sp>
         <p:nvSpPr>
           <p:cNvPr id="25" name="Google Shape;25;p4"/>
-          <p:cNvSpPr txBox="1"/>
+          <p:cNvSpPr txBox="1">
+            <a:spLocks noGrp="1"/>
+          </p:cNvSpPr>
           <p:nvPr>
-            <p:ph idx="12" type="sldNum"/>
+            <p:ph type="sldNum" idx="12"/>
           </p:nvPr>
         </p:nvSpPr>
         <p:spPr>
@@ -3769,7 +3924,7 @@
           </a:prstGeom>
         </p:spPr>
         <p:txBody>
-          <a:bodyPr anchorCtr="0" anchor="ctr" bIns="91425" lIns="91425" spcFirstLastPara="1" rIns="91425" wrap="square" tIns="91425">
+          <a:bodyPr spcFirstLastPara="1" wrap="square" lIns="91425" tIns="91425" rIns="91425" bIns="91425" anchor="ctr" anchorCtr="0">
             <a:normAutofit/>
           </a:bodyPr>
           <a:lstStyle>
@@ -3811,7 +3966,7 @@
             </a:lvl9pPr>
           </a:lstStyle>
           <a:p>
-            <a:pPr indent="0" lvl="0" marL="0" rtl="0" algn="r">
+            <a:pPr marL="0" lvl="0" indent="0" algn="r" rtl="0">
               <a:spcBef>
                 <a:spcPts val="0"/>
               </a:spcBef>
@@ -3837,11 +3992,11 @@
 </file>
 
 <file path=ppt/slideLayouts/slideLayout4.xml><?xml version="1.0" encoding="utf-8"?>
-<p:sldLayout xmlns:a="http://schemas.openxmlformats.org/drawingml/2006/main" xmlns:r="http://schemas.openxmlformats.org/officeDocument/2006/relationships" xmlns:mc="http://schemas.openxmlformats.org/markup-compatibility/2006" xmlns:mv="urn:schemas-microsoft-com:mac:vml" xmlns:p="http://schemas.openxmlformats.org/presentationml/2006/main" xmlns:c="http://schemas.openxmlformats.org/drawingml/2006/chart" xmlns:dgm="http://schemas.openxmlformats.org/drawingml/2006/diagram" xmlns:o="urn:schemas-microsoft-com:office:office" xmlns:v="urn:schemas-microsoft-com:vml" xmlns:pvml="urn:schemas-microsoft-com:office:powerpoint" xmlns:com="http://schemas.openxmlformats.org/drawingml/2006/compatibility" xmlns:p14="http://schemas.microsoft.com/office/powerpoint/2010/main" xmlns:p15="http://schemas.microsoft.com/office/powerpoint/2012/main" xmlns:ahyp="http://schemas.microsoft.com/office/drawing/2018/hyperlinkcolor" matchingName="Title and two columns" type="twoColTx">
+<p:sldLayout xmlns:a="http://schemas.openxmlformats.org/drawingml/2006/main" xmlns:r="http://schemas.openxmlformats.org/officeDocument/2006/relationships" xmlns:p="http://schemas.openxmlformats.org/presentationml/2006/main" matchingName="Title and two columns" type="twoColTx">
   <p:cSld name="TITLE_AND_TWO_COLUMNS">
     <p:spTree>
       <p:nvGrpSpPr>
-        <p:cNvPr id="26" name="Shape 26"/>
+        <p:cNvPr id="1" name="Shape 26"/>
         <p:cNvGrpSpPr/>
         <p:nvPr/>
       </p:nvGrpSpPr>
@@ -3875,12 +4030,12 @@
           </a:ln>
         </p:spPr>
         <p:txBody>
-          <a:bodyPr anchorCtr="0" anchor="ctr" bIns="91425" lIns="91425" spcFirstLastPara="1" rIns="91425" wrap="square" tIns="91425">
+          <a:bodyPr spcFirstLastPara="1" wrap="square" lIns="91425" tIns="91425" rIns="91425" bIns="91425" anchor="ctr" anchorCtr="0">
             <a:noAutofit/>
           </a:bodyPr>
           <a:lstStyle/>
           <a:p>
-            <a:pPr indent="0" lvl="0" marL="0" rtl="0" algn="l">
+            <a:pPr marL="0" lvl="0" indent="0" algn="l" rtl="0">
               <a:spcBef>
                 <a:spcPts val="0"/>
               </a:spcBef>
@@ -3889,9 +4044,6 @@
               </a:spcAft>
               <a:buNone/>
             </a:pPr>
-            <a:r>
-              <a:t/>
-            </a:r>
             <a:endParaRPr/>
           </a:p>
         </p:txBody>
@@ -3899,7 +4051,9 @@
       <p:sp>
         <p:nvSpPr>
           <p:cNvPr id="28" name="Google Shape;28;p5"/>
-          <p:cNvSpPr txBox="1"/>
+          <p:cNvSpPr txBox="1">
+            <a:spLocks noGrp="1"/>
+          </p:cNvSpPr>
           <p:nvPr>
             <p:ph type="title"/>
           </p:nvPr>
@@ -3914,7 +4068,7 @@
           </a:prstGeom>
         </p:spPr>
         <p:txBody>
-          <a:bodyPr anchorCtr="0" anchor="t" bIns="91425" lIns="91425" spcFirstLastPara="1" rIns="91425" wrap="square" tIns="91425">
+          <a:bodyPr spcFirstLastPara="1" wrap="square" lIns="91425" tIns="91425" rIns="91425" bIns="91425" anchor="t" anchorCtr="0">
             <a:normAutofit/>
           </a:bodyPr>
           <a:lstStyle>
@@ -4081,15 +4235,19 @@
               </a:defRPr>
             </a:lvl9pPr>
           </a:lstStyle>
-          <a:p/>
+          <a:p>
+            <a:endParaRPr/>
+          </a:p>
         </p:txBody>
       </p:sp>
       <p:sp>
         <p:nvSpPr>
           <p:cNvPr id="29" name="Google Shape;29;p5"/>
-          <p:cNvSpPr txBox="1"/>
+          <p:cNvSpPr txBox="1">
+            <a:spLocks noGrp="1"/>
+          </p:cNvSpPr>
           <p:nvPr>
-            <p:ph idx="1" type="body"/>
+            <p:ph type="body" idx="1"/>
           </p:nvPr>
         </p:nvSpPr>
         <p:spPr>
@@ -4102,11 +4260,11 @@
           </a:prstGeom>
         </p:spPr>
         <p:txBody>
-          <a:bodyPr anchorCtr="0" anchor="t" bIns="91425" lIns="91425" spcFirstLastPara="1" rIns="91425" wrap="square" tIns="91425">
+          <a:bodyPr spcFirstLastPara="1" wrap="square" lIns="91425" tIns="91425" rIns="91425" bIns="91425" anchor="t" anchorCtr="0">
             <a:normAutofit/>
           </a:bodyPr>
           <a:lstStyle>
-            <a:lvl1pPr indent="-311150" lvl="0" marL="457200">
+            <a:lvl1pPr marL="457200" lvl="0" indent="-311150">
               <a:spcBef>
                 <a:spcPts val="0"/>
               </a:spcBef>
@@ -4117,7 +4275,7 @@
               <a:buChar char="●"/>
               <a:defRPr/>
             </a:lvl1pPr>
-            <a:lvl2pPr indent="-298450" lvl="1" marL="914400">
+            <a:lvl2pPr marL="914400" lvl="1" indent="-298450">
               <a:spcBef>
                 <a:spcPts val="0"/>
               </a:spcBef>
@@ -4128,7 +4286,7 @@
               <a:buChar char="○"/>
               <a:defRPr/>
             </a:lvl2pPr>
-            <a:lvl3pPr indent="-298450" lvl="2" marL="1371600">
+            <a:lvl3pPr marL="1371600" lvl="2" indent="-298450">
               <a:spcBef>
                 <a:spcPts val="0"/>
               </a:spcBef>
@@ -4139,7 +4297,7 @@
               <a:buChar char="■"/>
               <a:defRPr/>
             </a:lvl3pPr>
-            <a:lvl4pPr indent="-298450" lvl="3" marL="1828800">
+            <a:lvl4pPr marL="1828800" lvl="3" indent="-298450">
               <a:spcBef>
                 <a:spcPts val="0"/>
               </a:spcBef>
@@ -4150,7 +4308,7 @@
               <a:buChar char="●"/>
               <a:defRPr/>
             </a:lvl4pPr>
-            <a:lvl5pPr indent="-298450" lvl="4" marL="2286000">
+            <a:lvl5pPr marL="2286000" lvl="4" indent="-298450">
               <a:spcBef>
                 <a:spcPts val="0"/>
               </a:spcBef>
@@ -4161,7 +4319,7 @@
               <a:buChar char="○"/>
               <a:defRPr/>
             </a:lvl5pPr>
-            <a:lvl6pPr indent="-298450" lvl="5" marL="2743200">
+            <a:lvl6pPr marL="2743200" lvl="5" indent="-298450">
               <a:spcBef>
                 <a:spcPts val="0"/>
               </a:spcBef>
@@ -4172,7 +4330,7 @@
               <a:buChar char="■"/>
               <a:defRPr/>
             </a:lvl6pPr>
-            <a:lvl7pPr indent="-298450" lvl="6" marL="3200400">
+            <a:lvl7pPr marL="3200400" lvl="6" indent="-298450">
               <a:spcBef>
                 <a:spcPts val="0"/>
               </a:spcBef>
@@ -4183,7 +4341,7 @@
               <a:buChar char="●"/>
               <a:defRPr/>
             </a:lvl7pPr>
-            <a:lvl8pPr indent="-298450" lvl="7" marL="3657600">
+            <a:lvl8pPr marL="3657600" lvl="7" indent="-298450">
               <a:spcBef>
                 <a:spcPts val="0"/>
               </a:spcBef>
@@ -4194,7 +4352,7 @@
               <a:buChar char="○"/>
               <a:defRPr/>
             </a:lvl8pPr>
-            <a:lvl9pPr indent="-298450" lvl="8" marL="4114800">
+            <a:lvl9pPr marL="4114800" lvl="8" indent="-298450">
               <a:spcBef>
                 <a:spcPts val="0"/>
               </a:spcBef>
@@ -4206,15 +4364,19 @@
               <a:defRPr/>
             </a:lvl9pPr>
           </a:lstStyle>
-          <a:p/>
+          <a:p>
+            <a:endParaRPr/>
+          </a:p>
         </p:txBody>
       </p:sp>
       <p:sp>
         <p:nvSpPr>
           <p:cNvPr id="30" name="Google Shape;30;p5"/>
-          <p:cNvSpPr txBox="1"/>
+          <p:cNvSpPr txBox="1">
+            <a:spLocks noGrp="1"/>
+          </p:cNvSpPr>
           <p:nvPr>
-            <p:ph idx="2" type="body"/>
+            <p:ph type="body" idx="2"/>
           </p:nvPr>
         </p:nvSpPr>
         <p:spPr>
@@ -4227,11 +4389,11 @@
           </a:prstGeom>
         </p:spPr>
         <p:txBody>
-          <a:bodyPr anchorCtr="0" anchor="t" bIns="91425" lIns="91425" spcFirstLastPara="1" rIns="91425" wrap="square" tIns="91425">
+          <a:bodyPr spcFirstLastPara="1" wrap="square" lIns="91425" tIns="91425" rIns="91425" bIns="91425" anchor="t" anchorCtr="0">
             <a:normAutofit/>
           </a:bodyPr>
           <a:lstStyle>
-            <a:lvl1pPr indent="-311150" lvl="0" marL="457200">
+            <a:lvl1pPr marL="457200" lvl="0" indent="-311150">
               <a:spcBef>
                 <a:spcPts val="0"/>
               </a:spcBef>
@@ -4242,7 +4404,7 @@
               <a:buChar char="●"/>
               <a:defRPr/>
             </a:lvl1pPr>
-            <a:lvl2pPr indent="-298450" lvl="1" marL="914400">
+            <a:lvl2pPr marL="914400" lvl="1" indent="-298450">
               <a:spcBef>
                 <a:spcPts val="0"/>
               </a:spcBef>
@@ -4253,7 +4415,7 @@
               <a:buChar char="○"/>
               <a:defRPr/>
             </a:lvl2pPr>
-            <a:lvl3pPr indent="-298450" lvl="2" marL="1371600">
+            <a:lvl3pPr marL="1371600" lvl="2" indent="-298450">
               <a:spcBef>
                 <a:spcPts val="0"/>
               </a:spcBef>
@@ -4264,7 +4426,7 @@
               <a:buChar char="■"/>
               <a:defRPr/>
             </a:lvl3pPr>
-            <a:lvl4pPr indent="-298450" lvl="3" marL="1828800">
+            <a:lvl4pPr marL="1828800" lvl="3" indent="-298450">
               <a:spcBef>
                 <a:spcPts val="0"/>
               </a:spcBef>
@@ -4275,7 +4437,7 @@
               <a:buChar char="●"/>
               <a:defRPr/>
             </a:lvl4pPr>
-            <a:lvl5pPr indent="-298450" lvl="4" marL="2286000">
+            <a:lvl5pPr marL="2286000" lvl="4" indent="-298450">
               <a:spcBef>
                 <a:spcPts val="0"/>
               </a:spcBef>
@@ -4286,7 +4448,7 @@
               <a:buChar char="○"/>
               <a:defRPr/>
             </a:lvl5pPr>
-            <a:lvl6pPr indent="-298450" lvl="5" marL="2743200">
+            <a:lvl6pPr marL="2743200" lvl="5" indent="-298450">
               <a:spcBef>
                 <a:spcPts val="0"/>
               </a:spcBef>
@@ -4297,7 +4459,7 @@
               <a:buChar char="■"/>
               <a:defRPr/>
             </a:lvl6pPr>
-            <a:lvl7pPr indent="-298450" lvl="6" marL="3200400">
+            <a:lvl7pPr marL="3200400" lvl="6" indent="-298450">
               <a:spcBef>
                 <a:spcPts val="0"/>
               </a:spcBef>
@@ -4308,7 +4470,7 @@
               <a:buChar char="●"/>
               <a:defRPr/>
             </a:lvl7pPr>
-            <a:lvl8pPr indent="-298450" lvl="7" marL="3657600">
+            <a:lvl8pPr marL="3657600" lvl="7" indent="-298450">
               <a:spcBef>
                 <a:spcPts val="0"/>
               </a:spcBef>
@@ -4319,7 +4481,7 @@
               <a:buChar char="○"/>
               <a:defRPr/>
             </a:lvl8pPr>
-            <a:lvl9pPr indent="-298450" lvl="8" marL="4114800">
+            <a:lvl9pPr marL="4114800" lvl="8" indent="-298450">
               <a:spcBef>
                 <a:spcPts val="0"/>
               </a:spcBef>
@@ -4331,15 +4493,19 @@
               <a:defRPr/>
             </a:lvl9pPr>
           </a:lstStyle>
-          <a:p/>
+          <a:p>
+            <a:endParaRPr/>
+          </a:p>
         </p:txBody>
       </p:sp>
       <p:sp>
         <p:nvSpPr>
           <p:cNvPr id="31" name="Google Shape;31;p5"/>
-          <p:cNvSpPr txBox="1"/>
+          <p:cNvSpPr txBox="1">
+            <a:spLocks noGrp="1"/>
+          </p:cNvSpPr>
           <p:nvPr>
-            <p:ph idx="12" type="sldNum"/>
+            <p:ph type="sldNum" idx="12"/>
           </p:nvPr>
         </p:nvSpPr>
         <p:spPr>
@@ -4352,7 +4518,7 @@
           </a:prstGeom>
         </p:spPr>
         <p:txBody>
-          <a:bodyPr anchorCtr="0" anchor="ctr" bIns="91425" lIns="91425" spcFirstLastPara="1" rIns="91425" wrap="square" tIns="91425">
+          <a:bodyPr spcFirstLastPara="1" wrap="square" lIns="91425" tIns="91425" rIns="91425" bIns="91425" anchor="ctr" anchorCtr="0">
             <a:normAutofit/>
           </a:bodyPr>
           <a:lstStyle>
@@ -4394,7 +4560,7 @@
             </a:lvl9pPr>
           </a:lstStyle>
           <a:p>
-            <a:pPr indent="0" lvl="0" marL="0" rtl="0" algn="r">
+            <a:pPr marL="0" lvl="0" indent="0" algn="r" rtl="0">
               <a:spcBef>
                 <a:spcPts val="0"/>
               </a:spcBef>
@@ -4420,11 +4586,11 @@
 </file>
 
 <file path=ppt/slideLayouts/slideLayout5.xml><?xml version="1.0" encoding="utf-8"?>
-<p:sldLayout xmlns:a="http://schemas.openxmlformats.org/drawingml/2006/main" xmlns:r="http://schemas.openxmlformats.org/officeDocument/2006/relationships" xmlns:mc="http://schemas.openxmlformats.org/markup-compatibility/2006" xmlns:mv="urn:schemas-microsoft-com:mac:vml" xmlns:p="http://schemas.openxmlformats.org/presentationml/2006/main" xmlns:c="http://schemas.openxmlformats.org/drawingml/2006/chart" xmlns:dgm="http://schemas.openxmlformats.org/drawingml/2006/diagram" xmlns:o="urn:schemas-microsoft-com:office:office" xmlns:v="urn:schemas-microsoft-com:vml" xmlns:pvml="urn:schemas-microsoft-com:office:powerpoint" xmlns:com="http://schemas.openxmlformats.org/drawingml/2006/compatibility" xmlns:p14="http://schemas.microsoft.com/office/powerpoint/2010/main" xmlns:p15="http://schemas.microsoft.com/office/powerpoint/2012/main" xmlns:ahyp="http://schemas.microsoft.com/office/drawing/2018/hyperlinkcolor" matchingName="Title only" type="titleOnly">
+<p:sldLayout xmlns:a="http://schemas.openxmlformats.org/drawingml/2006/main" xmlns:r="http://schemas.openxmlformats.org/officeDocument/2006/relationships" xmlns:p="http://schemas.openxmlformats.org/presentationml/2006/main" matchingName="Title only" type="titleOnly">
   <p:cSld name="TITLE_ONLY">
     <p:spTree>
       <p:nvGrpSpPr>
-        <p:cNvPr id="32" name="Shape 32"/>
+        <p:cNvPr id="1" name="Shape 32"/>
         <p:cNvGrpSpPr/>
         <p:nvPr/>
       </p:nvGrpSpPr>
@@ -4458,12 +4624,12 @@
           </a:ln>
         </p:spPr>
         <p:txBody>
-          <a:bodyPr anchorCtr="0" anchor="ctr" bIns="91425" lIns="91425" spcFirstLastPara="1" rIns="91425" wrap="square" tIns="91425">
+          <a:bodyPr spcFirstLastPara="1" wrap="square" lIns="91425" tIns="91425" rIns="91425" bIns="91425" anchor="ctr" anchorCtr="0">
             <a:noAutofit/>
           </a:bodyPr>
           <a:lstStyle/>
           <a:p>
-            <a:pPr indent="0" lvl="0" marL="0" rtl="0" algn="l">
+            <a:pPr marL="0" lvl="0" indent="0" algn="l" rtl="0">
               <a:spcBef>
                 <a:spcPts val="0"/>
               </a:spcBef>
@@ -4472,9 +4638,6 @@
               </a:spcAft>
               <a:buNone/>
             </a:pPr>
-            <a:r>
-              <a:t/>
-            </a:r>
             <a:endParaRPr/>
           </a:p>
         </p:txBody>
@@ -4482,7 +4645,9 @@
       <p:sp>
         <p:nvSpPr>
           <p:cNvPr id="34" name="Google Shape;34;p6"/>
-          <p:cNvSpPr txBox="1"/>
+          <p:cNvSpPr txBox="1">
+            <a:spLocks noGrp="1"/>
+          </p:cNvSpPr>
           <p:nvPr>
             <p:ph type="title"/>
           </p:nvPr>
@@ -4497,7 +4662,7 @@
           </a:prstGeom>
         </p:spPr>
         <p:txBody>
-          <a:bodyPr anchorCtr="0" anchor="t" bIns="91425" lIns="91425" spcFirstLastPara="1" rIns="91425" wrap="square" tIns="91425">
+          <a:bodyPr spcFirstLastPara="1" wrap="square" lIns="91425" tIns="91425" rIns="91425" bIns="91425" anchor="t" anchorCtr="0">
             <a:normAutofit/>
           </a:bodyPr>
           <a:lstStyle>
@@ -4664,15 +4829,19 @@
               </a:defRPr>
             </a:lvl9pPr>
           </a:lstStyle>
-          <a:p/>
+          <a:p>
+            <a:endParaRPr/>
+          </a:p>
         </p:txBody>
       </p:sp>
       <p:sp>
         <p:nvSpPr>
           <p:cNvPr id="35" name="Google Shape;35;p6"/>
-          <p:cNvSpPr txBox="1"/>
+          <p:cNvSpPr txBox="1">
+            <a:spLocks noGrp="1"/>
+          </p:cNvSpPr>
           <p:nvPr>
-            <p:ph idx="12" type="sldNum"/>
+            <p:ph type="sldNum" idx="12"/>
           </p:nvPr>
         </p:nvSpPr>
         <p:spPr>
@@ -4685,7 +4854,7 @@
           </a:prstGeom>
         </p:spPr>
         <p:txBody>
-          <a:bodyPr anchorCtr="0" anchor="ctr" bIns="91425" lIns="91425" spcFirstLastPara="1" rIns="91425" wrap="square" tIns="91425">
+          <a:bodyPr spcFirstLastPara="1" wrap="square" lIns="91425" tIns="91425" rIns="91425" bIns="91425" anchor="ctr" anchorCtr="0">
             <a:normAutofit/>
           </a:bodyPr>
           <a:lstStyle>
@@ -4727,7 +4896,7 @@
             </a:lvl9pPr>
           </a:lstStyle>
           <a:p>
-            <a:pPr indent="0" lvl="0" marL="0" rtl="0" algn="r">
+            <a:pPr marL="0" lvl="0" indent="0" algn="r" rtl="0">
               <a:spcBef>
                 <a:spcPts val="0"/>
               </a:spcBef>
@@ -4753,11 +4922,11 @@
 </file>
 
 <file path=ppt/slideLayouts/slideLayout6.xml><?xml version="1.0" encoding="utf-8"?>
-<p:sldLayout xmlns:a="http://schemas.openxmlformats.org/drawingml/2006/main" xmlns:r="http://schemas.openxmlformats.org/officeDocument/2006/relationships" xmlns:mc="http://schemas.openxmlformats.org/markup-compatibility/2006" xmlns:mv="urn:schemas-microsoft-com:mac:vml" xmlns:p="http://schemas.openxmlformats.org/presentationml/2006/main" xmlns:c="http://schemas.openxmlformats.org/drawingml/2006/chart" xmlns:dgm="http://schemas.openxmlformats.org/drawingml/2006/diagram" xmlns:o="urn:schemas-microsoft-com:office:office" xmlns:v="urn:schemas-microsoft-com:vml" xmlns:pvml="urn:schemas-microsoft-com:office:powerpoint" xmlns:com="http://schemas.openxmlformats.org/drawingml/2006/compatibility" xmlns:p14="http://schemas.microsoft.com/office/powerpoint/2010/main" xmlns:p15="http://schemas.microsoft.com/office/powerpoint/2012/main" xmlns:ahyp="http://schemas.microsoft.com/office/drawing/2018/hyperlinkcolor" matchingName="One column text">
+<p:sldLayout xmlns:a="http://schemas.openxmlformats.org/drawingml/2006/main" xmlns:r="http://schemas.openxmlformats.org/officeDocument/2006/relationships" xmlns:p="http://schemas.openxmlformats.org/presentationml/2006/main" matchingName="One column text">
   <p:cSld name="ONE_COLUMN_TEXT">
     <p:spTree>
       <p:nvGrpSpPr>
-        <p:cNvPr id="36" name="Shape 36"/>
+        <p:cNvPr id="1" name="Shape 36"/>
         <p:cNvGrpSpPr/>
         <p:nvPr/>
       </p:nvGrpSpPr>
@@ -4791,12 +4960,12 @@
           </a:ln>
         </p:spPr>
         <p:txBody>
-          <a:bodyPr anchorCtr="0" anchor="ctr" bIns="91425" lIns="91425" spcFirstLastPara="1" rIns="91425" wrap="square" tIns="91425">
+          <a:bodyPr spcFirstLastPara="1" wrap="square" lIns="91425" tIns="91425" rIns="91425" bIns="91425" anchor="ctr" anchorCtr="0">
             <a:noAutofit/>
           </a:bodyPr>
           <a:lstStyle/>
           <a:p>
-            <a:pPr indent="0" lvl="0" marL="0" rtl="0" algn="l">
+            <a:pPr marL="0" lvl="0" indent="0" algn="l" rtl="0">
               <a:spcBef>
                 <a:spcPts val="0"/>
               </a:spcBef>
@@ -4805,9 +4974,6 @@
               </a:spcAft>
               <a:buNone/>
             </a:pPr>
-            <a:r>
-              <a:t/>
-            </a:r>
             <a:endParaRPr/>
           </a:p>
         </p:txBody>
@@ -4815,7 +4981,9 @@
       <p:sp>
         <p:nvSpPr>
           <p:cNvPr id="38" name="Google Shape;38;p7"/>
-          <p:cNvSpPr txBox="1"/>
+          <p:cNvSpPr txBox="1">
+            <a:spLocks noGrp="1"/>
+          </p:cNvSpPr>
           <p:nvPr>
             <p:ph type="title"/>
           </p:nvPr>
@@ -4830,7 +4998,7 @@
           </a:prstGeom>
         </p:spPr>
         <p:txBody>
-          <a:bodyPr anchorCtr="0" anchor="t" bIns="91425" lIns="91425" spcFirstLastPara="1" rIns="91425" wrap="square" tIns="91425">
+          <a:bodyPr spcFirstLastPara="1" wrap="square" lIns="91425" tIns="91425" rIns="91425" bIns="91425" anchor="t" anchorCtr="0">
             <a:normAutofit/>
           </a:bodyPr>
           <a:lstStyle>
@@ -4997,15 +5165,19 @@
               </a:defRPr>
             </a:lvl9pPr>
           </a:lstStyle>
-          <a:p/>
+          <a:p>
+            <a:endParaRPr/>
+          </a:p>
         </p:txBody>
       </p:sp>
       <p:sp>
         <p:nvSpPr>
           <p:cNvPr id="39" name="Google Shape;39;p7"/>
-          <p:cNvSpPr txBox="1"/>
+          <p:cNvSpPr txBox="1">
+            <a:spLocks noGrp="1"/>
+          </p:cNvSpPr>
           <p:nvPr>
-            <p:ph idx="1" type="body"/>
+            <p:ph type="body" idx="1"/>
           </p:nvPr>
         </p:nvSpPr>
         <p:spPr>
@@ -5018,11 +5190,11 @@
           </a:prstGeom>
         </p:spPr>
         <p:txBody>
-          <a:bodyPr anchorCtr="0" anchor="t" bIns="91425" lIns="91425" spcFirstLastPara="1" rIns="91425" wrap="square" tIns="91425">
+          <a:bodyPr spcFirstLastPara="1" wrap="square" lIns="91425" tIns="91425" rIns="91425" bIns="91425" anchor="t" anchorCtr="0">
             <a:normAutofit/>
           </a:bodyPr>
           <a:lstStyle>
-            <a:lvl1pPr indent="-311150" lvl="0" marL="457200">
+            <a:lvl1pPr marL="457200" lvl="0" indent="-311150">
               <a:spcBef>
                 <a:spcPts val="0"/>
               </a:spcBef>
@@ -5040,7 +5212,7 @@
                 </a:solidFill>
               </a:defRPr>
             </a:lvl1pPr>
-            <a:lvl2pPr indent="-298450" lvl="1" marL="914400">
+            <a:lvl2pPr marL="914400" lvl="1" indent="-298450">
               <a:spcBef>
                 <a:spcPts val="0"/>
               </a:spcBef>
@@ -5058,7 +5230,7 @@
                 </a:solidFill>
               </a:defRPr>
             </a:lvl2pPr>
-            <a:lvl3pPr indent="-298450" lvl="2" marL="1371600">
+            <a:lvl3pPr marL="1371600" lvl="2" indent="-298450">
               <a:spcBef>
                 <a:spcPts val="0"/>
               </a:spcBef>
@@ -5076,7 +5248,7 @@
                 </a:solidFill>
               </a:defRPr>
             </a:lvl3pPr>
-            <a:lvl4pPr indent="-298450" lvl="3" marL="1828800">
+            <a:lvl4pPr marL="1828800" lvl="3" indent="-298450">
               <a:spcBef>
                 <a:spcPts val="0"/>
               </a:spcBef>
@@ -5094,7 +5266,7 @@
                 </a:solidFill>
               </a:defRPr>
             </a:lvl4pPr>
-            <a:lvl5pPr indent="-298450" lvl="4" marL="2286000">
+            <a:lvl5pPr marL="2286000" lvl="4" indent="-298450">
               <a:spcBef>
                 <a:spcPts val="0"/>
               </a:spcBef>
@@ -5112,7 +5284,7 @@
                 </a:solidFill>
               </a:defRPr>
             </a:lvl5pPr>
-            <a:lvl6pPr indent="-298450" lvl="5" marL="2743200">
+            <a:lvl6pPr marL="2743200" lvl="5" indent="-298450">
               <a:spcBef>
                 <a:spcPts val="0"/>
               </a:spcBef>
@@ -5130,7 +5302,7 @@
                 </a:solidFill>
               </a:defRPr>
             </a:lvl6pPr>
-            <a:lvl7pPr indent="-298450" lvl="6" marL="3200400">
+            <a:lvl7pPr marL="3200400" lvl="6" indent="-298450">
               <a:spcBef>
                 <a:spcPts val="0"/>
               </a:spcBef>
@@ -5148,7 +5320,7 @@
                 </a:solidFill>
               </a:defRPr>
             </a:lvl7pPr>
-            <a:lvl8pPr indent="-298450" lvl="7" marL="3657600">
+            <a:lvl8pPr marL="3657600" lvl="7" indent="-298450">
               <a:spcBef>
                 <a:spcPts val="0"/>
               </a:spcBef>
@@ -5166,7 +5338,7 @@
                 </a:solidFill>
               </a:defRPr>
             </a:lvl8pPr>
-            <a:lvl9pPr indent="-298450" lvl="8" marL="4114800">
+            <a:lvl9pPr marL="4114800" lvl="8" indent="-298450">
               <a:spcBef>
                 <a:spcPts val="0"/>
               </a:spcBef>
@@ -5185,15 +5357,19 @@
               </a:defRPr>
             </a:lvl9pPr>
           </a:lstStyle>
-          <a:p/>
+          <a:p>
+            <a:endParaRPr/>
+          </a:p>
         </p:txBody>
       </p:sp>
       <p:sp>
         <p:nvSpPr>
           <p:cNvPr id="40" name="Google Shape;40;p7"/>
-          <p:cNvSpPr txBox="1"/>
+          <p:cNvSpPr txBox="1">
+            <a:spLocks noGrp="1"/>
+          </p:cNvSpPr>
           <p:nvPr>
-            <p:ph idx="12" type="sldNum"/>
+            <p:ph type="sldNum" idx="12"/>
           </p:nvPr>
         </p:nvSpPr>
         <p:spPr>
@@ -5206,7 +5382,7 @@
           </a:prstGeom>
         </p:spPr>
         <p:txBody>
-          <a:bodyPr anchorCtr="0" anchor="ctr" bIns="91425" lIns="91425" spcFirstLastPara="1" rIns="91425" wrap="square" tIns="91425">
+          <a:bodyPr spcFirstLastPara="1" wrap="square" lIns="91425" tIns="91425" rIns="91425" bIns="91425" anchor="ctr" anchorCtr="0">
             <a:normAutofit/>
           </a:bodyPr>
           <a:lstStyle>
@@ -5248,7 +5424,7 @@
             </a:lvl9pPr>
           </a:lstStyle>
           <a:p>
-            <a:pPr indent="0" lvl="0" marL="0" rtl="0" algn="r">
+            <a:pPr marL="0" lvl="0" indent="0" algn="r" rtl="0">
               <a:spcBef>
                 <a:spcPts val="0"/>
               </a:spcBef>
@@ -5274,18 +5450,19 @@
 </file>
 
 <file path=ppt/slideLayouts/slideLayout7.xml><?xml version="1.0" encoding="utf-8"?>
-<p:sldLayout xmlns:a="http://schemas.openxmlformats.org/drawingml/2006/main" xmlns:r="http://schemas.openxmlformats.org/officeDocument/2006/relationships" xmlns:mc="http://schemas.openxmlformats.org/markup-compatibility/2006" xmlns:mv="urn:schemas-microsoft-com:mac:vml" xmlns:p="http://schemas.openxmlformats.org/presentationml/2006/main" xmlns:c="http://schemas.openxmlformats.org/drawingml/2006/chart" xmlns:dgm="http://schemas.openxmlformats.org/drawingml/2006/diagram" xmlns:o="urn:schemas-microsoft-com:office:office" xmlns:v="urn:schemas-microsoft-com:vml" xmlns:pvml="urn:schemas-microsoft-com:office:powerpoint" xmlns:com="http://schemas.openxmlformats.org/drawingml/2006/compatibility" xmlns:p14="http://schemas.microsoft.com/office/powerpoint/2010/main" xmlns:p15="http://schemas.microsoft.com/office/powerpoint/2012/main" xmlns:ahyp="http://schemas.microsoft.com/office/drawing/2018/hyperlinkcolor" matchingName="Main point">
+<p:sldLayout xmlns:a="http://schemas.openxmlformats.org/drawingml/2006/main" xmlns:r="http://schemas.openxmlformats.org/officeDocument/2006/relationships" xmlns:p="http://schemas.openxmlformats.org/presentationml/2006/main" matchingName="Main point">
   <p:cSld name="MAIN_POINT">
     <p:bg>
       <p:bgPr>
         <a:solidFill>
           <a:schemeClr val="accent3"/>
         </a:solidFill>
+        <a:effectLst/>
       </p:bgPr>
     </p:bg>
     <p:spTree>
       <p:nvGrpSpPr>
-        <p:cNvPr id="41" name="Shape 41"/>
+        <p:cNvPr id="1" name="Shape 41"/>
         <p:cNvGrpSpPr/>
         <p:nvPr/>
       </p:nvGrpSpPr>
@@ -5300,7 +5477,9 @@
       <p:sp>
         <p:nvSpPr>
           <p:cNvPr id="42" name="Google Shape;42;p8"/>
-          <p:cNvSpPr txBox="1"/>
+          <p:cNvSpPr txBox="1">
+            <a:spLocks noGrp="1"/>
+          </p:cNvSpPr>
           <p:nvPr>
             <p:ph type="title"/>
           </p:nvPr>
@@ -5315,7 +5494,7 @@
           </a:prstGeom>
         </p:spPr>
         <p:txBody>
-          <a:bodyPr anchorCtr="0" anchor="ctr" bIns="91425" lIns="91425" spcFirstLastPara="1" rIns="91425" wrap="square" tIns="91425">
+          <a:bodyPr spcFirstLastPara="1" wrap="square" lIns="91425" tIns="91425" rIns="91425" bIns="91425" anchor="ctr" anchorCtr="0">
             <a:normAutofit/>
           </a:bodyPr>
           <a:lstStyle>
@@ -5419,15 +5598,19 @@
               <a:defRPr sz="3600"/>
             </a:lvl9pPr>
           </a:lstStyle>
-          <a:p/>
+          <a:p>
+            <a:endParaRPr/>
+          </a:p>
         </p:txBody>
       </p:sp>
       <p:sp>
         <p:nvSpPr>
           <p:cNvPr id="43" name="Google Shape;43;p8"/>
-          <p:cNvSpPr txBox="1"/>
+          <p:cNvSpPr txBox="1">
+            <a:spLocks noGrp="1"/>
+          </p:cNvSpPr>
           <p:nvPr>
-            <p:ph idx="12" type="sldNum"/>
+            <p:ph type="sldNum" idx="12"/>
           </p:nvPr>
         </p:nvSpPr>
         <p:spPr>
@@ -5440,7 +5623,7 @@
           </a:prstGeom>
         </p:spPr>
         <p:txBody>
-          <a:bodyPr anchorCtr="0" anchor="ctr" bIns="91425" lIns="91425" spcFirstLastPara="1" rIns="91425" wrap="square" tIns="91425">
+          <a:bodyPr spcFirstLastPara="1" wrap="square" lIns="91425" tIns="91425" rIns="91425" bIns="91425" anchor="ctr" anchorCtr="0">
             <a:normAutofit/>
           </a:bodyPr>
           <a:lstStyle>
@@ -5518,7 +5701,7 @@
             </a:lvl9pPr>
           </a:lstStyle>
           <a:p>
-            <a:pPr indent="0" lvl="0" marL="0" rtl="0" algn="r">
+            <a:pPr marL="0" lvl="0" indent="0" algn="r" rtl="0">
               <a:spcBef>
                 <a:spcPts val="0"/>
               </a:spcBef>
@@ -5544,11 +5727,11 @@
 </file>
 
 <file path=ppt/slideLayouts/slideLayout8.xml><?xml version="1.0" encoding="utf-8"?>
-<p:sldLayout xmlns:a="http://schemas.openxmlformats.org/drawingml/2006/main" xmlns:r="http://schemas.openxmlformats.org/officeDocument/2006/relationships" xmlns:mc="http://schemas.openxmlformats.org/markup-compatibility/2006" xmlns:mv="urn:schemas-microsoft-com:mac:vml" xmlns:p="http://schemas.openxmlformats.org/presentationml/2006/main" xmlns:c="http://schemas.openxmlformats.org/drawingml/2006/chart" xmlns:dgm="http://schemas.openxmlformats.org/drawingml/2006/diagram" xmlns:o="urn:schemas-microsoft-com:office:office" xmlns:v="urn:schemas-microsoft-com:vml" xmlns:pvml="urn:schemas-microsoft-com:office:powerpoint" xmlns:com="http://schemas.openxmlformats.org/drawingml/2006/compatibility" xmlns:p14="http://schemas.microsoft.com/office/powerpoint/2010/main" xmlns:p15="http://schemas.microsoft.com/office/powerpoint/2012/main" xmlns:ahyp="http://schemas.microsoft.com/office/drawing/2018/hyperlinkcolor" matchingName="Section title and description">
+<p:sldLayout xmlns:a="http://schemas.openxmlformats.org/drawingml/2006/main" xmlns:r="http://schemas.openxmlformats.org/officeDocument/2006/relationships" xmlns:p="http://schemas.openxmlformats.org/presentationml/2006/main" matchingName="Section title and description">
   <p:cSld name="SECTION_TITLE_AND_DESCRIPTION">
     <p:spTree>
       <p:nvGrpSpPr>
-        <p:cNvPr id="44" name="Shape 44"/>
+        <p:cNvPr id="1" name="Shape 44"/>
         <p:cNvGrpSpPr/>
         <p:nvPr/>
       </p:nvGrpSpPr>
@@ -5582,12 +5765,12 @@
           </a:ln>
         </p:spPr>
         <p:txBody>
-          <a:bodyPr anchorCtr="0" anchor="ctr" bIns="91425" lIns="91425" spcFirstLastPara="1" rIns="91425" wrap="square" tIns="91425">
+          <a:bodyPr spcFirstLastPara="1" wrap="square" lIns="91425" tIns="91425" rIns="91425" bIns="91425" anchor="ctr" anchorCtr="0">
             <a:noAutofit/>
           </a:bodyPr>
           <a:lstStyle/>
           <a:p>
-            <a:pPr indent="0" lvl="0" marL="0" rtl="0" algn="l">
+            <a:pPr marL="0" lvl="0" indent="0" algn="l" rtl="0">
               <a:spcBef>
                 <a:spcPts val="0"/>
               </a:spcBef>
@@ -5596,9 +5779,6 @@
               </a:spcAft>
               <a:buNone/>
             </a:pPr>
-            <a:r>
-              <a:t/>
-            </a:r>
             <a:endParaRPr/>
           </a:p>
         </p:txBody>
@@ -5606,7 +5786,9 @@
       <p:sp>
         <p:nvSpPr>
           <p:cNvPr id="46" name="Google Shape;46;p9"/>
-          <p:cNvSpPr txBox="1"/>
+          <p:cNvSpPr txBox="1">
+            <a:spLocks noGrp="1"/>
+          </p:cNvSpPr>
           <p:nvPr>
             <p:ph type="title"/>
           </p:nvPr>
@@ -5621,7 +5803,7 @@
           </a:prstGeom>
         </p:spPr>
         <p:txBody>
-          <a:bodyPr anchorCtr="0" anchor="t" bIns="91425" lIns="91425" spcFirstLastPara="1" rIns="91425" wrap="square" tIns="91425">
+          <a:bodyPr spcFirstLastPara="1" wrap="square" lIns="91425" tIns="91425" rIns="91425" bIns="91425" anchor="t" anchorCtr="0">
             <a:normAutofit/>
           </a:bodyPr>
           <a:lstStyle>
@@ -5788,15 +5970,19 @@
               </a:defRPr>
             </a:lvl9pPr>
           </a:lstStyle>
-          <a:p/>
+          <a:p>
+            <a:endParaRPr/>
+          </a:p>
         </p:txBody>
       </p:sp>
       <p:sp>
         <p:nvSpPr>
           <p:cNvPr id="47" name="Google Shape;47;p9"/>
-          <p:cNvSpPr txBox="1"/>
+          <p:cNvSpPr txBox="1">
+            <a:spLocks noGrp="1"/>
+          </p:cNvSpPr>
           <p:nvPr>
-            <p:ph idx="1" type="subTitle"/>
+            <p:ph type="subTitle" idx="1"/>
           </p:nvPr>
         </p:nvSpPr>
         <p:spPr>
@@ -5809,7 +5995,7 @@
           </a:prstGeom>
         </p:spPr>
         <p:txBody>
-          <a:bodyPr anchorCtr="0" anchor="t" bIns="91425" lIns="91425" spcFirstLastPara="1" rIns="91425" wrap="square" tIns="91425">
+          <a:bodyPr spcFirstLastPara="1" wrap="square" lIns="91425" tIns="91425" rIns="91425" bIns="91425" anchor="t" anchorCtr="0">
             <a:normAutofit/>
           </a:bodyPr>
           <a:lstStyle>
@@ -6003,15 +6189,19 @@
               </a:defRPr>
             </a:lvl9pPr>
           </a:lstStyle>
-          <a:p/>
+          <a:p>
+            <a:endParaRPr/>
+          </a:p>
         </p:txBody>
       </p:sp>
       <p:sp>
         <p:nvSpPr>
           <p:cNvPr id="48" name="Google Shape;48;p9"/>
-          <p:cNvSpPr txBox="1"/>
+          <p:cNvSpPr txBox="1">
+            <a:spLocks noGrp="1"/>
+          </p:cNvSpPr>
           <p:nvPr>
-            <p:ph idx="2" type="body"/>
+            <p:ph type="body" idx="2"/>
           </p:nvPr>
         </p:nvSpPr>
         <p:spPr>
@@ -6024,11 +6214,11 @@
           </a:prstGeom>
         </p:spPr>
         <p:txBody>
-          <a:bodyPr anchorCtr="0" anchor="t" bIns="91425" lIns="91425" spcFirstLastPara="1" rIns="91425" wrap="square" tIns="91425">
+          <a:bodyPr spcFirstLastPara="1" wrap="square" lIns="91425" tIns="91425" rIns="91425" bIns="91425" anchor="t" anchorCtr="0">
             <a:normAutofit/>
           </a:bodyPr>
           <a:lstStyle>
-            <a:lvl1pPr indent="-311150" lvl="0" marL="457200">
+            <a:lvl1pPr marL="457200" lvl="0" indent="-311150">
               <a:spcBef>
                 <a:spcPts val="0"/>
               </a:spcBef>
@@ -6039,7 +6229,7 @@
               <a:buChar char="●"/>
               <a:defRPr/>
             </a:lvl1pPr>
-            <a:lvl2pPr indent="-298450" lvl="1" marL="914400">
+            <a:lvl2pPr marL="914400" lvl="1" indent="-298450">
               <a:spcBef>
                 <a:spcPts val="0"/>
               </a:spcBef>
@@ -6050,7 +6240,7 @@
               <a:buChar char="○"/>
               <a:defRPr/>
             </a:lvl2pPr>
-            <a:lvl3pPr indent="-298450" lvl="2" marL="1371600">
+            <a:lvl3pPr marL="1371600" lvl="2" indent="-298450">
               <a:spcBef>
                 <a:spcPts val="0"/>
               </a:spcBef>
@@ -6061,7 +6251,7 @@
               <a:buChar char="■"/>
               <a:defRPr/>
             </a:lvl3pPr>
-            <a:lvl4pPr indent="-298450" lvl="3" marL="1828800">
+            <a:lvl4pPr marL="1828800" lvl="3" indent="-298450">
               <a:spcBef>
                 <a:spcPts val="0"/>
               </a:spcBef>
@@ -6072,7 +6262,7 @@
               <a:buChar char="●"/>
               <a:defRPr/>
             </a:lvl4pPr>
-            <a:lvl5pPr indent="-298450" lvl="4" marL="2286000">
+            <a:lvl5pPr marL="2286000" lvl="4" indent="-298450">
               <a:spcBef>
                 <a:spcPts val="0"/>
               </a:spcBef>
@@ -6083,7 +6273,7 @@
               <a:buChar char="○"/>
               <a:defRPr/>
             </a:lvl5pPr>
-            <a:lvl6pPr indent="-298450" lvl="5" marL="2743200">
+            <a:lvl6pPr marL="2743200" lvl="5" indent="-298450">
               <a:spcBef>
                 <a:spcPts val="0"/>
               </a:spcBef>
@@ -6094,7 +6284,7 @@
               <a:buChar char="■"/>
               <a:defRPr/>
             </a:lvl6pPr>
-            <a:lvl7pPr indent="-298450" lvl="6" marL="3200400">
+            <a:lvl7pPr marL="3200400" lvl="6" indent="-298450">
               <a:spcBef>
                 <a:spcPts val="0"/>
               </a:spcBef>
@@ -6105,7 +6295,7 @@
               <a:buChar char="●"/>
               <a:defRPr/>
             </a:lvl7pPr>
-            <a:lvl8pPr indent="-298450" lvl="7" marL="3657600">
+            <a:lvl8pPr marL="3657600" lvl="7" indent="-298450">
               <a:spcBef>
                 <a:spcPts val="0"/>
               </a:spcBef>
@@ -6116,7 +6306,7 @@
               <a:buChar char="○"/>
               <a:defRPr/>
             </a:lvl8pPr>
-            <a:lvl9pPr indent="-298450" lvl="8" marL="4114800">
+            <a:lvl9pPr marL="4114800" lvl="8" indent="-298450">
               <a:spcBef>
                 <a:spcPts val="0"/>
               </a:spcBef>
@@ -6128,15 +6318,19 @@
               <a:defRPr/>
             </a:lvl9pPr>
           </a:lstStyle>
-          <a:p/>
+          <a:p>
+            <a:endParaRPr/>
+          </a:p>
         </p:txBody>
       </p:sp>
       <p:sp>
         <p:nvSpPr>
           <p:cNvPr id="49" name="Google Shape;49;p9"/>
-          <p:cNvSpPr txBox="1"/>
+          <p:cNvSpPr txBox="1">
+            <a:spLocks noGrp="1"/>
+          </p:cNvSpPr>
           <p:nvPr>
-            <p:ph idx="12" type="sldNum"/>
+            <p:ph type="sldNum" idx="12"/>
           </p:nvPr>
         </p:nvSpPr>
         <p:spPr>
@@ -6149,7 +6343,7 @@
           </a:prstGeom>
         </p:spPr>
         <p:txBody>
-          <a:bodyPr anchorCtr="0" anchor="ctr" bIns="91425" lIns="91425" spcFirstLastPara="1" rIns="91425" wrap="square" tIns="91425">
+          <a:bodyPr spcFirstLastPara="1" wrap="square" lIns="91425" tIns="91425" rIns="91425" bIns="91425" anchor="ctr" anchorCtr="0">
             <a:normAutofit/>
           </a:bodyPr>
           <a:lstStyle>
@@ -6191,7 +6385,7 @@
             </a:lvl9pPr>
           </a:lstStyle>
           <a:p>
-            <a:pPr indent="0" lvl="0" marL="0" rtl="0" algn="r">
+            <a:pPr marL="0" lvl="0" indent="0" algn="r" rtl="0">
               <a:spcBef>
                 <a:spcPts val="0"/>
               </a:spcBef>
@@ -6217,11 +6411,11 @@
 </file>
 
 <file path=ppt/slideLayouts/slideLayout9.xml><?xml version="1.0" encoding="utf-8"?>
-<p:sldLayout xmlns:a="http://schemas.openxmlformats.org/drawingml/2006/main" xmlns:r="http://schemas.openxmlformats.org/officeDocument/2006/relationships" xmlns:mc="http://schemas.openxmlformats.org/markup-compatibility/2006" xmlns:mv="urn:schemas-microsoft-com:mac:vml" xmlns:p="http://schemas.openxmlformats.org/presentationml/2006/main" xmlns:c="http://schemas.openxmlformats.org/drawingml/2006/chart" xmlns:dgm="http://schemas.openxmlformats.org/drawingml/2006/diagram" xmlns:o="urn:schemas-microsoft-com:office:office" xmlns:v="urn:schemas-microsoft-com:vml" xmlns:pvml="urn:schemas-microsoft-com:office:powerpoint" xmlns:com="http://schemas.openxmlformats.org/drawingml/2006/compatibility" xmlns:p14="http://schemas.microsoft.com/office/powerpoint/2010/main" xmlns:p15="http://schemas.microsoft.com/office/powerpoint/2012/main" xmlns:ahyp="http://schemas.microsoft.com/office/drawing/2018/hyperlinkcolor" matchingName="Caption">
+<p:sldLayout xmlns:a="http://schemas.openxmlformats.org/drawingml/2006/main" xmlns:r="http://schemas.openxmlformats.org/officeDocument/2006/relationships" xmlns:p="http://schemas.openxmlformats.org/presentationml/2006/main" matchingName="Caption">
   <p:cSld name="CAPTION_ONLY">
     <p:spTree>
       <p:nvGrpSpPr>
-        <p:cNvPr id="50" name="Shape 50"/>
+        <p:cNvPr id="1" name="Shape 50"/>
         <p:cNvGrpSpPr/>
         <p:nvPr/>
       </p:nvGrpSpPr>
@@ -6255,12 +6449,12 @@
           </a:ln>
         </p:spPr>
         <p:txBody>
-          <a:bodyPr anchorCtr="0" anchor="ctr" bIns="91425" lIns="91425" spcFirstLastPara="1" rIns="91425" wrap="square" tIns="91425">
+          <a:bodyPr spcFirstLastPara="1" wrap="square" lIns="91425" tIns="91425" rIns="91425" bIns="91425" anchor="ctr" anchorCtr="0">
             <a:noAutofit/>
           </a:bodyPr>
           <a:lstStyle/>
           <a:p>
-            <a:pPr indent="0" lvl="0" marL="0" rtl="0" algn="l">
+            <a:pPr marL="0" lvl="0" indent="0" algn="l" rtl="0">
               <a:spcBef>
                 <a:spcPts val="0"/>
               </a:spcBef>
@@ -6269,9 +6463,6 @@
               </a:spcAft>
               <a:buNone/>
             </a:pPr>
-            <a:r>
-              <a:t/>
-            </a:r>
             <a:endParaRPr/>
           </a:p>
         </p:txBody>
@@ -6279,9 +6470,11 @@
       <p:sp>
         <p:nvSpPr>
           <p:cNvPr id="52" name="Google Shape;52;p10"/>
-          <p:cNvSpPr txBox="1"/>
+          <p:cNvSpPr txBox="1">
+            <a:spLocks noGrp="1"/>
+          </p:cNvSpPr>
           <p:nvPr>
-            <p:ph idx="1" type="body"/>
+            <p:ph type="body" idx="1"/>
           </p:nvPr>
         </p:nvSpPr>
         <p:spPr>
@@ -6294,11 +6487,11 @@
           </a:prstGeom>
         </p:spPr>
         <p:txBody>
-          <a:bodyPr anchorCtr="0" anchor="ctr" bIns="91425" lIns="91425" spcFirstLastPara="1" rIns="91425" wrap="square" tIns="91425">
+          <a:bodyPr spcFirstLastPara="1" wrap="square" lIns="91425" tIns="91425" rIns="91425" bIns="91425" anchor="ctr" anchorCtr="0">
             <a:normAutofit/>
           </a:bodyPr>
           <a:lstStyle>
-            <a:lvl1pPr indent="-228600" lvl="0" marL="457200">
+            <a:lvl1pPr marL="457200" lvl="0" indent="-228600">
               <a:lnSpc>
                 <a:spcPct val="100000"/>
               </a:lnSpc>
@@ -6325,15 +6518,19 @@
               </a:defRPr>
             </a:lvl1pPr>
           </a:lstStyle>
-          <a:p/>
+          <a:p>
+            <a:endParaRPr/>
+          </a:p>
         </p:txBody>
       </p:sp>
       <p:sp>
         <p:nvSpPr>
           <p:cNvPr id="53" name="Google Shape;53;p10"/>
-          <p:cNvSpPr txBox="1"/>
+          <p:cNvSpPr txBox="1">
+            <a:spLocks noGrp="1"/>
+          </p:cNvSpPr>
           <p:nvPr>
-            <p:ph idx="12" type="sldNum"/>
+            <p:ph type="sldNum" idx="12"/>
           </p:nvPr>
         </p:nvSpPr>
         <p:spPr>
@@ -6346,7 +6543,7 @@
           </a:prstGeom>
         </p:spPr>
         <p:txBody>
-          <a:bodyPr anchorCtr="0" anchor="ctr" bIns="91425" lIns="91425" spcFirstLastPara="1" rIns="91425" wrap="square" tIns="91425">
+          <a:bodyPr spcFirstLastPara="1" wrap="square" lIns="91425" tIns="91425" rIns="91425" bIns="91425" anchor="ctr" anchorCtr="0">
             <a:normAutofit/>
           </a:bodyPr>
           <a:lstStyle>
@@ -6424,7 +6621,7 @@
             </a:lvl9pPr>
           </a:lstStyle>
           <a:p>
-            <a:pPr indent="0" lvl="0" marL="0" rtl="0" algn="r">
+            <a:pPr marL="0" lvl="0" indent="0" algn="r" rtl="0">
               <a:spcBef>
                 <a:spcPts val="0"/>
               </a:spcBef>
@@ -6450,18 +6647,19 @@
 </file>
 
 <file path=ppt/slideMasters/slideMaster1.xml><?xml version="1.0" encoding="utf-8"?>
-<p:sldMaster xmlns:a="http://schemas.openxmlformats.org/drawingml/2006/main" xmlns:r="http://schemas.openxmlformats.org/officeDocument/2006/relationships" xmlns:mc="http://schemas.openxmlformats.org/markup-compatibility/2006" xmlns:mv="urn:schemas-microsoft-com:mac:vml" xmlns:p="http://schemas.openxmlformats.org/presentationml/2006/main" xmlns:c="http://schemas.openxmlformats.org/drawingml/2006/chart" xmlns:dgm="http://schemas.openxmlformats.org/drawingml/2006/diagram" xmlns:o="urn:schemas-microsoft-com:office:office" xmlns:v="urn:schemas-microsoft-com:vml" xmlns:pvml="urn:schemas-microsoft-com:office:powerpoint" xmlns:com="http://schemas.openxmlformats.org/drawingml/2006/compatibility" xmlns:p14="http://schemas.microsoft.com/office/powerpoint/2010/main" xmlns:p15="http://schemas.microsoft.com/office/powerpoint/2012/main" xmlns:ahyp="http://schemas.microsoft.com/office/drawing/2018/hyperlinkcolor">
+<p:sldMaster xmlns:a="http://schemas.openxmlformats.org/drawingml/2006/main" xmlns:r="http://schemas.openxmlformats.org/officeDocument/2006/relationships" xmlns:p="http://schemas.openxmlformats.org/presentationml/2006/main">
   <p:cSld name="paradigm">
     <p:bg>
       <p:bgPr>
         <a:solidFill>
           <a:schemeClr val="lt1"/>
         </a:solidFill>
+        <a:effectLst/>
       </p:bgPr>
     </p:bg>
     <p:spTree>
       <p:nvGrpSpPr>
-        <p:cNvPr id="5" name="Shape 5"/>
+        <p:cNvPr id="1" name="Shape 5"/>
         <p:cNvGrpSpPr/>
         <p:nvPr/>
       </p:nvGrpSpPr>
@@ -6476,7 +6674,9 @@
       <p:sp>
         <p:nvSpPr>
           <p:cNvPr id="6" name="Google Shape;6;p1"/>
-          <p:cNvSpPr txBox="1"/>
+          <p:cNvSpPr txBox="1">
+            <a:spLocks noGrp="1"/>
+          </p:cNvSpPr>
           <p:nvPr>
             <p:ph type="title"/>
           </p:nvPr>
@@ -6495,7 +6695,7 @@
           </a:ln>
         </p:spPr>
         <p:txBody>
-          <a:bodyPr anchorCtr="0" anchor="t" bIns="91425" lIns="91425" spcFirstLastPara="1" rIns="91425" wrap="square" tIns="91425">
+          <a:bodyPr spcFirstLastPara="1" wrap="square" lIns="91425" tIns="91425" rIns="91425" bIns="91425" anchor="t" anchorCtr="0">
             <a:normAutofit/>
           </a:bodyPr>
           <a:lstStyle>
@@ -6707,15 +6907,19 @@
               </a:defRPr>
             </a:lvl9pPr>
           </a:lstStyle>
-          <a:p/>
+          <a:p>
+            <a:endParaRPr/>
+          </a:p>
         </p:txBody>
       </p:sp>
       <p:sp>
         <p:nvSpPr>
           <p:cNvPr id="7" name="Google Shape;7;p1"/>
-          <p:cNvSpPr txBox="1"/>
+          <p:cNvSpPr txBox="1">
+            <a:spLocks noGrp="1"/>
+          </p:cNvSpPr>
           <p:nvPr>
-            <p:ph idx="1" type="body"/>
+            <p:ph type="body" idx="1"/>
           </p:nvPr>
         </p:nvSpPr>
         <p:spPr>
@@ -6732,11 +6936,11 @@
           </a:ln>
         </p:spPr>
         <p:txBody>
-          <a:bodyPr anchorCtr="0" anchor="t" bIns="91425" lIns="91425" spcFirstLastPara="1" rIns="91425" wrap="square" tIns="91425">
+          <a:bodyPr spcFirstLastPara="1" wrap="square" lIns="91425" tIns="91425" rIns="91425" bIns="91425" anchor="t" anchorCtr="0">
             <a:normAutofit/>
           </a:bodyPr>
           <a:lstStyle>
-            <a:lvl1pPr indent="-311150" lvl="0" marL="457200">
+            <a:lvl1pPr marL="457200" lvl="0" indent="-311150">
               <a:lnSpc>
                 <a:spcPct val="115000"/>
               </a:lnSpc>
@@ -6762,7 +6966,7 @@
                 <a:sym typeface="Roboto"/>
               </a:defRPr>
             </a:lvl1pPr>
-            <a:lvl2pPr indent="-298450" lvl="1" marL="914400">
+            <a:lvl2pPr marL="914400" lvl="1" indent="-298450">
               <a:lnSpc>
                 <a:spcPct val="115000"/>
               </a:lnSpc>
@@ -6788,7 +6992,7 @@
                 <a:sym typeface="Roboto"/>
               </a:defRPr>
             </a:lvl2pPr>
-            <a:lvl3pPr indent="-298450" lvl="2" marL="1371600">
+            <a:lvl3pPr marL="1371600" lvl="2" indent="-298450">
               <a:lnSpc>
                 <a:spcPct val="115000"/>
               </a:lnSpc>
@@ -6814,7 +7018,7 @@
                 <a:sym typeface="Roboto"/>
               </a:defRPr>
             </a:lvl3pPr>
-            <a:lvl4pPr indent="-298450" lvl="3" marL="1828800">
+            <a:lvl4pPr marL="1828800" lvl="3" indent="-298450">
               <a:lnSpc>
                 <a:spcPct val="115000"/>
               </a:lnSpc>
@@ -6840,7 +7044,7 @@
                 <a:sym typeface="Roboto"/>
               </a:defRPr>
             </a:lvl4pPr>
-            <a:lvl5pPr indent="-298450" lvl="4" marL="2286000">
+            <a:lvl5pPr marL="2286000" lvl="4" indent="-298450">
               <a:lnSpc>
                 <a:spcPct val="115000"/>
               </a:lnSpc>
@@ -6866,7 +7070,7 @@
                 <a:sym typeface="Roboto"/>
               </a:defRPr>
             </a:lvl5pPr>
-            <a:lvl6pPr indent="-298450" lvl="5" marL="2743200">
+            <a:lvl6pPr marL="2743200" lvl="5" indent="-298450">
               <a:lnSpc>
                 <a:spcPct val="115000"/>
               </a:lnSpc>
@@ -6892,7 +7096,7 @@
                 <a:sym typeface="Roboto"/>
               </a:defRPr>
             </a:lvl6pPr>
-            <a:lvl7pPr indent="-298450" lvl="6" marL="3200400">
+            <a:lvl7pPr marL="3200400" lvl="6" indent="-298450">
               <a:lnSpc>
                 <a:spcPct val="115000"/>
               </a:lnSpc>
@@ -6918,7 +7122,7 @@
                 <a:sym typeface="Roboto"/>
               </a:defRPr>
             </a:lvl7pPr>
-            <a:lvl8pPr indent="-298450" lvl="7" marL="3657600">
+            <a:lvl8pPr marL="3657600" lvl="7" indent="-298450">
               <a:lnSpc>
                 <a:spcPct val="115000"/>
               </a:lnSpc>
@@ -6944,7 +7148,7 @@
                 <a:sym typeface="Roboto"/>
               </a:defRPr>
             </a:lvl8pPr>
-            <a:lvl9pPr indent="-298450" lvl="8" marL="4114800">
+            <a:lvl9pPr marL="4114800" lvl="8" indent="-298450">
               <a:lnSpc>
                 <a:spcPct val="115000"/>
               </a:lnSpc>
@@ -6971,15 +7175,19 @@
               </a:defRPr>
             </a:lvl9pPr>
           </a:lstStyle>
-          <a:p/>
+          <a:p>
+            <a:endParaRPr/>
+          </a:p>
         </p:txBody>
       </p:sp>
       <p:sp>
         <p:nvSpPr>
           <p:cNvPr id="8" name="Google Shape;8;p1"/>
-          <p:cNvSpPr txBox="1"/>
+          <p:cNvSpPr txBox="1">
+            <a:spLocks noGrp="1"/>
+          </p:cNvSpPr>
           <p:nvPr>
-            <p:ph idx="12" type="sldNum"/>
+            <p:ph type="sldNum" idx="12"/>
           </p:nvPr>
         </p:nvSpPr>
         <p:spPr>
@@ -6996,7 +7204,7 @@
           </a:ln>
         </p:spPr>
         <p:txBody>
-          <a:bodyPr anchorCtr="0" anchor="ctr" bIns="91425" lIns="91425" spcFirstLastPara="1" rIns="91425" wrap="square" tIns="91425">
+          <a:bodyPr spcFirstLastPara="1" wrap="square" lIns="91425" tIns="91425" rIns="91425" bIns="91425" anchor="ctr" anchorCtr="0">
             <a:normAutofit/>
           </a:bodyPr>
           <a:lstStyle>
@@ -7110,7 +7318,7 @@
             </a:lvl9pPr>
           </a:lstStyle>
           <a:p>
-            <a:pPr indent="0" lvl="0" marL="0" rtl="0" algn="r">
+            <a:pPr marL="0" lvl="0" indent="0" algn="r" rtl="0">
               <a:spcBef>
                 <a:spcPts val="0"/>
               </a:spcBef>
@@ -7129,7 +7337,7 @@
       </p:sp>
     </p:spTree>
   </p:cSld>
-  <p:clrMap accent1="accent1" accent2="accent2" accent3="accent3" accent4="accent4" accent5="accent5" accent6="accent6" bg1="lt1" bg2="dk2" tx1="dk1" tx2="lt2" folHlink="folHlink" hlink="hlink"/>
+  <p:clrMap bg1="lt1" tx1="dk1" bg2="dk2" tx2="lt2" accent1="accent1" accent2="accent2" accent3="accent3" accent4="accent4" accent5="accent5" accent6="accent6" hlink="hlink" folHlink="folHlink"/>
   <p:sldLayoutIdLst>
     <p:sldLayoutId id="2147483648" r:id="rId1"/>
     <p:sldLayoutId id="2147483649" r:id="rId2"/>
@@ -7143,10 +7351,10 @@
     <p:sldLayoutId id="2147483657" r:id="rId10"/>
     <p:sldLayoutId id="2147483658" r:id="rId11"/>
   </p:sldLayoutIdLst>
-  <p:hf dt="0" ftr="0" hdr="0" sldNum="0"/>
+  <p:hf sldNum="0" hdr="0" ftr="0" dt="0"/>
   <p:txStyles>
     <p:titleStyle>
-      <a:defPPr lvl="0" marR="0" rtl="0" algn="l">
+      <a:defPPr marR="0" lvl="0" algn="l" rtl="0">
         <a:lnSpc>
           <a:spcPct val="100000"/>
         </a:lnSpc>
@@ -7157,7 +7365,7 @@
           <a:spcPts val="0"/>
         </a:spcAft>
       </a:defPPr>
-      <a:lvl1pPr lvl="0" marR="0" rtl="0" algn="l">
+      <a:lvl1pPr marR="0" lvl="0" algn="l" rtl="0">
         <a:lnSpc>
           <a:spcPct val="100000"/>
         </a:lnSpc>
@@ -7171,7 +7379,7 @@
           <a:srgbClr val="000000"/>
         </a:buClr>
         <a:buFont typeface="Arial"/>
-        <a:defRPr b="0" i="0" sz="1400" u="none" cap="none" strike="noStrike">
+        <a:defRPr sz="1400" b="0" i="0" u="none" strike="noStrike" cap="none">
           <a:solidFill>
             <a:srgbClr val="000000"/>
           </a:solidFill>
@@ -7181,7 +7389,7 @@
           <a:sym typeface="Arial"/>
         </a:defRPr>
       </a:lvl1pPr>
-      <a:lvl2pPr lvl="1" marR="0" rtl="0" algn="l">
+      <a:lvl2pPr marR="0" lvl="1" algn="l" rtl="0">
         <a:lnSpc>
           <a:spcPct val="100000"/>
         </a:lnSpc>
@@ -7195,7 +7403,7 @@
           <a:srgbClr val="000000"/>
         </a:buClr>
         <a:buFont typeface="Arial"/>
-        <a:defRPr b="0" i="0" sz="1400" u="none" cap="none" strike="noStrike">
+        <a:defRPr sz="1400" b="0" i="0" u="none" strike="noStrike" cap="none">
           <a:solidFill>
             <a:srgbClr val="000000"/>
           </a:solidFill>
@@ -7205,7 +7413,7 @@
           <a:sym typeface="Arial"/>
         </a:defRPr>
       </a:lvl2pPr>
-      <a:lvl3pPr lvl="2" marR="0" rtl="0" algn="l">
+      <a:lvl3pPr marR="0" lvl="2" algn="l" rtl="0">
         <a:lnSpc>
           <a:spcPct val="100000"/>
         </a:lnSpc>
@@ -7219,7 +7427,7 @@
           <a:srgbClr val="000000"/>
         </a:buClr>
         <a:buFont typeface="Arial"/>
-        <a:defRPr b="0" i="0" sz="1400" u="none" cap="none" strike="noStrike">
+        <a:defRPr sz="1400" b="0" i="0" u="none" strike="noStrike" cap="none">
           <a:solidFill>
             <a:srgbClr val="000000"/>
           </a:solidFill>
@@ -7229,7 +7437,7 @@
           <a:sym typeface="Arial"/>
         </a:defRPr>
       </a:lvl3pPr>
-      <a:lvl4pPr lvl="3" marR="0" rtl="0" algn="l">
+      <a:lvl4pPr marR="0" lvl="3" algn="l" rtl="0">
         <a:lnSpc>
           <a:spcPct val="100000"/>
         </a:lnSpc>
@@ -7243,7 +7451,7 @@
           <a:srgbClr val="000000"/>
         </a:buClr>
         <a:buFont typeface="Arial"/>
-        <a:defRPr b="0" i="0" sz="1400" u="none" cap="none" strike="noStrike">
+        <a:defRPr sz="1400" b="0" i="0" u="none" strike="noStrike" cap="none">
           <a:solidFill>
             <a:srgbClr val="000000"/>
           </a:solidFill>
@@ -7253,7 +7461,7 @@
           <a:sym typeface="Arial"/>
         </a:defRPr>
       </a:lvl4pPr>
-      <a:lvl5pPr lvl="4" marR="0" rtl="0" algn="l">
+      <a:lvl5pPr marR="0" lvl="4" algn="l" rtl="0">
         <a:lnSpc>
           <a:spcPct val="100000"/>
         </a:lnSpc>
@@ -7267,7 +7475,7 @@
           <a:srgbClr val="000000"/>
         </a:buClr>
         <a:buFont typeface="Arial"/>
-        <a:defRPr b="0" i="0" sz="1400" u="none" cap="none" strike="noStrike">
+        <a:defRPr sz="1400" b="0" i="0" u="none" strike="noStrike" cap="none">
           <a:solidFill>
             <a:srgbClr val="000000"/>
           </a:solidFill>
@@ -7277,7 +7485,7 @@
           <a:sym typeface="Arial"/>
         </a:defRPr>
       </a:lvl5pPr>
-      <a:lvl6pPr lvl="5" marR="0" rtl="0" algn="l">
+      <a:lvl6pPr marR="0" lvl="5" algn="l" rtl="0">
         <a:lnSpc>
           <a:spcPct val="100000"/>
         </a:lnSpc>
@@ -7291,7 +7499,7 @@
           <a:srgbClr val="000000"/>
         </a:buClr>
         <a:buFont typeface="Arial"/>
-        <a:defRPr b="0" i="0" sz="1400" u="none" cap="none" strike="noStrike">
+        <a:defRPr sz="1400" b="0" i="0" u="none" strike="noStrike" cap="none">
           <a:solidFill>
             <a:srgbClr val="000000"/>
           </a:solidFill>
@@ -7301,7 +7509,7 @@
           <a:sym typeface="Arial"/>
         </a:defRPr>
       </a:lvl6pPr>
-      <a:lvl7pPr lvl="6" marR="0" rtl="0" algn="l">
+      <a:lvl7pPr marR="0" lvl="6" algn="l" rtl="0">
         <a:lnSpc>
           <a:spcPct val="100000"/>
         </a:lnSpc>
@@ -7315,7 +7523,7 @@
           <a:srgbClr val="000000"/>
         </a:buClr>
         <a:buFont typeface="Arial"/>
-        <a:defRPr b="0" i="0" sz="1400" u="none" cap="none" strike="noStrike">
+        <a:defRPr sz="1400" b="0" i="0" u="none" strike="noStrike" cap="none">
           <a:solidFill>
             <a:srgbClr val="000000"/>
           </a:solidFill>
@@ -7325,7 +7533,7 @@
           <a:sym typeface="Arial"/>
         </a:defRPr>
       </a:lvl7pPr>
-      <a:lvl8pPr lvl="7" marR="0" rtl="0" algn="l">
+      <a:lvl8pPr marR="0" lvl="7" algn="l" rtl="0">
         <a:lnSpc>
           <a:spcPct val="100000"/>
         </a:lnSpc>
@@ -7339,7 +7547,7 @@
           <a:srgbClr val="000000"/>
         </a:buClr>
         <a:buFont typeface="Arial"/>
-        <a:defRPr b="0" i="0" sz="1400" u="none" cap="none" strike="noStrike">
+        <a:defRPr sz="1400" b="0" i="0" u="none" strike="noStrike" cap="none">
           <a:solidFill>
             <a:srgbClr val="000000"/>
           </a:solidFill>
@@ -7349,7 +7557,7 @@
           <a:sym typeface="Arial"/>
         </a:defRPr>
       </a:lvl8pPr>
-      <a:lvl9pPr lvl="8" marR="0" rtl="0" algn="l">
+      <a:lvl9pPr marR="0" lvl="8" algn="l" rtl="0">
         <a:lnSpc>
           <a:spcPct val="100000"/>
         </a:lnSpc>
@@ -7363,7 +7571,7 @@
           <a:srgbClr val="000000"/>
         </a:buClr>
         <a:buFont typeface="Arial"/>
-        <a:defRPr b="0" i="0" sz="1400" u="none" cap="none" strike="noStrike">
+        <a:defRPr sz="1400" b="0" i="0" u="none" strike="noStrike" cap="none">
           <a:solidFill>
             <a:srgbClr val="000000"/>
           </a:solidFill>
@@ -7375,7 +7583,7 @@
       </a:lvl9pPr>
     </p:titleStyle>
     <p:bodyStyle>
-      <a:defPPr lvl="0" marR="0" rtl="0" algn="l">
+      <a:defPPr marR="0" lvl="0" algn="l" rtl="0">
         <a:lnSpc>
           <a:spcPct val="100000"/>
         </a:lnSpc>
@@ -7386,7 +7594,7 @@
           <a:spcPts val="0"/>
         </a:spcAft>
       </a:defPPr>
-      <a:lvl1pPr lvl="0" marR="0" rtl="0" algn="l">
+      <a:lvl1pPr marR="0" lvl="0" algn="l" rtl="0">
         <a:lnSpc>
           <a:spcPct val="100000"/>
         </a:lnSpc>
@@ -7400,7 +7608,7 @@
           <a:srgbClr val="000000"/>
         </a:buClr>
         <a:buFont typeface="Arial"/>
-        <a:defRPr b="0" i="0" sz="1400" u="none" cap="none" strike="noStrike">
+        <a:defRPr sz="1400" b="0" i="0" u="none" strike="noStrike" cap="none">
           <a:solidFill>
             <a:srgbClr val="000000"/>
           </a:solidFill>
@@ -7410,7 +7618,7 @@
           <a:sym typeface="Arial"/>
         </a:defRPr>
       </a:lvl1pPr>
-      <a:lvl2pPr lvl="1" marR="0" rtl="0" algn="l">
+      <a:lvl2pPr marR="0" lvl="1" algn="l" rtl="0">
         <a:lnSpc>
           <a:spcPct val="100000"/>
         </a:lnSpc>
@@ -7424,7 +7632,7 @@
           <a:srgbClr val="000000"/>
         </a:buClr>
         <a:buFont typeface="Arial"/>
-        <a:defRPr b="0" i="0" sz="1400" u="none" cap="none" strike="noStrike">
+        <a:defRPr sz="1400" b="0" i="0" u="none" strike="noStrike" cap="none">
           <a:solidFill>
             <a:srgbClr val="000000"/>
           </a:solidFill>
@@ -7434,7 +7642,7 @@
           <a:sym typeface="Arial"/>
         </a:defRPr>
       </a:lvl2pPr>
-      <a:lvl3pPr lvl="2" marR="0" rtl="0" algn="l">
+      <a:lvl3pPr marR="0" lvl="2" algn="l" rtl="0">
         <a:lnSpc>
           <a:spcPct val="100000"/>
         </a:lnSpc>
@@ -7448,7 +7656,7 @@
           <a:srgbClr val="000000"/>
         </a:buClr>
         <a:buFont typeface="Arial"/>
-        <a:defRPr b="0" i="0" sz="1400" u="none" cap="none" strike="noStrike">
+        <a:defRPr sz="1400" b="0" i="0" u="none" strike="noStrike" cap="none">
           <a:solidFill>
             <a:srgbClr val="000000"/>
           </a:solidFill>
@@ -7458,7 +7666,7 @@
           <a:sym typeface="Arial"/>
         </a:defRPr>
       </a:lvl3pPr>
-      <a:lvl4pPr lvl="3" marR="0" rtl="0" algn="l">
+      <a:lvl4pPr marR="0" lvl="3" algn="l" rtl="0">
         <a:lnSpc>
           <a:spcPct val="100000"/>
         </a:lnSpc>
@@ -7472,7 +7680,7 @@
           <a:srgbClr val="000000"/>
         </a:buClr>
         <a:buFont typeface="Arial"/>
-        <a:defRPr b="0" i="0" sz="1400" u="none" cap="none" strike="noStrike">
+        <a:defRPr sz="1400" b="0" i="0" u="none" strike="noStrike" cap="none">
           <a:solidFill>
             <a:srgbClr val="000000"/>
           </a:solidFill>
@@ -7482,7 +7690,7 @@
           <a:sym typeface="Arial"/>
         </a:defRPr>
       </a:lvl4pPr>
-      <a:lvl5pPr lvl="4" marR="0" rtl="0" algn="l">
+      <a:lvl5pPr marR="0" lvl="4" algn="l" rtl="0">
         <a:lnSpc>
           <a:spcPct val="100000"/>
         </a:lnSpc>
@@ -7496,7 +7704,7 @@
           <a:srgbClr val="000000"/>
         </a:buClr>
         <a:buFont typeface="Arial"/>
-        <a:defRPr b="0" i="0" sz="1400" u="none" cap="none" strike="noStrike">
+        <a:defRPr sz="1400" b="0" i="0" u="none" strike="noStrike" cap="none">
           <a:solidFill>
             <a:srgbClr val="000000"/>
           </a:solidFill>
@@ -7506,7 +7714,7 @@
           <a:sym typeface="Arial"/>
         </a:defRPr>
       </a:lvl5pPr>
-      <a:lvl6pPr lvl="5" marR="0" rtl="0" algn="l">
+      <a:lvl6pPr marR="0" lvl="5" algn="l" rtl="0">
         <a:lnSpc>
           <a:spcPct val="100000"/>
         </a:lnSpc>
@@ -7520,7 +7728,7 @@
           <a:srgbClr val="000000"/>
         </a:buClr>
         <a:buFont typeface="Arial"/>
-        <a:defRPr b="0" i="0" sz="1400" u="none" cap="none" strike="noStrike">
+        <a:defRPr sz="1400" b="0" i="0" u="none" strike="noStrike" cap="none">
           <a:solidFill>
             <a:srgbClr val="000000"/>
           </a:solidFill>
@@ -7530,7 +7738,7 @@
           <a:sym typeface="Arial"/>
         </a:defRPr>
       </a:lvl6pPr>
-      <a:lvl7pPr lvl="6" marR="0" rtl="0" algn="l">
+      <a:lvl7pPr marR="0" lvl="6" algn="l" rtl="0">
         <a:lnSpc>
           <a:spcPct val="100000"/>
         </a:lnSpc>
@@ -7544,7 +7752,7 @@
           <a:srgbClr val="000000"/>
         </a:buClr>
         <a:buFont typeface="Arial"/>
-        <a:defRPr b="0" i="0" sz="1400" u="none" cap="none" strike="noStrike">
+        <a:defRPr sz="1400" b="0" i="0" u="none" strike="noStrike" cap="none">
           <a:solidFill>
             <a:srgbClr val="000000"/>
           </a:solidFill>
@@ -7554,7 +7762,7 @@
           <a:sym typeface="Arial"/>
         </a:defRPr>
       </a:lvl7pPr>
-      <a:lvl8pPr lvl="7" marR="0" rtl="0" algn="l">
+      <a:lvl8pPr marR="0" lvl="7" algn="l" rtl="0">
         <a:lnSpc>
           <a:spcPct val="100000"/>
         </a:lnSpc>
@@ -7568,7 +7776,7 @@
           <a:srgbClr val="000000"/>
         </a:buClr>
         <a:buFont typeface="Arial"/>
-        <a:defRPr b="0" i="0" sz="1400" u="none" cap="none" strike="noStrike">
+        <a:defRPr sz="1400" b="0" i="0" u="none" strike="noStrike" cap="none">
           <a:solidFill>
             <a:srgbClr val="000000"/>
           </a:solidFill>
@@ -7578,7 +7786,7 @@
           <a:sym typeface="Arial"/>
         </a:defRPr>
       </a:lvl8pPr>
-      <a:lvl9pPr lvl="8" marR="0" rtl="0" algn="l">
+      <a:lvl9pPr marR="0" lvl="8" algn="l" rtl="0">
         <a:lnSpc>
           <a:spcPct val="100000"/>
         </a:lnSpc>
@@ -7592,7 +7800,7 @@
           <a:srgbClr val="000000"/>
         </a:buClr>
         <a:buFont typeface="Arial"/>
-        <a:defRPr b="0" i="0" sz="1400" u="none" cap="none" strike="noStrike">
+        <a:defRPr sz="1400" b="0" i="0" u="none" strike="noStrike" cap="none">
           <a:solidFill>
             <a:srgbClr val="000000"/>
           </a:solidFill>
@@ -7604,7 +7812,7 @@
       </a:lvl9pPr>
     </p:bodyStyle>
     <p:otherStyle>
-      <a:defPPr lvl="0" marR="0" rtl="0" algn="l">
+      <a:defPPr marR="0" lvl="0" algn="l" rtl="0">
         <a:lnSpc>
           <a:spcPct val="100000"/>
         </a:lnSpc>
@@ -7615,7 +7823,7 @@
           <a:spcPts val="0"/>
         </a:spcAft>
       </a:defPPr>
-      <a:lvl1pPr lvl="0" marR="0" rtl="0" algn="l">
+      <a:lvl1pPr marR="0" lvl="0" algn="l" rtl="0">
         <a:lnSpc>
           <a:spcPct val="100000"/>
         </a:lnSpc>
@@ -7629,7 +7837,7 @@
           <a:srgbClr val="000000"/>
         </a:buClr>
         <a:buFont typeface="Arial"/>
-        <a:defRPr b="0" i="0" sz="1400" u="none" cap="none" strike="noStrike">
+        <a:defRPr sz="1400" b="0" i="0" u="none" strike="noStrike" cap="none">
           <a:solidFill>
             <a:srgbClr val="000000"/>
           </a:solidFill>
@@ -7639,7 +7847,7 @@
           <a:sym typeface="Arial"/>
         </a:defRPr>
       </a:lvl1pPr>
-      <a:lvl2pPr lvl="1" marR="0" rtl="0" algn="l">
+      <a:lvl2pPr marR="0" lvl="1" algn="l" rtl="0">
         <a:lnSpc>
           <a:spcPct val="100000"/>
         </a:lnSpc>
@@ -7653,7 +7861,7 @@
           <a:srgbClr val="000000"/>
         </a:buClr>
         <a:buFont typeface="Arial"/>
-        <a:defRPr b="0" i="0" sz="1400" u="none" cap="none" strike="noStrike">
+        <a:defRPr sz="1400" b="0" i="0" u="none" strike="noStrike" cap="none">
           <a:solidFill>
             <a:srgbClr val="000000"/>
           </a:solidFill>
@@ -7663,7 +7871,7 @@
           <a:sym typeface="Arial"/>
         </a:defRPr>
       </a:lvl2pPr>
-      <a:lvl3pPr lvl="2" marR="0" rtl="0" algn="l">
+      <a:lvl3pPr marR="0" lvl="2" algn="l" rtl="0">
         <a:lnSpc>
           <a:spcPct val="100000"/>
         </a:lnSpc>
@@ -7677,7 +7885,7 @@
           <a:srgbClr val="000000"/>
         </a:buClr>
         <a:buFont typeface="Arial"/>
-        <a:defRPr b="0" i="0" sz="1400" u="none" cap="none" strike="noStrike">
+        <a:defRPr sz="1400" b="0" i="0" u="none" strike="noStrike" cap="none">
           <a:solidFill>
             <a:srgbClr val="000000"/>
           </a:solidFill>
@@ -7687,7 +7895,7 @@
           <a:sym typeface="Arial"/>
         </a:defRPr>
       </a:lvl3pPr>
-      <a:lvl4pPr lvl="3" marR="0" rtl="0" algn="l">
+      <a:lvl4pPr marR="0" lvl="3" algn="l" rtl="0">
         <a:lnSpc>
           <a:spcPct val="100000"/>
         </a:lnSpc>
@@ -7701,7 +7909,7 @@
           <a:srgbClr val="000000"/>
         </a:buClr>
         <a:buFont typeface="Arial"/>
-        <a:defRPr b="0" i="0" sz="1400" u="none" cap="none" strike="noStrike">
+        <a:defRPr sz="1400" b="0" i="0" u="none" strike="noStrike" cap="none">
           <a:solidFill>
             <a:srgbClr val="000000"/>
           </a:solidFill>
@@ -7711,7 +7919,7 @@
           <a:sym typeface="Arial"/>
         </a:defRPr>
       </a:lvl4pPr>
-      <a:lvl5pPr lvl="4" marR="0" rtl="0" algn="l">
+      <a:lvl5pPr marR="0" lvl="4" algn="l" rtl="0">
         <a:lnSpc>
           <a:spcPct val="100000"/>
         </a:lnSpc>
@@ -7725,7 +7933,7 @@
           <a:srgbClr val="000000"/>
         </a:buClr>
         <a:buFont typeface="Arial"/>
-        <a:defRPr b="0" i="0" sz="1400" u="none" cap="none" strike="noStrike">
+        <a:defRPr sz="1400" b="0" i="0" u="none" strike="noStrike" cap="none">
           <a:solidFill>
             <a:srgbClr val="000000"/>
           </a:solidFill>
@@ -7735,7 +7943,7 @@
           <a:sym typeface="Arial"/>
         </a:defRPr>
       </a:lvl5pPr>
-      <a:lvl6pPr lvl="5" marR="0" rtl="0" algn="l">
+      <a:lvl6pPr marR="0" lvl="5" algn="l" rtl="0">
         <a:lnSpc>
           <a:spcPct val="100000"/>
         </a:lnSpc>
@@ -7749,7 +7957,7 @@
           <a:srgbClr val="000000"/>
         </a:buClr>
         <a:buFont typeface="Arial"/>
-        <a:defRPr b="0" i="0" sz="1400" u="none" cap="none" strike="noStrike">
+        <a:defRPr sz="1400" b="0" i="0" u="none" strike="noStrike" cap="none">
           <a:solidFill>
             <a:srgbClr val="000000"/>
           </a:solidFill>
@@ -7759,7 +7967,7 @@
           <a:sym typeface="Arial"/>
         </a:defRPr>
       </a:lvl6pPr>
-      <a:lvl7pPr lvl="6" marR="0" rtl="0" algn="l">
+      <a:lvl7pPr marR="0" lvl="6" algn="l" rtl="0">
         <a:lnSpc>
           <a:spcPct val="100000"/>
         </a:lnSpc>
@@ -7773,7 +7981,7 @@
           <a:srgbClr val="000000"/>
         </a:buClr>
         <a:buFont typeface="Arial"/>
-        <a:defRPr b="0" i="0" sz="1400" u="none" cap="none" strike="noStrike">
+        <a:defRPr sz="1400" b="0" i="0" u="none" strike="noStrike" cap="none">
           <a:solidFill>
             <a:srgbClr val="000000"/>
           </a:solidFill>
@@ -7783,7 +7991,7 @@
           <a:sym typeface="Arial"/>
         </a:defRPr>
       </a:lvl7pPr>
-      <a:lvl8pPr lvl="7" marR="0" rtl="0" algn="l">
+      <a:lvl8pPr marR="0" lvl="7" algn="l" rtl="0">
         <a:lnSpc>
           <a:spcPct val="100000"/>
         </a:lnSpc>
@@ -7797,7 +8005,7 @@
           <a:srgbClr val="000000"/>
         </a:buClr>
         <a:buFont typeface="Arial"/>
-        <a:defRPr b="0" i="0" sz="1400" u="none" cap="none" strike="noStrike">
+        <a:defRPr sz="1400" b="0" i="0" u="none" strike="noStrike" cap="none">
           <a:solidFill>
             <a:srgbClr val="000000"/>
           </a:solidFill>
@@ -7807,7 +8015,7 @@
           <a:sym typeface="Arial"/>
         </a:defRPr>
       </a:lvl8pPr>
-      <a:lvl9pPr lvl="8" marR="0" rtl="0" algn="l">
+      <a:lvl9pPr marR="0" lvl="8" algn="l" rtl="0">
         <a:lnSpc>
           <a:spcPct val="100000"/>
         </a:lnSpc>
@@ -7821,7 +8029,7 @@
           <a:srgbClr val="000000"/>
         </a:buClr>
         <a:buFont typeface="Arial"/>
-        <a:defRPr b="0" i="0" sz="1400" u="none" cap="none" strike="noStrike">
+        <a:defRPr sz="1400" b="0" i="0" u="none" strike="noStrike" cap="none">
           <a:solidFill>
             <a:srgbClr val="000000"/>
           </a:solidFill>
@@ -7837,11 +8045,11 @@
 </file>
 
 <file path=ppt/slides/slide1.xml><?xml version="1.0" encoding="utf-8"?>
-<p:sld xmlns:a="http://schemas.openxmlformats.org/drawingml/2006/main" xmlns:r="http://schemas.openxmlformats.org/officeDocument/2006/relationships" xmlns:mc="http://schemas.openxmlformats.org/markup-compatibility/2006" xmlns:mv="urn:schemas-microsoft-com:mac:vml" xmlns:p="http://schemas.openxmlformats.org/presentationml/2006/main" xmlns:c="http://schemas.openxmlformats.org/drawingml/2006/chart" xmlns:dgm="http://schemas.openxmlformats.org/drawingml/2006/diagram" xmlns:o="urn:schemas-microsoft-com:office:office" xmlns:v="urn:schemas-microsoft-com:vml" xmlns:pvml="urn:schemas-microsoft-com:office:powerpoint" xmlns:com="http://schemas.openxmlformats.org/drawingml/2006/compatibility" xmlns:p14="http://schemas.microsoft.com/office/powerpoint/2010/main" xmlns:p15="http://schemas.microsoft.com/office/powerpoint/2012/main" xmlns:ahyp="http://schemas.microsoft.com/office/drawing/2018/hyperlinkcolor">
+<p:sld xmlns:a="http://schemas.openxmlformats.org/drawingml/2006/main" xmlns:r="http://schemas.openxmlformats.org/officeDocument/2006/relationships" xmlns:p="http://schemas.openxmlformats.org/presentationml/2006/main">
   <p:cSld>
     <p:spTree>
       <p:nvGrpSpPr>
-        <p:cNvPr id="63" name="Shape 63"/>
+        <p:cNvPr id="1" name="Shape 63"/>
         <p:cNvGrpSpPr/>
         <p:nvPr/>
       </p:nvGrpSpPr>
@@ -7856,7 +8064,9 @@
       <p:sp>
         <p:nvSpPr>
           <p:cNvPr id="64" name="Google Shape;64;p13"/>
-          <p:cNvSpPr txBox="1"/>
+          <p:cNvSpPr txBox="1">
+            <a:spLocks noGrp="1"/>
+          </p:cNvSpPr>
           <p:nvPr>
             <p:ph type="ctrTitle"/>
           </p:nvPr>
@@ -7871,12 +8081,12 @@
           </a:prstGeom>
         </p:spPr>
         <p:txBody>
-          <a:bodyPr anchorCtr="0" anchor="t" bIns="91425" lIns="91425" spcFirstLastPara="1" rIns="91425" wrap="square" tIns="91425">
+          <a:bodyPr spcFirstLastPara="1" wrap="square" lIns="91425" tIns="91425" rIns="91425" bIns="91425" anchor="t" anchorCtr="0">
             <a:normAutofit fontScale="90000"/>
           </a:bodyPr>
           <a:lstStyle/>
           <a:p>
-            <a:pPr indent="0" lvl="0" marL="0" rtl="0" algn="l">
+            <a:pPr marL="0" lvl="0" indent="0" algn="l" rtl="0">
               <a:spcBef>
                 <a:spcPts val="0"/>
               </a:spcBef>
@@ -7892,7 +8102,7 @@
             <a:endParaRPr/>
           </a:p>
           <a:p>
-            <a:pPr indent="0" lvl="0" marL="0" rtl="0" algn="l">
+            <a:pPr marL="0" lvl="0" indent="0" algn="l" rtl="0">
               <a:spcBef>
                 <a:spcPts val="0"/>
               </a:spcBef>
@@ -7912,9 +8122,11 @@
       <p:sp>
         <p:nvSpPr>
           <p:cNvPr id="65" name="Google Shape;65;p13"/>
-          <p:cNvSpPr txBox="1"/>
+          <p:cNvSpPr txBox="1">
+            <a:spLocks noGrp="1"/>
+          </p:cNvSpPr>
           <p:nvPr>
-            <p:ph idx="1" type="subTitle"/>
+            <p:ph type="subTitle" idx="1"/>
           </p:nvPr>
         </p:nvSpPr>
         <p:spPr>
@@ -7927,12 +8139,12 @@
           </a:prstGeom>
         </p:spPr>
         <p:txBody>
-          <a:bodyPr anchorCtr="0" anchor="t" bIns="91425" lIns="91425" spcFirstLastPara="1" rIns="91425" wrap="square" tIns="91425">
+          <a:bodyPr spcFirstLastPara="1" wrap="square" lIns="91425" tIns="91425" rIns="91425" bIns="91425" anchor="t" anchorCtr="0">
             <a:normAutofit/>
           </a:bodyPr>
           <a:lstStyle/>
           <a:p>
-            <a:pPr indent="0" lvl="0" marL="0" rtl="0" algn="l">
+            <a:pPr marL="0" lvl="0" indent="0" algn="l" rtl="0">
               <a:spcBef>
                 <a:spcPts val="0"/>
               </a:spcBef>
@@ -7948,7 +8160,7 @@
             <a:endParaRPr/>
           </a:p>
           <a:p>
-            <a:pPr indent="0" lvl="0" marL="0" rtl="0" algn="l">
+            <a:pPr marL="0" lvl="0" indent="0" algn="l" rtl="0">
               <a:spcBef>
                 <a:spcPts val="0"/>
               </a:spcBef>
@@ -8002,11 +8214,11 @@
 </file>
 
 <file path=ppt/slides/slide10.xml><?xml version="1.0" encoding="utf-8"?>
-<p:sld xmlns:a="http://schemas.openxmlformats.org/drawingml/2006/main" xmlns:r="http://schemas.openxmlformats.org/officeDocument/2006/relationships" xmlns:mc="http://schemas.openxmlformats.org/markup-compatibility/2006" xmlns:mv="urn:schemas-microsoft-com:mac:vml" xmlns:p="http://schemas.openxmlformats.org/presentationml/2006/main" xmlns:c="http://schemas.openxmlformats.org/drawingml/2006/chart" xmlns:dgm="http://schemas.openxmlformats.org/drawingml/2006/diagram" xmlns:o="urn:schemas-microsoft-com:office:office" xmlns:v="urn:schemas-microsoft-com:vml" xmlns:pvml="urn:schemas-microsoft-com:office:powerpoint" xmlns:com="http://schemas.openxmlformats.org/drawingml/2006/compatibility" xmlns:p14="http://schemas.microsoft.com/office/powerpoint/2010/main" xmlns:p15="http://schemas.microsoft.com/office/powerpoint/2012/main" xmlns:ahyp="http://schemas.microsoft.com/office/drawing/2018/hyperlinkcolor">
+<p:sld xmlns:a="http://schemas.openxmlformats.org/drawingml/2006/main" xmlns:r="http://schemas.openxmlformats.org/officeDocument/2006/relationships" xmlns:p="http://schemas.openxmlformats.org/presentationml/2006/main">
   <p:cSld>
     <p:spTree>
       <p:nvGrpSpPr>
-        <p:cNvPr id="129" name="Shape 129"/>
+        <p:cNvPr id="1" name="Shape 129"/>
         <p:cNvGrpSpPr/>
         <p:nvPr/>
       </p:nvGrpSpPr>
@@ -8021,7 +8233,9 @@
       <p:sp>
         <p:nvSpPr>
           <p:cNvPr id="130" name="Google Shape;130;p22"/>
-          <p:cNvSpPr txBox="1"/>
+          <p:cNvSpPr txBox="1">
+            <a:spLocks noGrp="1"/>
+          </p:cNvSpPr>
           <p:nvPr>
             <p:ph type="title"/>
           </p:nvPr>
@@ -8036,12 +8250,12 @@
           </a:prstGeom>
         </p:spPr>
         <p:txBody>
-          <a:bodyPr anchorCtr="0" anchor="t" bIns="91425" lIns="91425" spcFirstLastPara="1" rIns="91425" wrap="square" tIns="91425">
+          <a:bodyPr spcFirstLastPara="1" wrap="square" lIns="91425" tIns="91425" rIns="91425" bIns="91425" anchor="t" anchorCtr="0">
             <a:normAutofit/>
           </a:bodyPr>
           <a:lstStyle/>
           <a:p>
-            <a:pPr indent="0" lvl="0" marL="0" rtl="0" algn="l">
+            <a:pPr marL="0" lvl="0" indent="0" algn="l" rtl="0">
               <a:spcBef>
                 <a:spcPts val="0"/>
               </a:spcBef>
@@ -8061,9 +8275,11 @@
       <p:sp>
         <p:nvSpPr>
           <p:cNvPr id="131" name="Google Shape;131;p22"/>
-          <p:cNvSpPr txBox="1"/>
+          <p:cNvSpPr txBox="1">
+            <a:spLocks noGrp="1"/>
+          </p:cNvSpPr>
           <p:nvPr>
-            <p:ph idx="1" type="body"/>
+            <p:ph type="body" idx="1"/>
           </p:nvPr>
         </p:nvSpPr>
         <p:spPr>
@@ -8076,12 +8292,12 @@
           </a:prstGeom>
         </p:spPr>
         <p:txBody>
-          <a:bodyPr anchorCtr="0" anchor="t" bIns="91425" lIns="91425" spcFirstLastPara="1" rIns="91425" wrap="square" tIns="91425">
+          <a:bodyPr spcFirstLastPara="1" wrap="square" lIns="91425" tIns="91425" rIns="91425" bIns="91425" anchor="t" anchorCtr="0">
             <a:normAutofit/>
           </a:bodyPr>
           <a:lstStyle/>
           <a:p>
-            <a:pPr indent="-311150" lvl="0" marL="457200" rtl="0" algn="l">
+            <a:pPr marL="457200" lvl="0" indent="-311150" algn="l" rtl="0">
               <a:spcBef>
                 <a:spcPts val="0"/>
               </a:spcBef>
@@ -8098,7 +8314,7 @@
             <a:endParaRPr/>
           </a:p>
           <a:p>
-            <a:pPr indent="-298450" lvl="1" marL="914400" rtl="0" algn="l">
+            <a:pPr marL="914400" lvl="1" indent="-298450" algn="l" rtl="0">
               <a:spcBef>
                 <a:spcPts val="0"/>
               </a:spcBef>
@@ -8110,16 +8326,12 @@
             </a:pPr>
             <a:r>
               <a:rPr lang="en"/>
-              <a:t>The </a:t>
+              <a:t>The more complex the model becomes the stronger the accuracy and recall was returned</a:t>
             </a:r>
-            <a:r>
-              <a:rPr lang="en"/>
-              <a:t>more complex the model becomes the stronger the accuracy and recall was returned</a:t>
-            </a:r>
-            <a:endParaRPr/>
-          </a:p>
-          <a:p>
-            <a:pPr indent="-298450" lvl="1" marL="914400" rtl="0" algn="l">
+            <a:endParaRPr/>
+          </a:p>
+          <a:p>
+            <a:pPr marL="914400" lvl="1" indent="-298450" algn="l" rtl="0">
               <a:spcBef>
                 <a:spcPts val="0"/>
               </a:spcBef>
@@ -8136,7 +8348,7 @@
             <a:endParaRPr/>
           </a:p>
           <a:p>
-            <a:pPr indent="-298450" lvl="1" marL="914400" rtl="0" algn="l">
+            <a:pPr marL="914400" lvl="1" indent="-298450" algn="l" rtl="0">
               <a:spcBef>
                 <a:spcPts val="0"/>
               </a:spcBef>
@@ -8153,7 +8365,7 @@
             <a:endParaRPr/>
           </a:p>
           <a:p>
-            <a:pPr indent="-311150" lvl="0" marL="457200" rtl="0" algn="l">
+            <a:pPr marL="457200" lvl="0" indent="-311150" algn="l" rtl="0">
               <a:spcBef>
                 <a:spcPts val="0"/>
               </a:spcBef>
@@ -8170,7 +8382,7 @@
             <a:endParaRPr/>
           </a:p>
           <a:p>
-            <a:pPr indent="-311150" lvl="0" marL="457200" rtl="0" algn="l">
+            <a:pPr marL="457200" lvl="0" indent="-311150" algn="l" rtl="0">
               <a:spcBef>
                 <a:spcPts val="0"/>
               </a:spcBef>
@@ -8187,7 +8399,7 @@
             <a:endParaRPr/>
           </a:p>
           <a:p>
-            <a:pPr indent="-311150" lvl="0" marL="457200" rtl="0" algn="l">
+            <a:pPr marL="457200" lvl="0" indent="-311150" algn="l" rtl="0">
               <a:spcBef>
                 <a:spcPts val="0"/>
               </a:spcBef>
@@ -8242,11 +8454,11 @@
 </file>
 
 <file path=ppt/slides/slide11.xml><?xml version="1.0" encoding="utf-8"?>
-<p:sld xmlns:a="http://schemas.openxmlformats.org/drawingml/2006/main" xmlns:r="http://schemas.openxmlformats.org/officeDocument/2006/relationships" xmlns:mc="http://schemas.openxmlformats.org/markup-compatibility/2006" xmlns:mv="urn:schemas-microsoft-com:mac:vml" xmlns:p="http://schemas.openxmlformats.org/presentationml/2006/main" xmlns:c="http://schemas.openxmlformats.org/drawingml/2006/chart" xmlns:dgm="http://schemas.openxmlformats.org/drawingml/2006/diagram" xmlns:o="urn:schemas-microsoft-com:office:office" xmlns:v="urn:schemas-microsoft-com:vml" xmlns:pvml="urn:schemas-microsoft-com:office:powerpoint" xmlns:com="http://schemas.openxmlformats.org/drawingml/2006/compatibility" xmlns:p14="http://schemas.microsoft.com/office/powerpoint/2010/main" xmlns:p15="http://schemas.microsoft.com/office/powerpoint/2012/main" xmlns:ahyp="http://schemas.microsoft.com/office/drawing/2018/hyperlinkcolor">
+<p:sld xmlns:a="http://schemas.openxmlformats.org/drawingml/2006/main" xmlns:r="http://schemas.openxmlformats.org/officeDocument/2006/relationships" xmlns:p="http://schemas.openxmlformats.org/presentationml/2006/main">
   <p:cSld>
     <p:spTree>
       <p:nvGrpSpPr>
-        <p:cNvPr id="136" name="Shape 136"/>
+        <p:cNvPr id="1" name="Shape 136"/>
         <p:cNvGrpSpPr/>
         <p:nvPr/>
       </p:nvGrpSpPr>
@@ -8261,7 +8473,9 @@
       <p:sp>
         <p:nvSpPr>
           <p:cNvPr id="137" name="Google Shape;137;p23"/>
-          <p:cNvSpPr txBox="1"/>
+          <p:cNvSpPr txBox="1">
+            <a:spLocks noGrp="1"/>
+          </p:cNvSpPr>
           <p:nvPr>
             <p:ph type="title"/>
           </p:nvPr>
@@ -8276,12 +8490,12 @@
           </a:prstGeom>
         </p:spPr>
         <p:txBody>
-          <a:bodyPr anchorCtr="0" anchor="t" bIns="91425" lIns="91425" spcFirstLastPara="1" rIns="91425" wrap="square" tIns="91425">
+          <a:bodyPr spcFirstLastPara="1" wrap="square" lIns="91425" tIns="91425" rIns="91425" bIns="91425" anchor="t" anchorCtr="0">
             <a:normAutofit/>
           </a:bodyPr>
           <a:lstStyle/>
           <a:p>
-            <a:pPr indent="0" lvl="0" marL="0" rtl="0" algn="l">
+            <a:pPr marL="0" lvl="0" indent="0" algn="l" rtl="0">
               <a:spcBef>
                 <a:spcPts val="0"/>
               </a:spcBef>
@@ -8301,9 +8515,11 @@
       <p:sp>
         <p:nvSpPr>
           <p:cNvPr id="138" name="Google Shape;138;p23"/>
-          <p:cNvSpPr txBox="1"/>
+          <p:cNvSpPr txBox="1">
+            <a:spLocks noGrp="1"/>
+          </p:cNvSpPr>
           <p:nvPr>
-            <p:ph idx="1" type="body"/>
+            <p:ph type="body" idx="1"/>
           </p:nvPr>
         </p:nvSpPr>
         <p:spPr>
@@ -8316,12 +8532,12 @@
           </a:prstGeom>
         </p:spPr>
         <p:txBody>
-          <a:bodyPr anchorCtr="0" anchor="t" bIns="91425" lIns="91425" spcFirstLastPara="1" rIns="91425" wrap="square" tIns="91425">
+          <a:bodyPr spcFirstLastPara="1" wrap="square" lIns="91425" tIns="91425" rIns="91425" bIns="91425" anchor="t" anchorCtr="0">
             <a:normAutofit/>
           </a:bodyPr>
           <a:lstStyle/>
           <a:p>
-            <a:pPr indent="-311150" lvl="0" marL="457200" rtl="0" algn="l">
+            <a:pPr marL="457200" lvl="0" indent="-311150" algn="l" rtl="0">
               <a:spcBef>
                 <a:spcPts val="0"/>
               </a:spcBef>
@@ -8332,11 +8548,11 @@
               <a:buChar char="❖"/>
             </a:pPr>
             <a:r>
-              <a:rPr lang="en"/>
+              <a:rPr lang="en" dirty="0"/>
               <a:t>Data-</a:t>
             </a:r>
             <a:r>
-              <a:rPr lang="en" u="sng">
+              <a:rPr lang="en" u="sng" dirty="0">
                 <a:solidFill>
                   <a:schemeClr val="hlink"/>
                 </a:solidFill>
@@ -8344,10 +8560,10 @@
               </a:rPr>
               <a:t>https://www.kaggle.com/datasets/ajay1735/hmeq-data/code</a:t>
             </a:r>
-            <a:endParaRPr/>
-          </a:p>
-          <a:p>
-            <a:pPr indent="-311150" lvl="0" marL="457200" rtl="0" algn="l">
+            <a:endParaRPr dirty="0"/>
+          </a:p>
+          <a:p>
+            <a:pPr marL="457200" lvl="0" indent="-311150" algn="l" rtl="0">
               <a:spcBef>
                 <a:spcPts val="0"/>
               </a:spcBef>
@@ -8358,13 +8574,17 @@
               <a:buChar char="❖"/>
             </a:pPr>
             <a:r>
-              <a:rPr lang="en"/>
+              <a:rPr lang="en" dirty="0"/>
               <a:t>Github-</a:t>
             </a:r>
-            <a:endParaRPr/>
-          </a:p>
-          <a:p>
-            <a:pPr indent="-311150" lvl="0" marL="457200" rtl="0" algn="l">
+            <a:r>
+              <a:rPr lang="en-US" dirty="0"/>
+              <a:t>https://github.com/jake052799/ThinkfulProjectsAssessmentsandData/tree/main/Capstone%20Folder/HMEQCapstone2</a:t>
+            </a:r>
+            <a:endParaRPr dirty="0"/>
+          </a:p>
+          <a:p>
+            <a:pPr marL="457200" lvl="0" indent="-311150" algn="l" rtl="0">
               <a:spcBef>
                 <a:spcPts val="0"/>
               </a:spcBef>
@@ -8375,11 +8595,11 @@
               <a:buChar char="❖"/>
             </a:pPr>
             <a:r>
-              <a:rPr lang="en"/>
+              <a:rPr lang="en" dirty="0"/>
               <a:t>CodeEX-</a:t>
             </a:r>
             <a:r>
-              <a:rPr lang="en" sz="1200" u="sng">
+              <a:rPr lang="en" sz="1200" u="sng" dirty="0">
                 <a:solidFill>
                   <a:schemeClr val="hlink"/>
                 </a:solidFill>
@@ -8394,7 +8614,7 @@
               </a:rPr>
               <a:t>https://machinelearningmastery.com/hyperparameters-for-classification-machine-learning-algorithms/</a:t>
             </a:r>
-            <a:endParaRPr sz="1200">
+            <a:endParaRPr sz="1200" dirty="0">
               <a:solidFill>
                 <a:srgbClr val="302C41"/>
               </a:solidFill>
@@ -8418,11 +8638,11 @@
 </file>
 
 <file path=ppt/slides/slide2.xml><?xml version="1.0" encoding="utf-8"?>
-<p:sld xmlns:a="http://schemas.openxmlformats.org/drawingml/2006/main" xmlns:r="http://schemas.openxmlformats.org/officeDocument/2006/relationships" xmlns:mc="http://schemas.openxmlformats.org/markup-compatibility/2006" xmlns:mv="urn:schemas-microsoft-com:mac:vml" xmlns:p="http://schemas.openxmlformats.org/presentationml/2006/main" xmlns:c="http://schemas.openxmlformats.org/drawingml/2006/chart" xmlns:dgm="http://schemas.openxmlformats.org/drawingml/2006/diagram" xmlns:o="urn:schemas-microsoft-com:office:office" xmlns:v="urn:schemas-microsoft-com:vml" xmlns:pvml="urn:schemas-microsoft-com:office:powerpoint" xmlns:com="http://schemas.openxmlformats.org/drawingml/2006/compatibility" xmlns:p14="http://schemas.microsoft.com/office/powerpoint/2010/main" xmlns:p15="http://schemas.microsoft.com/office/powerpoint/2012/main" xmlns:ahyp="http://schemas.microsoft.com/office/drawing/2018/hyperlinkcolor">
+<p:sld xmlns:a="http://schemas.openxmlformats.org/drawingml/2006/main" xmlns:r="http://schemas.openxmlformats.org/officeDocument/2006/relationships" xmlns:p="http://schemas.openxmlformats.org/presentationml/2006/main">
   <p:cSld>
     <p:spTree>
       <p:nvGrpSpPr>
-        <p:cNvPr id="70" name="Shape 70"/>
+        <p:cNvPr id="1" name="Shape 70"/>
         <p:cNvGrpSpPr/>
         <p:nvPr/>
       </p:nvGrpSpPr>
@@ -8437,7 +8657,9 @@
       <p:sp>
         <p:nvSpPr>
           <p:cNvPr id="71" name="Google Shape;71;p14"/>
-          <p:cNvSpPr txBox="1"/>
+          <p:cNvSpPr txBox="1">
+            <a:spLocks noGrp="1"/>
+          </p:cNvSpPr>
           <p:nvPr>
             <p:ph type="title"/>
           </p:nvPr>
@@ -8452,12 +8674,12 @@
           </a:prstGeom>
         </p:spPr>
         <p:txBody>
-          <a:bodyPr anchorCtr="0" anchor="t" bIns="91425" lIns="91425" spcFirstLastPara="1" rIns="91425" wrap="square" tIns="91425">
+          <a:bodyPr spcFirstLastPara="1" wrap="square" lIns="91425" tIns="91425" rIns="91425" bIns="91425" anchor="t" anchorCtr="0">
             <a:normAutofit/>
           </a:bodyPr>
           <a:lstStyle/>
           <a:p>
-            <a:pPr indent="0" lvl="0" marL="0" rtl="0" algn="l">
+            <a:pPr marL="0" lvl="0" indent="0" algn="l" rtl="0">
               <a:spcBef>
                 <a:spcPts val="0"/>
               </a:spcBef>
@@ -8477,9 +8699,11 @@
       <p:sp>
         <p:nvSpPr>
           <p:cNvPr id="72" name="Google Shape;72;p14"/>
-          <p:cNvSpPr txBox="1"/>
+          <p:cNvSpPr txBox="1">
+            <a:spLocks noGrp="1"/>
+          </p:cNvSpPr>
           <p:nvPr>
-            <p:ph idx="1" type="body"/>
+            <p:ph type="body" idx="1"/>
           </p:nvPr>
         </p:nvSpPr>
         <p:spPr>
@@ -8492,12 +8716,12 @@
           </a:prstGeom>
         </p:spPr>
         <p:txBody>
-          <a:bodyPr anchorCtr="0" anchor="t" bIns="91425" lIns="91425" spcFirstLastPara="1" rIns="91425" wrap="square" tIns="91425">
+          <a:bodyPr spcFirstLastPara="1" wrap="square" lIns="91425" tIns="91425" rIns="91425" bIns="91425" anchor="t" anchorCtr="0">
             <a:normAutofit/>
           </a:bodyPr>
           <a:lstStyle/>
           <a:p>
-            <a:pPr indent="-311150" lvl="0" marL="457200" rtl="0" algn="l">
+            <a:pPr marL="457200" lvl="0" indent="-311150" algn="l" rtl="0">
               <a:spcBef>
                 <a:spcPts val="0"/>
               </a:spcBef>
@@ -8514,7 +8738,7 @@
             <a:endParaRPr/>
           </a:p>
           <a:p>
-            <a:pPr indent="-311150" lvl="0" marL="457200" rtl="0" algn="l">
+            <a:pPr marL="457200" lvl="0" indent="-311150" algn="l" rtl="0">
               <a:spcBef>
                 <a:spcPts val="0"/>
               </a:spcBef>
@@ -8531,7 +8755,7 @@
             <a:endParaRPr/>
           </a:p>
           <a:p>
-            <a:pPr indent="-311150" lvl="0" marL="457200" rtl="0" algn="l">
+            <a:pPr marL="457200" lvl="0" indent="-311150" algn="l" rtl="0">
               <a:spcBef>
                 <a:spcPts val="0"/>
               </a:spcBef>
@@ -8557,7 +8781,7 @@
             <a:endParaRPr/>
           </a:p>
           <a:p>
-            <a:pPr indent="-311150" lvl="0" marL="457200" rtl="0" algn="l">
+            <a:pPr marL="457200" lvl="0" indent="-311150" algn="l" rtl="0">
               <a:spcBef>
                 <a:spcPts val="0"/>
               </a:spcBef>
@@ -8574,7 +8798,7 @@
             <a:endParaRPr/>
           </a:p>
           <a:p>
-            <a:pPr indent="-311150" lvl="0" marL="457200" rtl="0" algn="l">
+            <a:pPr marL="457200" lvl="0" indent="-311150" algn="l" rtl="0">
               <a:spcBef>
                 <a:spcPts val="0"/>
               </a:spcBef>
@@ -8629,11 +8853,11 @@
 </file>
 
 <file path=ppt/slides/slide3.xml><?xml version="1.0" encoding="utf-8"?>
-<p:sld xmlns:a="http://schemas.openxmlformats.org/drawingml/2006/main" xmlns:r="http://schemas.openxmlformats.org/officeDocument/2006/relationships" xmlns:mc="http://schemas.openxmlformats.org/markup-compatibility/2006" xmlns:mv="urn:schemas-microsoft-com:mac:vml" xmlns:p="http://schemas.openxmlformats.org/presentationml/2006/main" xmlns:c="http://schemas.openxmlformats.org/drawingml/2006/chart" xmlns:dgm="http://schemas.openxmlformats.org/drawingml/2006/diagram" xmlns:o="urn:schemas-microsoft-com:office:office" xmlns:v="urn:schemas-microsoft-com:vml" xmlns:pvml="urn:schemas-microsoft-com:office:powerpoint" xmlns:com="http://schemas.openxmlformats.org/drawingml/2006/compatibility" xmlns:p14="http://schemas.microsoft.com/office/powerpoint/2010/main" xmlns:p15="http://schemas.microsoft.com/office/powerpoint/2012/main" xmlns:ahyp="http://schemas.microsoft.com/office/drawing/2018/hyperlinkcolor">
+<p:sld xmlns:a="http://schemas.openxmlformats.org/drawingml/2006/main" xmlns:r="http://schemas.openxmlformats.org/officeDocument/2006/relationships" xmlns:p="http://schemas.openxmlformats.org/presentationml/2006/main">
   <p:cSld>
     <p:spTree>
       <p:nvGrpSpPr>
-        <p:cNvPr id="77" name="Shape 77"/>
+        <p:cNvPr id="1" name="Shape 77"/>
         <p:cNvGrpSpPr/>
         <p:nvPr/>
       </p:nvGrpSpPr>
@@ -8648,7 +8872,9 @@
       <p:sp>
         <p:nvSpPr>
           <p:cNvPr id="78" name="Google Shape;78;p15"/>
-          <p:cNvSpPr txBox="1"/>
+          <p:cNvSpPr txBox="1">
+            <a:spLocks noGrp="1"/>
+          </p:cNvSpPr>
           <p:nvPr>
             <p:ph type="title"/>
           </p:nvPr>
@@ -8663,12 +8889,12 @@
           </a:prstGeom>
         </p:spPr>
         <p:txBody>
-          <a:bodyPr anchorCtr="0" anchor="t" bIns="91425" lIns="91425" spcFirstLastPara="1" rIns="91425" wrap="square" tIns="91425">
+          <a:bodyPr spcFirstLastPara="1" wrap="square" lIns="91425" tIns="91425" rIns="91425" bIns="91425" anchor="t" anchorCtr="0">
             <a:normAutofit/>
           </a:bodyPr>
           <a:lstStyle/>
           <a:p>
-            <a:pPr indent="0" lvl="0" marL="0" rtl="0" algn="l">
+            <a:pPr marL="0" lvl="0" indent="0" algn="l" rtl="0">
               <a:spcBef>
                 <a:spcPts val="0"/>
               </a:spcBef>
@@ -8688,9 +8914,11 @@
       <p:sp>
         <p:nvSpPr>
           <p:cNvPr id="79" name="Google Shape;79;p15"/>
-          <p:cNvSpPr txBox="1"/>
+          <p:cNvSpPr txBox="1">
+            <a:spLocks noGrp="1"/>
+          </p:cNvSpPr>
           <p:nvPr>
-            <p:ph idx="1" type="body"/>
+            <p:ph type="body" idx="1"/>
           </p:nvPr>
         </p:nvSpPr>
         <p:spPr>
@@ -8703,12 +8931,12 @@
           </a:prstGeom>
         </p:spPr>
         <p:txBody>
-          <a:bodyPr anchorCtr="0" anchor="t" bIns="91425" lIns="91425" spcFirstLastPara="1" rIns="91425" wrap="square" tIns="91425">
+          <a:bodyPr spcFirstLastPara="1" wrap="square" lIns="91425" tIns="91425" rIns="91425" bIns="91425" anchor="t" anchorCtr="0">
             <a:normAutofit/>
           </a:bodyPr>
           <a:lstStyle/>
           <a:p>
-            <a:pPr indent="-311150" lvl="0" marL="457200" rtl="0" algn="l">
+            <a:pPr marL="457200" lvl="0" indent="-311150" algn="l" rtl="0">
               <a:spcBef>
                 <a:spcPts val="0"/>
               </a:spcBef>
@@ -8725,7 +8953,7 @@
             <a:endParaRPr/>
           </a:p>
           <a:p>
-            <a:pPr indent="-311150" lvl="0" marL="457200" rtl="0" algn="l">
+            <a:pPr marL="457200" lvl="0" indent="-311150" algn="l" rtl="0">
               <a:spcBef>
                 <a:spcPts val="0"/>
               </a:spcBef>
@@ -8742,7 +8970,7 @@
             <a:endParaRPr/>
           </a:p>
           <a:p>
-            <a:pPr indent="-311150" lvl="0" marL="457200" rtl="0" algn="l">
+            <a:pPr marL="457200" lvl="0" indent="-311150" algn="l" rtl="0">
               <a:spcBef>
                 <a:spcPts val="0"/>
               </a:spcBef>
@@ -8754,20 +8982,12 @@
             </a:pPr>
             <a:r>
               <a:rPr lang="en"/>
-              <a:t>Having the ability to have a home </a:t>
+              <a:t>Having the ability to have a home equity loan gives people the ability to consolidate credit cards, remodel a home, or consolidate debt.</a:t>
             </a:r>
-            <a:r>
-              <a:rPr lang="en"/>
-              <a:t>equity</a:t>
-            </a:r>
-            <a:r>
-              <a:rPr lang="en"/>
-              <a:t> loan gives people the ability to consolidate credit cards, remodel a home, or consolidate debt.</a:t>
-            </a:r>
-            <a:endParaRPr/>
-          </a:p>
-          <a:p>
-            <a:pPr indent="-311150" lvl="0" marL="457200" rtl="0" algn="l">
+            <a:endParaRPr/>
+          </a:p>
+          <a:p>
+            <a:pPr marL="457200" lvl="0" indent="-311150" algn="l" rtl="0">
               <a:spcBef>
                 <a:spcPts val="0"/>
               </a:spcBef>
@@ -8779,15 +8999,7 @@
             </a:pPr>
             <a:r>
               <a:rPr lang="en"/>
-              <a:t>This is an important topic for loan officers and </a:t>
-            </a:r>
-            <a:r>
-              <a:rPr lang="en"/>
-              <a:t>underwriters</a:t>
-            </a:r>
-            <a:r>
-              <a:rPr lang="en"/>
-              <a:t> to successful approve loans without having to worry about the loan defaulting.</a:t>
+              <a:t>This is an important topic for loan officers and underwriters to successful approve loans without having to worry about the loan defaulting.</a:t>
             </a:r>
             <a:endParaRPr/>
           </a:p>
@@ -8830,11 +9042,11 @@
 </file>
 
 <file path=ppt/slides/slide4.xml><?xml version="1.0" encoding="utf-8"?>
-<p:sld xmlns:a="http://schemas.openxmlformats.org/drawingml/2006/main" xmlns:r="http://schemas.openxmlformats.org/officeDocument/2006/relationships" xmlns:mc="http://schemas.openxmlformats.org/markup-compatibility/2006" xmlns:mv="urn:schemas-microsoft-com:mac:vml" xmlns:p="http://schemas.openxmlformats.org/presentationml/2006/main" xmlns:c="http://schemas.openxmlformats.org/drawingml/2006/chart" xmlns:dgm="http://schemas.openxmlformats.org/drawingml/2006/diagram" xmlns:o="urn:schemas-microsoft-com:office:office" xmlns:v="urn:schemas-microsoft-com:vml" xmlns:pvml="urn:schemas-microsoft-com:office:powerpoint" xmlns:com="http://schemas.openxmlformats.org/drawingml/2006/compatibility" xmlns:p14="http://schemas.microsoft.com/office/powerpoint/2010/main" xmlns:p15="http://schemas.microsoft.com/office/powerpoint/2012/main" xmlns:ahyp="http://schemas.microsoft.com/office/drawing/2018/hyperlinkcolor">
+<p:sld xmlns:a="http://schemas.openxmlformats.org/drawingml/2006/main" xmlns:r="http://schemas.openxmlformats.org/officeDocument/2006/relationships" xmlns:p="http://schemas.openxmlformats.org/presentationml/2006/main">
   <p:cSld>
     <p:spTree>
       <p:nvGrpSpPr>
-        <p:cNvPr id="84" name="Shape 84"/>
+        <p:cNvPr id="1" name="Shape 84"/>
         <p:cNvGrpSpPr/>
         <p:nvPr/>
       </p:nvGrpSpPr>
@@ -8849,7 +9061,9 @@
       <p:sp>
         <p:nvSpPr>
           <p:cNvPr id="85" name="Google Shape;85;p16"/>
-          <p:cNvSpPr txBox="1"/>
+          <p:cNvSpPr txBox="1">
+            <a:spLocks noGrp="1"/>
+          </p:cNvSpPr>
           <p:nvPr>
             <p:ph type="title"/>
           </p:nvPr>
@@ -8864,12 +9078,12 @@
           </a:prstGeom>
         </p:spPr>
         <p:txBody>
-          <a:bodyPr anchorCtr="0" anchor="t" bIns="91425" lIns="91425" spcFirstLastPara="1" rIns="91425" wrap="square" tIns="91425">
+          <a:bodyPr spcFirstLastPara="1" wrap="square" lIns="91425" tIns="91425" rIns="91425" bIns="91425" anchor="t" anchorCtr="0">
             <a:normAutofit/>
           </a:bodyPr>
           <a:lstStyle/>
           <a:p>
-            <a:pPr indent="0" lvl="0" marL="0" rtl="0" algn="l">
+            <a:pPr marL="0" lvl="0" indent="0" algn="l" rtl="0">
               <a:spcBef>
                 <a:spcPts val="0"/>
               </a:spcBef>
@@ -8889,9 +9103,11 @@
       <p:sp>
         <p:nvSpPr>
           <p:cNvPr id="86" name="Google Shape;86;p16"/>
-          <p:cNvSpPr txBox="1"/>
+          <p:cNvSpPr txBox="1">
+            <a:spLocks noGrp="1"/>
+          </p:cNvSpPr>
           <p:nvPr>
-            <p:ph idx="1" type="body"/>
+            <p:ph type="body" idx="1"/>
           </p:nvPr>
         </p:nvSpPr>
         <p:spPr>
@@ -8904,12 +9120,12 @@
           </a:prstGeom>
         </p:spPr>
         <p:txBody>
-          <a:bodyPr anchorCtr="0" anchor="t" bIns="91425" lIns="91425" spcFirstLastPara="1" rIns="91425" wrap="square" tIns="91425">
+          <a:bodyPr spcFirstLastPara="1" wrap="square" lIns="91425" tIns="91425" rIns="91425" bIns="91425" anchor="t" anchorCtr="0">
             <a:normAutofit/>
           </a:bodyPr>
           <a:lstStyle/>
           <a:p>
-            <a:pPr indent="-311150" lvl="0" marL="457200" rtl="0" algn="l">
+            <a:pPr marL="457200" lvl="0" indent="-311150" algn="l" rtl="0">
               <a:spcBef>
                 <a:spcPts val="0"/>
               </a:spcBef>
@@ -8926,7 +9142,7 @@
             <a:endParaRPr/>
           </a:p>
           <a:p>
-            <a:pPr indent="-311150" lvl="0" marL="457200" rtl="0" algn="l">
+            <a:pPr marL="457200" lvl="0" indent="-311150" algn="l" rtl="0">
               <a:spcBef>
                 <a:spcPts val="0"/>
               </a:spcBef>
@@ -8943,7 +9159,7 @@
             <a:endParaRPr/>
           </a:p>
           <a:p>
-            <a:pPr indent="-311150" lvl="0" marL="457200" rtl="0" algn="l">
+            <a:pPr marL="457200" lvl="0" indent="-311150" algn="l" rtl="0">
               <a:spcBef>
                 <a:spcPts val="0"/>
               </a:spcBef>
@@ -8960,7 +9176,7 @@
             <a:endParaRPr/>
           </a:p>
           <a:p>
-            <a:pPr indent="-311150" lvl="0" marL="457200" rtl="0" algn="l">
+            <a:pPr marL="457200" lvl="0" indent="-311150" algn="l" rtl="0">
               <a:spcBef>
                 <a:spcPts val="0"/>
               </a:spcBef>
@@ -8972,16 +9188,12 @@
             </a:pPr>
             <a:r>
               <a:rPr lang="en"/>
-              <a:t>Created a correlation map to detect any relationship between </a:t>
+              <a:t>Created a correlation map to detect any relationship between independent variables and the dependent variable.</a:t>
             </a:r>
-            <a:r>
-              <a:rPr lang="en"/>
-              <a:t>independent variables and the dependent variable.</a:t>
-            </a:r>
-            <a:endParaRPr/>
-          </a:p>
-          <a:p>
-            <a:pPr indent="-311150" lvl="0" marL="457200" rtl="0" algn="l">
+            <a:endParaRPr/>
+          </a:p>
+          <a:p>
+            <a:pPr marL="457200" lvl="0" indent="-311150" algn="l" rtl="0">
               <a:spcBef>
                 <a:spcPts val="0"/>
               </a:spcBef>
@@ -8998,7 +9210,7 @@
             <a:endParaRPr/>
           </a:p>
           <a:p>
-            <a:pPr indent="-311150" lvl="0" marL="457200" rtl="0" algn="l">
+            <a:pPr marL="457200" lvl="0" indent="-311150" algn="l" rtl="0">
               <a:spcBef>
                 <a:spcPts val="0"/>
               </a:spcBef>
@@ -9053,11 +9265,11 @@
 </file>
 
 <file path=ppt/slides/slide5.xml><?xml version="1.0" encoding="utf-8"?>
-<p:sld xmlns:a="http://schemas.openxmlformats.org/drawingml/2006/main" xmlns:r="http://schemas.openxmlformats.org/officeDocument/2006/relationships" xmlns:mc="http://schemas.openxmlformats.org/markup-compatibility/2006" xmlns:mv="urn:schemas-microsoft-com:mac:vml" xmlns:p="http://schemas.openxmlformats.org/presentationml/2006/main" xmlns:c="http://schemas.openxmlformats.org/drawingml/2006/chart" xmlns:dgm="http://schemas.openxmlformats.org/drawingml/2006/diagram" xmlns:o="urn:schemas-microsoft-com:office:office" xmlns:v="urn:schemas-microsoft-com:vml" xmlns:pvml="urn:schemas-microsoft-com:office:powerpoint" xmlns:com="http://schemas.openxmlformats.org/drawingml/2006/compatibility" xmlns:p14="http://schemas.microsoft.com/office/powerpoint/2010/main" xmlns:p15="http://schemas.microsoft.com/office/powerpoint/2012/main" xmlns:ahyp="http://schemas.microsoft.com/office/drawing/2018/hyperlinkcolor">
+<p:sld xmlns:a="http://schemas.openxmlformats.org/drawingml/2006/main" xmlns:r="http://schemas.openxmlformats.org/officeDocument/2006/relationships" xmlns:p="http://schemas.openxmlformats.org/presentationml/2006/main">
   <p:cSld>
     <p:spTree>
       <p:nvGrpSpPr>
-        <p:cNvPr id="91" name="Shape 91"/>
+        <p:cNvPr id="1" name="Shape 91"/>
         <p:cNvGrpSpPr/>
         <p:nvPr/>
       </p:nvGrpSpPr>
@@ -9072,7 +9284,9 @@
       <p:sp>
         <p:nvSpPr>
           <p:cNvPr id="92" name="Google Shape;92;p17"/>
-          <p:cNvSpPr txBox="1"/>
+          <p:cNvSpPr txBox="1">
+            <a:spLocks noGrp="1"/>
+          </p:cNvSpPr>
           <p:nvPr>
             <p:ph type="title"/>
           </p:nvPr>
@@ -9087,12 +9301,12 @@
           </a:prstGeom>
         </p:spPr>
         <p:txBody>
-          <a:bodyPr anchorCtr="0" anchor="t" bIns="91425" lIns="91425" spcFirstLastPara="1" rIns="91425" wrap="square" tIns="91425">
+          <a:bodyPr spcFirstLastPara="1" wrap="square" lIns="91425" tIns="91425" rIns="91425" bIns="91425" anchor="t" anchorCtr="0">
             <a:normAutofit/>
           </a:bodyPr>
           <a:lstStyle/>
           <a:p>
-            <a:pPr indent="0" lvl="0" marL="0" rtl="0" algn="l">
+            <a:pPr marL="0" lvl="0" indent="0" algn="l" rtl="0">
               <a:spcBef>
                 <a:spcPts val="0"/>
               </a:spcBef>
@@ -9108,7 +9322,7 @@
             <a:endParaRPr/>
           </a:p>
           <a:p>
-            <a:pPr indent="0" lvl="0" marL="0" rtl="0" algn="l">
+            <a:pPr marL="0" lvl="0" indent="0" algn="l" rtl="0">
               <a:spcBef>
                 <a:spcPts val="0"/>
               </a:spcBef>
@@ -9128,9 +9342,11 @@
       <p:sp>
         <p:nvSpPr>
           <p:cNvPr id="93" name="Google Shape;93;p17"/>
-          <p:cNvSpPr txBox="1"/>
+          <p:cNvSpPr txBox="1">
+            <a:spLocks noGrp="1"/>
+          </p:cNvSpPr>
           <p:nvPr>
-            <p:ph idx="1" type="body"/>
+            <p:ph type="body" idx="1"/>
           </p:nvPr>
         </p:nvSpPr>
         <p:spPr>
@@ -9143,12 +9359,12 @@
           </a:prstGeom>
         </p:spPr>
         <p:txBody>
-          <a:bodyPr anchorCtr="0" anchor="t" bIns="91425" lIns="91425" spcFirstLastPara="1" rIns="91425" wrap="square" tIns="91425">
+          <a:bodyPr spcFirstLastPara="1" wrap="square" lIns="91425" tIns="91425" rIns="91425" bIns="91425" anchor="t" anchorCtr="0">
             <a:normAutofit/>
           </a:bodyPr>
           <a:lstStyle/>
           <a:p>
-            <a:pPr indent="-311150" lvl="0" marL="457200" rtl="0" algn="l">
+            <a:pPr marL="457200" lvl="0" indent="-311150" algn="l" rtl="0">
               <a:spcBef>
                 <a:spcPts val="0"/>
               </a:spcBef>
@@ -9165,7 +9381,7 @@
             <a:endParaRPr/>
           </a:p>
           <a:p>
-            <a:pPr indent="-311150" lvl="0" marL="457200" rtl="0" algn="l">
+            <a:pPr marL="457200" lvl="0" indent="-311150" algn="l" rtl="0">
               <a:spcBef>
                 <a:spcPts val="0"/>
               </a:spcBef>
@@ -9177,11 +9393,7 @@
             </a:pPr>
             <a:r>
               <a:rPr lang="en"/>
-              <a:t> Significant continuous variables include: Loan amount, Mortgage Due, home value, Age of oldest trade line in </a:t>
-            </a:r>
-            <a:r>
-              <a:rPr lang="en"/>
-              <a:t>months, Loan to value, and Debt to income ratio.</a:t>
+              <a:t> Significant continuous variables include: Loan amount, Mortgage Due, home value, Age of oldest trade line in months, Loan to value, and Debt to income ratio.</a:t>
             </a:r>
             <a:endParaRPr/>
           </a:p>
@@ -9224,11 +9436,11 @@
 </file>
 
 <file path=ppt/slides/slide6.xml><?xml version="1.0" encoding="utf-8"?>
-<p:sld xmlns:a="http://schemas.openxmlformats.org/drawingml/2006/main" xmlns:r="http://schemas.openxmlformats.org/officeDocument/2006/relationships" xmlns:mc="http://schemas.openxmlformats.org/markup-compatibility/2006" xmlns:mv="urn:schemas-microsoft-com:mac:vml" xmlns:p="http://schemas.openxmlformats.org/presentationml/2006/main" xmlns:c="http://schemas.openxmlformats.org/drawingml/2006/chart" xmlns:dgm="http://schemas.openxmlformats.org/drawingml/2006/diagram" xmlns:o="urn:schemas-microsoft-com:office:office" xmlns:v="urn:schemas-microsoft-com:vml" xmlns:pvml="urn:schemas-microsoft-com:office:powerpoint" xmlns:com="http://schemas.openxmlformats.org/drawingml/2006/compatibility" xmlns:p14="http://schemas.microsoft.com/office/powerpoint/2010/main" xmlns:p15="http://schemas.microsoft.com/office/powerpoint/2012/main" xmlns:ahyp="http://schemas.microsoft.com/office/drawing/2018/hyperlinkcolor">
+<p:sld xmlns:a="http://schemas.openxmlformats.org/drawingml/2006/main" xmlns:r="http://schemas.openxmlformats.org/officeDocument/2006/relationships" xmlns:p="http://schemas.openxmlformats.org/presentationml/2006/main">
   <p:cSld>
     <p:spTree>
       <p:nvGrpSpPr>
-        <p:cNvPr id="98" name="Shape 98"/>
+        <p:cNvPr id="1" name="Shape 98"/>
         <p:cNvGrpSpPr/>
         <p:nvPr/>
       </p:nvGrpSpPr>
@@ -9243,7 +9455,9 @@
       <p:sp>
         <p:nvSpPr>
           <p:cNvPr id="99" name="Google Shape;99;p18"/>
-          <p:cNvSpPr txBox="1"/>
+          <p:cNvSpPr txBox="1">
+            <a:spLocks noGrp="1"/>
+          </p:cNvSpPr>
           <p:nvPr>
             <p:ph type="title"/>
           </p:nvPr>
@@ -9258,12 +9472,12 @@
           </a:prstGeom>
         </p:spPr>
         <p:txBody>
-          <a:bodyPr anchorCtr="0" anchor="t" bIns="91425" lIns="91425" spcFirstLastPara="1" rIns="91425" wrap="square" tIns="91425">
+          <a:bodyPr spcFirstLastPara="1" wrap="square" lIns="91425" tIns="91425" rIns="91425" bIns="91425" anchor="t" anchorCtr="0">
             <a:normAutofit/>
           </a:bodyPr>
           <a:lstStyle/>
           <a:p>
-            <a:pPr indent="0" lvl="0" marL="0" rtl="0" algn="l">
+            <a:pPr marL="0" lvl="0" indent="0" algn="l" rtl="0">
               <a:spcBef>
                 <a:spcPts val="0"/>
               </a:spcBef>
@@ -9283,9 +9497,11 @@
       <p:sp>
         <p:nvSpPr>
           <p:cNvPr id="100" name="Google Shape;100;p18"/>
-          <p:cNvSpPr txBox="1"/>
+          <p:cNvSpPr txBox="1">
+            <a:spLocks noGrp="1"/>
+          </p:cNvSpPr>
           <p:nvPr>
-            <p:ph idx="1" type="body"/>
+            <p:ph type="body" idx="1"/>
           </p:nvPr>
         </p:nvSpPr>
         <p:spPr>
@@ -9298,12 +9514,12 @@
           </a:prstGeom>
         </p:spPr>
         <p:txBody>
-          <a:bodyPr anchorCtr="0" anchor="t" bIns="91425" lIns="91425" spcFirstLastPara="1" rIns="91425" wrap="square" tIns="91425">
+          <a:bodyPr spcFirstLastPara="1" wrap="square" lIns="91425" tIns="91425" rIns="91425" bIns="91425" anchor="t" anchorCtr="0">
             <a:normAutofit/>
           </a:bodyPr>
           <a:lstStyle/>
           <a:p>
-            <a:pPr indent="-311150" lvl="0" marL="457200" rtl="0" algn="l">
+            <a:pPr marL="457200" lvl="0" indent="-311150" algn="l" rtl="0">
               <a:spcBef>
                 <a:spcPts val="0"/>
               </a:spcBef>
@@ -9320,7 +9536,7 @@
             <a:endParaRPr/>
           </a:p>
           <a:p>
-            <a:pPr indent="-311150" lvl="0" marL="457200" rtl="0" algn="l">
+            <a:pPr marL="457200" lvl="0" indent="-311150" algn="l" rtl="0">
               <a:spcBef>
                 <a:spcPts val="0"/>
               </a:spcBef>
@@ -9337,7 +9553,7 @@
             <a:endParaRPr/>
           </a:p>
           <a:p>
-            <a:pPr indent="-311150" lvl="0" marL="457200" rtl="0" algn="l">
+            <a:pPr marL="457200" lvl="0" indent="-311150" algn="l" rtl="0">
               <a:spcBef>
                 <a:spcPts val="0"/>
               </a:spcBef>
@@ -9392,11 +9608,11 @@
 </file>
 
 <file path=ppt/slides/slide7.xml><?xml version="1.0" encoding="utf-8"?>
-<p:sld xmlns:a="http://schemas.openxmlformats.org/drawingml/2006/main" xmlns:r="http://schemas.openxmlformats.org/officeDocument/2006/relationships" xmlns:mc="http://schemas.openxmlformats.org/markup-compatibility/2006" xmlns:mv="urn:schemas-microsoft-com:mac:vml" xmlns:p="http://schemas.openxmlformats.org/presentationml/2006/main" xmlns:c="http://schemas.openxmlformats.org/drawingml/2006/chart" xmlns:dgm="http://schemas.openxmlformats.org/drawingml/2006/diagram" xmlns:o="urn:schemas-microsoft-com:office:office" xmlns:v="urn:schemas-microsoft-com:vml" xmlns:pvml="urn:schemas-microsoft-com:office:powerpoint" xmlns:com="http://schemas.openxmlformats.org/drawingml/2006/compatibility" xmlns:p14="http://schemas.microsoft.com/office/powerpoint/2010/main" xmlns:p15="http://schemas.microsoft.com/office/powerpoint/2012/main" xmlns:ahyp="http://schemas.microsoft.com/office/drawing/2018/hyperlinkcolor">
+<p:sld xmlns:a="http://schemas.openxmlformats.org/drawingml/2006/main" xmlns:r="http://schemas.openxmlformats.org/officeDocument/2006/relationships" xmlns:p="http://schemas.openxmlformats.org/presentationml/2006/main">
   <p:cSld>
     <p:spTree>
       <p:nvGrpSpPr>
-        <p:cNvPr id="105" name="Shape 105"/>
+        <p:cNvPr id="1" name="Shape 105"/>
         <p:cNvGrpSpPr/>
         <p:nvPr/>
       </p:nvGrpSpPr>
@@ -9411,7 +9627,9 @@
       <p:sp>
         <p:nvSpPr>
           <p:cNvPr id="106" name="Google Shape;106;p19"/>
-          <p:cNvSpPr txBox="1"/>
+          <p:cNvSpPr txBox="1">
+            <a:spLocks noGrp="1"/>
+          </p:cNvSpPr>
           <p:nvPr>
             <p:ph type="title"/>
           </p:nvPr>
@@ -9426,12 +9644,12 @@
           </a:prstGeom>
         </p:spPr>
         <p:txBody>
-          <a:bodyPr anchorCtr="0" anchor="t" bIns="91425" lIns="91425" spcFirstLastPara="1" rIns="91425" wrap="square" tIns="91425">
+          <a:bodyPr spcFirstLastPara="1" wrap="square" lIns="91425" tIns="91425" rIns="91425" bIns="91425" anchor="t" anchorCtr="0">
             <a:normAutofit/>
           </a:bodyPr>
           <a:lstStyle/>
           <a:p>
-            <a:pPr indent="0" lvl="0" marL="0" rtl="0" algn="l">
+            <a:pPr marL="0" lvl="0" indent="0" algn="l" rtl="0">
               <a:spcBef>
                 <a:spcPts val="0"/>
               </a:spcBef>
@@ -9451,9 +9669,11 @@
       <p:sp>
         <p:nvSpPr>
           <p:cNvPr id="107" name="Google Shape;107;p19"/>
-          <p:cNvSpPr txBox="1"/>
+          <p:cNvSpPr txBox="1">
+            <a:spLocks noGrp="1"/>
+          </p:cNvSpPr>
           <p:nvPr>
-            <p:ph idx="1" type="body"/>
+            <p:ph type="body" idx="1"/>
           </p:nvPr>
         </p:nvSpPr>
         <p:spPr>
@@ -9466,12 +9686,12 @@
           </a:prstGeom>
         </p:spPr>
         <p:txBody>
-          <a:bodyPr anchorCtr="0" anchor="t" bIns="91425" lIns="91425" spcFirstLastPara="1" rIns="91425" wrap="square" tIns="91425">
+          <a:bodyPr spcFirstLastPara="1" wrap="square" lIns="91425" tIns="91425" rIns="91425" bIns="91425" anchor="t" anchorCtr="0">
             <a:normAutofit/>
           </a:bodyPr>
           <a:lstStyle/>
           <a:p>
-            <a:pPr indent="-311150" lvl="0" marL="457200" rtl="0" algn="l">
+            <a:pPr marL="457200" lvl="0" indent="-311150" algn="l" rtl="0">
               <a:spcBef>
                 <a:spcPts val="0"/>
               </a:spcBef>
@@ -9488,7 +9708,7 @@
             <a:endParaRPr/>
           </a:p>
           <a:p>
-            <a:pPr indent="-311150" lvl="0" marL="457200" rtl="0" algn="l">
+            <a:pPr marL="457200" lvl="0" indent="-311150" algn="l" rtl="0">
               <a:spcBef>
                 <a:spcPts val="0"/>
               </a:spcBef>
@@ -9505,7 +9725,7 @@
             <a:endParaRPr/>
           </a:p>
           <a:p>
-            <a:pPr indent="-311150" lvl="0" marL="457200" rtl="0" algn="l">
+            <a:pPr marL="457200" lvl="0" indent="-311150" algn="l" rtl="0">
               <a:spcBef>
                 <a:spcPts val="0"/>
               </a:spcBef>
@@ -9522,7 +9742,7 @@
             <a:endParaRPr/>
           </a:p>
           <a:p>
-            <a:pPr indent="-311150" lvl="0" marL="457200" rtl="0" algn="l">
+            <a:pPr marL="457200" lvl="0" indent="-311150" algn="l" rtl="0">
               <a:spcBef>
                 <a:spcPts val="0"/>
               </a:spcBef>
@@ -9539,7 +9759,7 @@
             <a:endParaRPr/>
           </a:p>
           <a:p>
-            <a:pPr indent="-311150" lvl="0" marL="457200" rtl="0" algn="l">
+            <a:pPr marL="457200" lvl="0" indent="-311150" algn="l" rtl="0">
               <a:spcBef>
                 <a:spcPts val="0"/>
               </a:spcBef>
@@ -9556,7 +9776,7 @@
             <a:endParaRPr/>
           </a:p>
           <a:p>
-            <a:pPr indent="-311150" lvl="0" marL="457200" rtl="0" algn="l">
+            <a:pPr marL="457200" lvl="0" indent="-311150" algn="l" rtl="0">
               <a:spcBef>
                 <a:spcPts val="0"/>
               </a:spcBef>
@@ -9639,11 +9859,11 @@
 </file>
 
 <file path=ppt/slides/slide8.xml><?xml version="1.0" encoding="utf-8"?>
-<p:sld xmlns:a="http://schemas.openxmlformats.org/drawingml/2006/main" xmlns:r="http://schemas.openxmlformats.org/officeDocument/2006/relationships" xmlns:mc="http://schemas.openxmlformats.org/markup-compatibility/2006" xmlns:mv="urn:schemas-microsoft-com:mac:vml" xmlns:p="http://schemas.openxmlformats.org/presentationml/2006/main" xmlns:c="http://schemas.openxmlformats.org/drawingml/2006/chart" xmlns:dgm="http://schemas.openxmlformats.org/drawingml/2006/diagram" xmlns:o="urn:schemas-microsoft-com:office:office" xmlns:v="urn:schemas-microsoft-com:vml" xmlns:pvml="urn:schemas-microsoft-com:office:powerpoint" xmlns:com="http://schemas.openxmlformats.org/drawingml/2006/compatibility" xmlns:p14="http://schemas.microsoft.com/office/powerpoint/2010/main" xmlns:p15="http://schemas.microsoft.com/office/powerpoint/2012/main" xmlns:ahyp="http://schemas.microsoft.com/office/drawing/2018/hyperlinkcolor">
+<p:sld xmlns:a="http://schemas.openxmlformats.org/drawingml/2006/main" xmlns:r="http://schemas.openxmlformats.org/officeDocument/2006/relationships" xmlns:p="http://schemas.openxmlformats.org/presentationml/2006/main">
   <p:cSld>
     <p:spTree>
       <p:nvGrpSpPr>
-        <p:cNvPr id="113" name="Shape 113"/>
+        <p:cNvPr id="1" name="Shape 113"/>
         <p:cNvGrpSpPr/>
         <p:nvPr/>
       </p:nvGrpSpPr>
@@ -9658,7 +9878,9 @@
       <p:sp>
         <p:nvSpPr>
           <p:cNvPr id="114" name="Google Shape;114;p20"/>
-          <p:cNvSpPr txBox="1"/>
+          <p:cNvSpPr txBox="1">
+            <a:spLocks noGrp="1"/>
+          </p:cNvSpPr>
           <p:nvPr>
             <p:ph type="title"/>
           </p:nvPr>
@@ -9673,12 +9895,12 @@
           </a:prstGeom>
         </p:spPr>
         <p:txBody>
-          <a:bodyPr anchorCtr="0" anchor="t" bIns="91425" lIns="91425" spcFirstLastPara="1" rIns="91425" wrap="square" tIns="91425">
+          <a:bodyPr spcFirstLastPara="1" wrap="square" lIns="91425" tIns="91425" rIns="91425" bIns="91425" anchor="t" anchorCtr="0">
             <a:normAutofit/>
           </a:bodyPr>
           <a:lstStyle/>
           <a:p>
-            <a:pPr indent="0" lvl="0" marL="0" rtl="0" algn="l">
+            <a:pPr marL="0" lvl="0" indent="0" algn="l" rtl="0">
               <a:spcBef>
                 <a:spcPts val="0"/>
               </a:spcBef>
@@ -9698,9 +9920,11 @@
       <p:sp>
         <p:nvSpPr>
           <p:cNvPr id="115" name="Google Shape;115;p20"/>
-          <p:cNvSpPr txBox="1"/>
+          <p:cNvSpPr txBox="1">
+            <a:spLocks noGrp="1"/>
+          </p:cNvSpPr>
           <p:nvPr>
-            <p:ph idx="1" type="body"/>
+            <p:ph type="body" idx="1"/>
           </p:nvPr>
         </p:nvSpPr>
         <p:spPr>
@@ -9713,12 +9937,12 @@
           </a:prstGeom>
         </p:spPr>
         <p:txBody>
-          <a:bodyPr anchorCtr="0" anchor="t" bIns="91425" lIns="91425" spcFirstLastPara="1" rIns="91425" wrap="square" tIns="91425">
+          <a:bodyPr spcFirstLastPara="1" wrap="square" lIns="91425" tIns="91425" rIns="91425" bIns="91425" anchor="t" anchorCtr="0">
             <a:normAutofit/>
           </a:bodyPr>
           <a:lstStyle/>
           <a:p>
-            <a:pPr indent="-311150" lvl="0" marL="457200" rtl="0" algn="l">
+            <a:pPr marL="457200" lvl="0" indent="-311150" algn="l" rtl="0">
               <a:spcBef>
                 <a:spcPts val="0"/>
               </a:spcBef>
@@ -9730,20 +9954,12 @@
             </a:pPr>
             <a:r>
               <a:rPr lang="en"/>
-              <a:t>Repeated steps from the Logistic Regression but used </a:t>
+              <a:t>Repeated steps from the Logistic Regression but used different hyperparameters.</a:t>
             </a:r>
-            <a:r>
-              <a:rPr lang="en"/>
-              <a:t>different</a:t>
-            </a:r>
-            <a:r>
-              <a:rPr lang="en"/>
-              <a:t> hyperparameters.</a:t>
-            </a:r>
-            <a:endParaRPr/>
-          </a:p>
-          <a:p>
-            <a:pPr indent="-311150" lvl="0" marL="457200" rtl="0" algn="l">
+            <a:endParaRPr/>
+          </a:p>
+          <a:p>
+            <a:pPr marL="457200" lvl="0" indent="-311150" algn="l" rtl="0">
               <a:spcBef>
                 <a:spcPts val="0"/>
               </a:spcBef>
@@ -9760,7 +9976,7 @@
             <a:endParaRPr/>
           </a:p>
           <a:p>
-            <a:pPr indent="-311150" lvl="0" marL="457200" rtl="0" algn="l">
+            <a:pPr marL="457200" lvl="0" indent="-311150" algn="l" rtl="0">
               <a:spcBef>
                 <a:spcPts val="0"/>
               </a:spcBef>
@@ -9777,7 +9993,7 @@
             <a:endParaRPr/>
           </a:p>
           <a:p>
-            <a:pPr indent="-311150" lvl="0" marL="457200" rtl="0" algn="l">
+            <a:pPr marL="457200" lvl="0" indent="-311150" algn="l" rtl="0">
               <a:spcBef>
                 <a:spcPts val="0"/>
               </a:spcBef>
@@ -9789,20 +10005,12 @@
             </a:pPr>
             <a:r>
               <a:rPr lang="en"/>
-              <a:t>Best recall </a:t>
+              <a:t>Best recall record was .340 with max_features as square root and n_estimators as 100.</a:t>
             </a:r>
-            <a:r>
-              <a:rPr lang="en"/>
-              <a:t>record</a:t>
-            </a:r>
-            <a:r>
-              <a:rPr lang="en"/>
-              <a:t> was .340 with max_features as square root and n_estimators as 100.</a:t>
-            </a:r>
-            <a:endParaRPr/>
-          </a:p>
-          <a:p>
-            <a:pPr indent="-311150" lvl="0" marL="457200" rtl="0" algn="l">
+            <a:endParaRPr/>
+          </a:p>
+          <a:p>
+            <a:pPr marL="457200" lvl="0" indent="-311150" algn="l" rtl="0">
               <a:spcBef>
                 <a:spcPts val="0"/>
               </a:spcBef>
@@ -9819,7 +10027,7 @@
             <a:endParaRPr/>
           </a:p>
           <a:p>
-            <a:pPr indent="-311150" lvl="0" marL="457200" rtl="0" algn="l">
+            <a:pPr marL="457200" lvl="0" indent="-311150" algn="l" rtl="0">
               <a:spcBef>
                 <a:spcPts val="0"/>
               </a:spcBef>
@@ -9831,20 +10039,12 @@
             </a:pPr>
             <a:r>
               <a:rPr lang="en"/>
-              <a:t>Either of the models could be used to </a:t>
+              <a:t>Either of the models could be used to predict the data but a stronger recall is more preferred.</a:t>
             </a:r>
-            <a:r>
-              <a:rPr lang="en"/>
-              <a:t>predict</a:t>
-            </a:r>
-            <a:r>
-              <a:rPr lang="en"/>
-              <a:t> the data but a stronger recall is more preferred.</a:t>
-            </a:r>
-            <a:endParaRPr/>
-          </a:p>
-          <a:p>
-            <a:pPr indent="-311150" lvl="0" marL="457200" rtl="0" algn="l">
+            <a:endParaRPr/>
+          </a:p>
+          <a:p>
+            <a:pPr marL="457200" lvl="0" indent="-311150" algn="l" rtl="0">
               <a:spcBef>
                 <a:spcPts val="0"/>
               </a:spcBef>
@@ -9927,11 +10127,11 @@
 </file>
 
 <file path=ppt/slides/slide9.xml><?xml version="1.0" encoding="utf-8"?>
-<p:sld xmlns:a="http://schemas.openxmlformats.org/drawingml/2006/main" xmlns:r="http://schemas.openxmlformats.org/officeDocument/2006/relationships" xmlns:mc="http://schemas.openxmlformats.org/markup-compatibility/2006" xmlns:mv="urn:schemas-microsoft-com:mac:vml" xmlns:p="http://schemas.openxmlformats.org/presentationml/2006/main" xmlns:c="http://schemas.openxmlformats.org/drawingml/2006/chart" xmlns:dgm="http://schemas.openxmlformats.org/drawingml/2006/diagram" xmlns:o="urn:schemas-microsoft-com:office:office" xmlns:v="urn:schemas-microsoft-com:vml" xmlns:pvml="urn:schemas-microsoft-com:office:powerpoint" xmlns:com="http://schemas.openxmlformats.org/drawingml/2006/compatibility" xmlns:p14="http://schemas.microsoft.com/office/powerpoint/2010/main" xmlns:p15="http://schemas.microsoft.com/office/powerpoint/2012/main" xmlns:ahyp="http://schemas.microsoft.com/office/drawing/2018/hyperlinkcolor">
+<p:sld xmlns:a="http://schemas.openxmlformats.org/drawingml/2006/main" xmlns:r="http://schemas.openxmlformats.org/officeDocument/2006/relationships" xmlns:p="http://schemas.openxmlformats.org/presentationml/2006/main">
   <p:cSld>
     <p:spTree>
       <p:nvGrpSpPr>
-        <p:cNvPr id="121" name="Shape 121"/>
+        <p:cNvPr id="1" name="Shape 121"/>
         <p:cNvGrpSpPr/>
         <p:nvPr/>
       </p:nvGrpSpPr>
@@ -9946,7 +10146,9 @@
       <p:sp>
         <p:nvSpPr>
           <p:cNvPr id="122" name="Google Shape;122;p21"/>
-          <p:cNvSpPr txBox="1"/>
+          <p:cNvSpPr txBox="1">
+            <a:spLocks noGrp="1"/>
+          </p:cNvSpPr>
           <p:nvPr>
             <p:ph type="title"/>
           </p:nvPr>
@@ -9961,12 +10163,12 @@
           </a:prstGeom>
         </p:spPr>
         <p:txBody>
-          <a:bodyPr anchorCtr="0" anchor="t" bIns="91425" lIns="91425" spcFirstLastPara="1" rIns="91425" wrap="square" tIns="91425">
+          <a:bodyPr spcFirstLastPara="1" wrap="square" lIns="91425" tIns="91425" rIns="91425" bIns="91425" anchor="t" anchorCtr="0">
             <a:normAutofit/>
           </a:bodyPr>
           <a:lstStyle/>
           <a:p>
-            <a:pPr indent="0" lvl="0" marL="0" rtl="0" algn="l">
+            <a:pPr marL="0" lvl="0" indent="0" algn="l" rtl="0">
               <a:spcBef>
                 <a:spcPts val="0"/>
               </a:spcBef>
@@ -9977,11 +10179,7 @@
             </a:pPr>
             <a:r>
               <a:rPr lang="en"/>
-              <a:t>Gradient</a:t>
-            </a:r>
-            <a:r>
-              <a:rPr lang="en"/>
-              <a:t> Boosting Classifier</a:t>
+              <a:t>Gradient Boosting Classifier</a:t>
             </a:r>
             <a:endParaRPr/>
           </a:p>
@@ -9990,9 +10188,11 @@
       <p:sp>
         <p:nvSpPr>
           <p:cNvPr id="123" name="Google Shape;123;p21"/>
-          <p:cNvSpPr txBox="1"/>
+          <p:cNvSpPr txBox="1">
+            <a:spLocks noGrp="1"/>
+          </p:cNvSpPr>
           <p:nvPr>
-            <p:ph idx="1" type="body"/>
+            <p:ph type="body" idx="1"/>
           </p:nvPr>
         </p:nvSpPr>
         <p:spPr>
@@ -10005,12 +10205,12 @@
           </a:prstGeom>
         </p:spPr>
         <p:txBody>
-          <a:bodyPr anchorCtr="0" anchor="t" bIns="91425" lIns="91425" spcFirstLastPara="1" rIns="91425" wrap="square" tIns="91425">
+          <a:bodyPr spcFirstLastPara="1" wrap="square" lIns="91425" tIns="91425" rIns="91425" bIns="91425" anchor="t" anchorCtr="0">
             <a:normAutofit/>
           </a:bodyPr>
           <a:lstStyle/>
           <a:p>
-            <a:pPr indent="-311150" lvl="0" marL="457200" rtl="0" algn="l">
+            <a:pPr marL="457200" lvl="0" indent="-311150" algn="l" rtl="0">
               <a:spcBef>
                 <a:spcPts val="0"/>
               </a:spcBef>
@@ -10022,16 +10222,12 @@
             </a:pPr>
             <a:r>
               <a:rPr lang="en"/>
-              <a:t>Repeated step from previous models but doing 5 cross validations and 3 </a:t>
+              <a:t>Repeated step from previous models but doing 5 cross validations and 3 repeats.</a:t>
             </a:r>
-            <a:r>
-              <a:rPr lang="en"/>
-              <a:t>repeats.</a:t>
-            </a:r>
-            <a:endParaRPr/>
-          </a:p>
-          <a:p>
-            <a:pPr indent="-311150" lvl="0" marL="457200" rtl="0" algn="l">
+            <a:endParaRPr/>
+          </a:p>
+          <a:p>
+            <a:pPr marL="457200" lvl="0" indent="-311150" algn="l" rtl="0">
               <a:spcBef>
                 <a:spcPts val="0"/>
               </a:spcBef>
@@ -10048,7 +10244,7 @@
             <a:endParaRPr/>
           </a:p>
           <a:p>
-            <a:pPr indent="-311150" lvl="0" marL="457200" rtl="0" algn="l">
+            <a:pPr marL="457200" lvl="0" indent="-311150" algn="l" rtl="0">
               <a:spcBef>
                 <a:spcPts val="0"/>
               </a:spcBef>
@@ -10065,7 +10261,7 @@
             <a:endParaRPr/>
           </a:p>
           <a:p>
-            <a:pPr indent="-311150" lvl="0" marL="457200" rtl="0" algn="l">
+            <a:pPr marL="457200" lvl="0" indent="-311150" algn="l" rtl="0">
               <a:spcBef>
                 <a:spcPts val="0"/>
               </a:spcBef>
@@ -10082,7 +10278,7 @@
             <a:endParaRPr/>
           </a:p>
           <a:p>
-            <a:pPr indent="-311150" lvl="0" marL="457200" rtl="0" algn="l">
+            <a:pPr marL="457200" lvl="0" indent="-311150" algn="l" rtl="0">
               <a:spcBef>
                 <a:spcPts val="0"/>
               </a:spcBef>
@@ -10099,7 +10295,7 @@
             <a:endParaRPr/>
           </a:p>
           <a:p>
-            <a:pPr indent="-311150" lvl="0" marL="457200" rtl="0" algn="l">
+            <a:pPr marL="457200" lvl="0" indent="-311150" algn="l" rtl="0">
               <a:spcBef>
                 <a:spcPts val="0"/>
               </a:spcBef>
@@ -10116,7 +10312,7 @@
             <a:endParaRPr/>
           </a:p>
           <a:p>
-            <a:pPr indent="-311150" lvl="0" marL="457200" rtl="0" algn="l">
+            <a:pPr marL="457200" lvl="0" indent="-311150" algn="l" rtl="0">
               <a:spcBef>
                 <a:spcPts val="0"/>
               </a:spcBef>
@@ -10199,7 +10395,288 @@
 </file>
 
 <file path=ppt/theme/theme1.xml><?xml version="1.0" encoding="utf-8"?>
-<a:theme xmlns:a="http://schemas.openxmlformats.org/drawingml/2006/main" xmlns:r="http://schemas.openxmlformats.org/officeDocument/2006/relationships">
+<a:theme xmlns:a="http://schemas.openxmlformats.org/drawingml/2006/main" name="Paradigm">
+  <a:themeElements>
+    <a:clrScheme name="Paradigm">
+      <a:dk1>
+        <a:srgbClr val="31394D"/>
+      </a:dk1>
+      <a:lt1>
+        <a:srgbClr val="FFFFFF"/>
+      </a:lt1>
+      <a:dk2>
+        <a:srgbClr val="666666"/>
+      </a:dk2>
+      <a:lt2>
+        <a:srgbClr val="626B73"/>
+      </a:lt2>
+      <a:accent1>
+        <a:srgbClr val="002F4A"/>
+      </a:accent1>
+      <a:accent2>
+        <a:srgbClr val="D9C4B1"/>
+      </a:accent2>
+      <a:accent3>
+        <a:srgbClr val="EDE3DA"/>
+      </a:accent3>
+      <a:accent4>
+        <a:srgbClr val="B85741"/>
+      </a:accent4>
+      <a:accent5>
+        <a:srgbClr val="009384"/>
+      </a:accent5>
+      <a:accent6>
+        <a:srgbClr val="D0F6FF"/>
+      </a:accent6>
+      <a:hlink>
+        <a:srgbClr val="009384"/>
+      </a:hlink>
+      <a:folHlink>
+        <a:srgbClr val="009384"/>
+      </a:folHlink>
+    </a:clrScheme>
+    <a:fontScheme name="Office">
+      <a:majorFont>
+        <a:latin typeface="Arial"/>
+        <a:ea typeface=""/>
+        <a:cs typeface=""/>
+        <a:font script="Jpan" typeface="ＭＳ Ｐゴシック"/>
+        <a:font script="Hang" typeface="맑은 고딕"/>
+        <a:font script="Hans" typeface="宋体"/>
+        <a:font script="Hant" typeface="新細明體"/>
+        <a:font script="Arab" typeface="Times New Roman"/>
+        <a:font script="Hebr" typeface="Times New Roman"/>
+        <a:font script="Thai" typeface="Angsana New"/>
+        <a:font script="Ethi" typeface="Nyala"/>
+        <a:font script="Beng" typeface="Vrinda"/>
+        <a:font script="Gujr" typeface="Shruti"/>
+        <a:font script="Khmr" typeface="MoolBoran"/>
+        <a:font script="Knda" typeface="Tunga"/>
+        <a:font script="Guru" typeface="Raavi"/>
+        <a:font script="Cans" typeface="Euphemia"/>
+        <a:font script="Cher" typeface="Plantagenet Cherokee"/>
+        <a:font script="Yiii" typeface="Microsoft Yi Baiti"/>
+        <a:font script="Tibt" typeface="Microsoft Himalaya"/>
+        <a:font script="Thaa" typeface="MV Boli"/>
+        <a:font script="Deva" typeface="Mangal"/>
+        <a:font script="Telu" typeface="Gautami"/>
+        <a:font script="Taml" typeface="Latha"/>
+        <a:font script="Syrc" typeface="Estrangelo Edessa"/>
+        <a:font script="Orya" typeface="Kalinga"/>
+        <a:font script="Mlym" typeface="Kartika"/>
+        <a:font script="Laoo" typeface="DokChampa"/>
+        <a:font script="Sinh" typeface="Iskoola Pota"/>
+        <a:font script="Mong" typeface="Mongolian Baiti"/>
+        <a:font script="Viet" typeface="Times New Roman"/>
+        <a:font script="Uigh" typeface="Microsoft Uighur"/>
+        <a:font script="Geor" typeface="Sylfaen"/>
+      </a:majorFont>
+      <a:minorFont>
+        <a:latin typeface="Arial"/>
+        <a:ea typeface=""/>
+        <a:cs typeface=""/>
+        <a:font script="Jpan" typeface="ＭＳ Ｐゴシック"/>
+        <a:font script="Hang" typeface="맑은 고딕"/>
+        <a:font script="Hans" typeface="宋体"/>
+        <a:font script="Hant" typeface="新細明體"/>
+        <a:font script="Arab" typeface="Arial"/>
+        <a:font script="Hebr" typeface="Arial"/>
+        <a:font script="Thai" typeface="Cordia New"/>
+        <a:font script="Ethi" typeface="Nyala"/>
+        <a:font script="Beng" typeface="Vrinda"/>
+        <a:font script="Gujr" typeface="Shruti"/>
+        <a:font script="Khmr" typeface="DaunPenh"/>
+        <a:font script="Knda" typeface="Tunga"/>
+        <a:font script="Guru" typeface="Raavi"/>
+        <a:font script="Cans" typeface="Euphemia"/>
+        <a:font script="Cher" typeface="Plantagenet Cherokee"/>
+        <a:font script="Yiii" typeface="Microsoft Yi Baiti"/>
+        <a:font script="Tibt" typeface="Microsoft Himalaya"/>
+        <a:font script="Thaa" typeface="MV Boli"/>
+        <a:font script="Deva" typeface="Mangal"/>
+        <a:font script="Telu" typeface="Gautami"/>
+        <a:font script="Taml" typeface="Latha"/>
+        <a:font script="Syrc" typeface="Estrangelo Edessa"/>
+        <a:font script="Orya" typeface="Kalinga"/>
+        <a:font script="Mlym" typeface="Kartika"/>
+        <a:font script="Laoo" typeface="DokChampa"/>
+        <a:font script="Sinh" typeface="Iskoola Pota"/>
+        <a:font script="Mong" typeface="Mongolian Baiti"/>
+        <a:font script="Viet" typeface="Arial"/>
+        <a:font script="Uigh" typeface="Microsoft Uighur"/>
+        <a:font script="Geor" typeface="Sylfaen"/>
+      </a:minorFont>
+    </a:fontScheme>
+    <a:fmtScheme name="Office">
+      <a:fillStyleLst>
+        <a:solidFill>
+          <a:schemeClr val="phClr"/>
+        </a:solidFill>
+        <a:gradFill rotWithShape="1">
+          <a:gsLst>
+            <a:gs pos="0">
+              <a:schemeClr val="phClr">
+                <a:tint val="50000"/>
+                <a:satMod val="300000"/>
+              </a:schemeClr>
+            </a:gs>
+            <a:gs pos="35000">
+              <a:schemeClr val="phClr">
+                <a:tint val="37000"/>
+                <a:satMod val="300000"/>
+              </a:schemeClr>
+            </a:gs>
+            <a:gs pos="100000">
+              <a:schemeClr val="phClr">
+                <a:tint val="15000"/>
+                <a:satMod val="350000"/>
+              </a:schemeClr>
+            </a:gs>
+          </a:gsLst>
+          <a:lin ang="16200000" scaled="1"/>
+        </a:gradFill>
+        <a:gradFill rotWithShape="1">
+          <a:gsLst>
+            <a:gs pos="0">
+              <a:schemeClr val="phClr">
+                <a:tint val="100000"/>
+                <a:shade val="100000"/>
+                <a:satMod val="130000"/>
+              </a:schemeClr>
+            </a:gs>
+            <a:gs pos="100000">
+              <a:schemeClr val="phClr">
+                <a:tint val="50000"/>
+                <a:shade val="100000"/>
+                <a:satMod val="350000"/>
+              </a:schemeClr>
+            </a:gs>
+          </a:gsLst>
+          <a:lin ang="16200000" scaled="0"/>
+        </a:gradFill>
+      </a:fillStyleLst>
+      <a:lnStyleLst>
+        <a:ln w="9525" cap="flat" cmpd="sng" algn="ctr">
+          <a:solidFill>
+            <a:schemeClr val="phClr">
+              <a:shade val="95000"/>
+              <a:satMod val="105000"/>
+            </a:schemeClr>
+          </a:solidFill>
+          <a:prstDash val="solid"/>
+        </a:ln>
+        <a:ln w="25400" cap="flat" cmpd="sng" algn="ctr">
+          <a:solidFill>
+            <a:schemeClr val="phClr"/>
+          </a:solidFill>
+          <a:prstDash val="solid"/>
+        </a:ln>
+        <a:ln w="38100" cap="flat" cmpd="sng" algn="ctr">
+          <a:solidFill>
+            <a:schemeClr val="phClr"/>
+          </a:solidFill>
+          <a:prstDash val="solid"/>
+        </a:ln>
+      </a:lnStyleLst>
+      <a:effectStyleLst>
+        <a:effectStyle>
+          <a:effectLst>
+            <a:outerShdw blurRad="40000" dist="20000" dir="5400000" rotWithShape="0">
+              <a:srgbClr val="000000">
+                <a:alpha val="38000"/>
+              </a:srgbClr>
+            </a:outerShdw>
+          </a:effectLst>
+        </a:effectStyle>
+        <a:effectStyle>
+          <a:effectLst>
+            <a:outerShdw blurRad="40000" dist="23000" dir="5400000" rotWithShape="0">
+              <a:srgbClr val="000000">
+                <a:alpha val="35000"/>
+              </a:srgbClr>
+            </a:outerShdw>
+          </a:effectLst>
+        </a:effectStyle>
+        <a:effectStyle>
+          <a:effectLst>
+            <a:outerShdw blurRad="40000" dist="23000" dir="5400000" rotWithShape="0">
+              <a:srgbClr val="000000">
+                <a:alpha val="35000"/>
+              </a:srgbClr>
+            </a:outerShdw>
+          </a:effectLst>
+          <a:scene3d>
+            <a:camera prst="orthographicFront">
+              <a:rot lat="0" lon="0" rev="0"/>
+            </a:camera>
+            <a:lightRig rig="threePt" dir="t">
+              <a:rot lat="0" lon="0" rev="1200000"/>
+            </a:lightRig>
+          </a:scene3d>
+          <a:sp3d>
+            <a:bevelT w="63500" h="25400"/>
+          </a:sp3d>
+        </a:effectStyle>
+      </a:effectStyleLst>
+      <a:bgFillStyleLst>
+        <a:solidFill>
+          <a:schemeClr val="phClr"/>
+        </a:solidFill>
+        <a:gradFill rotWithShape="1">
+          <a:gsLst>
+            <a:gs pos="0">
+              <a:schemeClr val="phClr">
+                <a:tint val="40000"/>
+                <a:satMod val="350000"/>
+              </a:schemeClr>
+            </a:gs>
+            <a:gs pos="40000">
+              <a:schemeClr val="phClr">
+                <a:tint val="45000"/>
+                <a:shade val="99000"/>
+                <a:satMod val="350000"/>
+              </a:schemeClr>
+            </a:gs>
+            <a:gs pos="100000">
+              <a:schemeClr val="phClr">
+                <a:shade val="20000"/>
+                <a:satMod val="255000"/>
+              </a:schemeClr>
+            </a:gs>
+          </a:gsLst>
+          <a:path path="circle">
+            <a:fillToRect l="50000" t="-80000" r="50000" b="180000"/>
+          </a:path>
+        </a:gradFill>
+        <a:gradFill rotWithShape="1">
+          <a:gsLst>
+            <a:gs pos="0">
+              <a:schemeClr val="phClr">
+                <a:tint val="80000"/>
+                <a:satMod val="300000"/>
+              </a:schemeClr>
+            </a:gs>
+            <a:gs pos="100000">
+              <a:schemeClr val="phClr">
+                <a:shade val="30000"/>
+                <a:satMod val="200000"/>
+              </a:schemeClr>
+            </a:gs>
+          </a:gsLst>
+          <a:path path="circle">
+            <a:fillToRect l="50000" t="50000" r="50000" b="50000"/>
+          </a:path>
+        </a:gradFill>
+      </a:bgFillStyleLst>
+    </a:fmtScheme>
+  </a:themeElements>
+  <a:objectDefaults/>
+  <a:extraClrSchemeLst/>
+</a:theme>
+</file>
+
+<file path=ppt/theme/theme2.xml><?xml version="1.0" encoding="utf-8"?>
+<a:theme xmlns:a="http://schemas.openxmlformats.org/drawingml/2006/main">
   <a:themeElements>
     <a:clrScheme name="Default">
       <a:dk1>
@@ -10474,284 +10951,7 @@
       </a:bgFillStyleLst>
     </a:fmtScheme>
   </a:themeElements>
-</a:theme>
-</file>
-
-<file path=ppt/theme/theme2.xml><?xml version="1.0" encoding="utf-8"?>
-<a:theme xmlns:a="http://schemas.openxmlformats.org/drawingml/2006/main" xmlns:r="http://schemas.openxmlformats.org/officeDocument/2006/relationships" name="Paradigm">
-  <a:themeElements>
-    <a:clrScheme name="Paradigm">
-      <a:dk1>
-        <a:srgbClr val="31394D"/>
-      </a:dk1>
-      <a:lt1>
-        <a:srgbClr val="FFFFFF"/>
-      </a:lt1>
-      <a:dk2>
-        <a:srgbClr val="666666"/>
-      </a:dk2>
-      <a:lt2>
-        <a:srgbClr val="626B73"/>
-      </a:lt2>
-      <a:accent1>
-        <a:srgbClr val="002F4A"/>
-      </a:accent1>
-      <a:accent2>
-        <a:srgbClr val="D9C4B1"/>
-      </a:accent2>
-      <a:accent3>
-        <a:srgbClr val="EDE3DA"/>
-      </a:accent3>
-      <a:accent4>
-        <a:srgbClr val="B85741"/>
-      </a:accent4>
-      <a:accent5>
-        <a:srgbClr val="009384"/>
-      </a:accent5>
-      <a:accent6>
-        <a:srgbClr val="D0F6FF"/>
-      </a:accent6>
-      <a:hlink>
-        <a:srgbClr val="009384"/>
-      </a:hlink>
-      <a:folHlink>
-        <a:srgbClr val="009384"/>
-      </a:folHlink>
-    </a:clrScheme>
-    <a:fontScheme name="Office">
-      <a:majorFont>
-        <a:latin typeface="Arial"/>
-        <a:ea typeface=""/>
-        <a:cs typeface=""/>
-        <a:font script="Jpan" typeface="ＭＳ Ｐゴシック"/>
-        <a:font script="Hang" typeface="맑은 고딕"/>
-        <a:font script="Hans" typeface="宋体"/>
-        <a:font script="Hant" typeface="新細明體"/>
-        <a:font script="Arab" typeface="Times New Roman"/>
-        <a:font script="Hebr" typeface="Times New Roman"/>
-        <a:font script="Thai" typeface="Angsana New"/>
-        <a:font script="Ethi" typeface="Nyala"/>
-        <a:font script="Beng" typeface="Vrinda"/>
-        <a:font script="Gujr" typeface="Shruti"/>
-        <a:font script="Khmr" typeface="MoolBoran"/>
-        <a:font script="Knda" typeface="Tunga"/>
-        <a:font script="Guru" typeface="Raavi"/>
-        <a:font script="Cans" typeface="Euphemia"/>
-        <a:font script="Cher" typeface="Plantagenet Cherokee"/>
-        <a:font script="Yiii" typeface="Microsoft Yi Baiti"/>
-        <a:font script="Tibt" typeface="Microsoft Himalaya"/>
-        <a:font script="Thaa" typeface="MV Boli"/>
-        <a:font script="Deva" typeface="Mangal"/>
-        <a:font script="Telu" typeface="Gautami"/>
-        <a:font script="Taml" typeface="Latha"/>
-        <a:font script="Syrc" typeface="Estrangelo Edessa"/>
-        <a:font script="Orya" typeface="Kalinga"/>
-        <a:font script="Mlym" typeface="Kartika"/>
-        <a:font script="Laoo" typeface="DokChampa"/>
-        <a:font script="Sinh" typeface="Iskoola Pota"/>
-        <a:font script="Mong" typeface="Mongolian Baiti"/>
-        <a:font script="Viet" typeface="Times New Roman"/>
-        <a:font script="Uigh" typeface="Microsoft Uighur"/>
-        <a:font script="Geor" typeface="Sylfaen"/>
-      </a:majorFont>
-      <a:minorFont>
-        <a:latin typeface="Arial"/>
-        <a:ea typeface=""/>
-        <a:cs typeface=""/>
-        <a:font script="Jpan" typeface="ＭＳ Ｐゴシック"/>
-        <a:font script="Hang" typeface="맑은 고딕"/>
-        <a:font script="Hans" typeface="宋体"/>
-        <a:font script="Hant" typeface="新細明體"/>
-        <a:font script="Arab" typeface="Arial"/>
-        <a:font script="Hebr" typeface="Arial"/>
-        <a:font script="Thai" typeface="Cordia New"/>
-        <a:font script="Ethi" typeface="Nyala"/>
-        <a:font script="Beng" typeface="Vrinda"/>
-        <a:font script="Gujr" typeface="Shruti"/>
-        <a:font script="Khmr" typeface="DaunPenh"/>
-        <a:font script="Knda" typeface="Tunga"/>
-        <a:font script="Guru" typeface="Raavi"/>
-        <a:font script="Cans" typeface="Euphemia"/>
-        <a:font script="Cher" typeface="Plantagenet Cherokee"/>
-        <a:font script="Yiii" typeface="Microsoft Yi Baiti"/>
-        <a:font script="Tibt" typeface="Microsoft Himalaya"/>
-        <a:font script="Thaa" typeface="MV Boli"/>
-        <a:font script="Deva" typeface="Mangal"/>
-        <a:font script="Telu" typeface="Gautami"/>
-        <a:font script="Taml" typeface="Latha"/>
-        <a:font script="Syrc" typeface="Estrangelo Edessa"/>
-        <a:font script="Orya" typeface="Kalinga"/>
-        <a:font script="Mlym" typeface="Kartika"/>
-        <a:font script="Laoo" typeface="DokChampa"/>
-        <a:font script="Sinh" typeface="Iskoola Pota"/>
-        <a:font script="Mong" typeface="Mongolian Baiti"/>
-        <a:font script="Viet" typeface="Arial"/>
-        <a:font script="Uigh" typeface="Microsoft Uighur"/>
-        <a:font script="Geor" typeface="Sylfaen"/>
-      </a:minorFont>
-    </a:fontScheme>
-    <a:fmtScheme name="Office">
-      <a:fillStyleLst>
-        <a:solidFill>
-          <a:schemeClr val="phClr"/>
-        </a:solidFill>
-        <a:gradFill rotWithShape="1">
-          <a:gsLst>
-            <a:gs pos="0">
-              <a:schemeClr val="phClr">
-                <a:tint val="50000"/>
-                <a:satMod val="300000"/>
-              </a:schemeClr>
-            </a:gs>
-            <a:gs pos="35000">
-              <a:schemeClr val="phClr">
-                <a:tint val="37000"/>
-                <a:satMod val="300000"/>
-              </a:schemeClr>
-            </a:gs>
-            <a:gs pos="100000">
-              <a:schemeClr val="phClr">
-                <a:tint val="15000"/>
-                <a:satMod val="350000"/>
-              </a:schemeClr>
-            </a:gs>
-          </a:gsLst>
-          <a:lin ang="16200000" scaled="1"/>
-        </a:gradFill>
-        <a:gradFill rotWithShape="1">
-          <a:gsLst>
-            <a:gs pos="0">
-              <a:schemeClr val="phClr">
-                <a:tint val="100000"/>
-                <a:shade val="100000"/>
-                <a:satMod val="130000"/>
-              </a:schemeClr>
-            </a:gs>
-            <a:gs pos="100000">
-              <a:schemeClr val="phClr">
-                <a:tint val="50000"/>
-                <a:shade val="100000"/>
-                <a:satMod val="350000"/>
-              </a:schemeClr>
-            </a:gs>
-          </a:gsLst>
-          <a:lin ang="16200000" scaled="0"/>
-        </a:gradFill>
-      </a:fillStyleLst>
-      <a:lnStyleLst>
-        <a:ln w="9525" cap="flat" cmpd="sng" algn="ctr">
-          <a:solidFill>
-            <a:schemeClr val="phClr">
-              <a:shade val="95000"/>
-              <a:satMod val="105000"/>
-            </a:schemeClr>
-          </a:solidFill>
-          <a:prstDash val="solid"/>
-        </a:ln>
-        <a:ln w="25400" cap="flat" cmpd="sng" algn="ctr">
-          <a:solidFill>
-            <a:schemeClr val="phClr"/>
-          </a:solidFill>
-          <a:prstDash val="solid"/>
-        </a:ln>
-        <a:ln w="38100" cap="flat" cmpd="sng" algn="ctr">
-          <a:solidFill>
-            <a:schemeClr val="phClr"/>
-          </a:solidFill>
-          <a:prstDash val="solid"/>
-        </a:ln>
-      </a:lnStyleLst>
-      <a:effectStyleLst>
-        <a:effectStyle>
-          <a:effectLst>
-            <a:outerShdw blurRad="40000" dist="20000" dir="5400000" rotWithShape="0">
-              <a:srgbClr val="000000">
-                <a:alpha val="38000"/>
-              </a:srgbClr>
-            </a:outerShdw>
-          </a:effectLst>
-        </a:effectStyle>
-        <a:effectStyle>
-          <a:effectLst>
-            <a:outerShdw blurRad="40000" dist="23000" dir="5400000" rotWithShape="0">
-              <a:srgbClr val="000000">
-                <a:alpha val="35000"/>
-              </a:srgbClr>
-            </a:outerShdw>
-          </a:effectLst>
-        </a:effectStyle>
-        <a:effectStyle>
-          <a:effectLst>
-            <a:outerShdw blurRad="40000" dist="23000" dir="5400000" rotWithShape="0">
-              <a:srgbClr val="000000">
-                <a:alpha val="35000"/>
-              </a:srgbClr>
-            </a:outerShdw>
-          </a:effectLst>
-          <a:scene3d>
-            <a:camera prst="orthographicFront">
-              <a:rot lat="0" lon="0" rev="0"/>
-            </a:camera>
-            <a:lightRig rig="threePt" dir="t">
-              <a:rot lat="0" lon="0" rev="1200000"/>
-            </a:lightRig>
-          </a:scene3d>
-          <a:sp3d>
-            <a:bevelT w="63500" h="25400"/>
-          </a:sp3d>
-        </a:effectStyle>
-      </a:effectStyleLst>
-      <a:bgFillStyleLst>
-        <a:solidFill>
-          <a:schemeClr val="phClr"/>
-        </a:solidFill>
-        <a:gradFill rotWithShape="1">
-          <a:gsLst>
-            <a:gs pos="0">
-              <a:schemeClr val="phClr">
-                <a:tint val="40000"/>
-                <a:satMod val="350000"/>
-              </a:schemeClr>
-            </a:gs>
-            <a:gs pos="40000">
-              <a:schemeClr val="phClr">
-                <a:tint val="45000"/>
-                <a:shade val="99000"/>
-                <a:satMod val="350000"/>
-              </a:schemeClr>
-            </a:gs>
-            <a:gs pos="100000">
-              <a:schemeClr val="phClr">
-                <a:shade val="20000"/>
-                <a:satMod val="255000"/>
-              </a:schemeClr>
-            </a:gs>
-          </a:gsLst>
-          <a:path path="circle">
-            <a:fillToRect l="50000" t="-80000" r="50000" b="180000"/>
-          </a:path>
-        </a:gradFill>
-        <a:gradFill rotWithShape="1">
-          <a:gsLst>
-            <a:gs pos="0">
-              <a:schemeClr val="phClr">
-                <a:tint val="80000"/>
-                <a:satMod val="300000"/>
-              </a:schemeClr>
-            </a:gs>
-            <a:gs pos="100000">
-              <a:schemeClr val="phClr">
-                <a:shade val="30000"/>
-                <a:satMod val="200000"/>
-              </a:schemeClr>
-            </a:gs>
-          </a:gsLst>
-          <a:path path="circle">
-            <a:fillToRect l="50000" t="50000" r="50000" b="50000"/>
-          </a:path>
-        </a:gradFill>
-      </a:bgFillStyleLst>
-    </a:fmtScheme>
-  </a:themeElements>
+  <a:objectDefaults/>
+  <a:extraClrSchemeLst/>
 </a:theme>
 </file>
--- a/Capstone Folder/HMEQCapstone2/HomeEquityDefaultPrediction.pptx
+++ b/Capstone Folder/HMEQCapstone2/HomeEquityDefaultPrediction.pptx
@@ -5,7 +5,7 @@
     <p:sldMasterId id="2147483659" r:id="rId1"/>
   </p:sldMasterIdLst>
   <p:notesMasterIdLst>
-    <p:notesMasterId r:id="rId18"/>
+    <p:notesMasterId r:id="rId19"/>
   </p:notesMasterIdLst>
   <p:sldIdLst>
     <p:sldId id="256" r:id="rId2"/>
@@ -18,29 +18,30 @@
     <p:sldId id="268" r:id="rId9"/>
     <p:sldId id="260" r:id="rId10"/>
     <p:sldId id="262" r:id="rId11"/>
-    <p:sldId id="263" r:id="rId12"/>
-    <p:sldId id="264" r:id="rId13"/>
-    <p:sldId id="265" r:id="rId14"/>
-    <p:sldId id="270" r:id="rId15"/>
-    <p:sldId id="266" r:id="rId16"/>
-    <p:sldId id="271" r:id="rId17"/>
+    <p:sldId id="272" r:id="rId12"/>
+    <p:sldId id="263" r:id="rId13"/>
+    <p:sldId id="264" r:id="rId14"/>
+    <p:sldId id="265" r:id="rId15"/>
+    <p:sldId id="270" r:id="rId16"/>
+    <p:sldId id="266" r:id="rId17"/>
+    <p:sldId id="271" r:id="rId18"/>
   </p:sldIdLst>
   <p:sldSz cx="9144000" cy="5143500" type="screen16x9"/>
   <p:notesSz cx="6858000" cy="9144000"/>
   <p:embeddedFontLst>
     <p:embeddedFont>
       <p:font typeface="Merriweather" panose="00000500000000000000" pitchFamily="2" charset="0"/>
-      <p:regular r:id="rId19"/>
-      <p:bold r:id="rId20"/>
-      <p:italic r:id="rId21"/>
-      <p:boldItalic r:id="rId22"/>
+      <p:regular r:id="rId20"/>
+      <p:bold r:id="rId21"/>
+      <p:italic r:id="rId22"/>
+      <p:boldItalic r:id="rId23"/>
     </p:embeddedFont>
     <p:embeddedFont>
       <p:font typeface="Roboto" panose="02000000000000000000" pitchFamily="2" charset="0"/>
-      <p:regular r:id="rId23"/>
-      <p:bold r:id="rId24"/>
-      <p:italic r:id="rId25"/>
-      <p:boldItalic r:id="rId26"/>
+      <p:regular r:id="rId24"/>
+      <p:bold r:id="rId25"/>
+      <p:italic r:id="rId26"/>
+      <p:boldItalic r:id="rId27"/>
     </p:embeddedFont>
   </p:embeddedFontLst>
   <p:defaultTextStyle>
@@ -294,7 +295,7 @@
 <file path=ppt/revisionInfo.xml><?xml version="1.0" encoding="utf-8"?>
 <p1510:revInfo xmlns:a="http://schemas.openxmlformats.org/drawingml/2006/main" xmlns:r="http://schemas.openxmlformats.org/officeDocument/2006/relationships" xmlns:p1510="http://schemas.microsoft.com/office/powerpoint/2015/10/main">
   <p1510:revLst>
-    <p1510:client id="{CB618ED1-AB78-4B83-B320-AB1AFFF08376}" v="21" dt="2023-12-03T22:06:49.906"/>
+    <p1510:client id="{CB618ED1-AB78-4B83-B320-AB1AFFF08376}" v="23" dt="2023-12-10T20:51:31.567"/>
   </p1510:revLst>
 </p1510:revInfo>
 </file>
@@ -304,7 +305,7 @@
   <pc:docChgLst>
     <pc:chgData name="Jacob Stys" userId="8b560aeb39dfb63e" providerId="LiveId" clId="{CB618ED1-AB78-4B83-B320-AB1AFFF08376}"/>
     <pc:docChg chg="undo custSel addSld modSld sldOrd">
-      <pc:chgData name="Jacob Stys" userId="8b560aeb39dfb63e" providerId="LiveId" clId="{CB618ED1-AB78-4B83-B320-AB1AFFF08376}" dt="2023-12-04T00:32:31.126" v="6107" actId="20577"/>
+      <pc:chgData name="Jacob Stys" userId="8b560aeb39dfb63e" providerId="LiveId" clId="{CB618ED1-AB78-4B83-B320-AB1AFFF08376}" dt="2023-12-10T20:52:29.206" v="6295" actId="20577"/>
       <pc:docMkLst>
         <pc:docMk/>
       </pc:docMkLst>
@@ -347,7 +348,7 @@
         </pc:picChg>
       </pc:sldChg>
       <pc:sldChg chg="addSp delSp modSp mod">
-        <pc:chgData name="Jacob Stys" userId="8b560aeb39dfb63e" providerId="LiveId" clId="{CB618ED1-AB78-4B83-B320-AB1AFFF08376}" dt="2023-12-04T00:32:31.126" v="6107" actId="20577"/>
+        <pc:chgData name="Jacob Stys" userId="8b560aeb39dfb63e" providerId="LiveId" clId="{CB618ED1-AB78-4B83-B320-AB1AFFF08376}" dt="2023-12-10T20:44:11.841" v="6174" actId="20577"/>
         <pc:sldMkLst>
           <pc:docMk/>
           <pc:sldMk cId="0" sldId="258"/>
@@ -361,7 +362,7 @@
           </ac:spMkLst>
         </pc:spChg>
         <pc:spChg chg="mod">
-          <ac:chgData name="Jacob Stys" userId="8b560aeb39dfb63e" providerId="LiveId" clId="{CB618ED1-AB78-4B83-B320-AB1AFFF08376}" dt="2023-12-04T00:32:31.126" v="6107" actId="20577"/>
+          <ac:chgData name="Jacob Stys" userId="8b560aeb39dfb63e" providerId="LiveId" clId="{CB618ED1-AB78-4B83-B320-AB1AFFF08376}" dt="2023-12-10T20:44:11.841" v="6174" actId="20577"/>
           <ac:spMkLst>
             <pc:docMk/>
             <pc:sldMk cId="0" sldId="258"/>
@@ -448,13 +449,13 @@
         </pc:picChg>
       </pc:sldChg>
       <pc:sldChg chg="modSp mod ord modNotes">
-        <pc:chgData name="Jacob Stys" userId="8b560aeb39dfb63e" providerId="LiveId" clId="{CB618ED1-AB78-4B83-B320-AB1AFFF08376}" dt="2023-11-25T02:07:05.407" v="2729" actId="20577"/>
+        <pc:chgData name="Jacob Stys" userId="8b560aeb39dfb63e" providerId="LiveId" clId="{CB618ED1-AB78-4B83-B320-AB1AFFF08376}" dt="2023-12-10T20:44:50.501" v="6216" actId="20577"/>
         <pc:sldMkLst>
           <pc:docMk/>
           <pc:sldMk cId="0" sldId="261"/>
         </pc:sldMkLst>
         <pc:spChg chg="mod">
-          <ac:chgData name="Jacob Stys" userId="8b560aeb39dfb63e" providerId="LiveId" clId="{CB618ED1-AB78-4B83-B320-AB1AFFF08376}" dt="2023-11-25T02:07:05.407" v="2729" actId="20577"/>
+          <ac:chgData name="Jacob Stys" userId="8b560aeb39dfb63e" providerId="LiveId" clId="{CB618ED1-AB78-4B83-B320-AB1AFFF08376}" dt="2023-12-10T20:44:50.501" v="6216" actId="20577"/>
           <ac:spMkLst>
             <pc:docMk/>
             <pc:sldMk cId="0" sldId="261"/>
@@ -463,13 +464,13 @@
         </pc:spChg>
       </pc:sldChg>
       <pc:sldChg chg="addSp delSp modSp mod">
-        <pc:chgData name="Jacob Stys" userId="8b560aeb39dfb63e" providerId="LiveId" clId="{CB618ED1-AB78-4B83-B320-AB1AFFF08376}" dt="2023-12-04T00:31:51.001" v="6106" actId="20577"/>
+        <pc:chgData name="Jacob Stys" userId="8b560aeb39dfb63e" providerId="LiveId" clId="{CB618ED1-AB78-4B83-B320-AB1AFFF08376}" dt="2023-12-05T16:51:47.003" v="6108" actId="20577"/>
         <pc:sldMkLst>
           <pc:docMk/>
           <pc:sldMk cId="0" sldId="262"/>
         </pc:sldMkLst>
         <pc:spChg chg="mod">
-          <ac:chgData name="Jacob Stys" userId="8b560aeb39dfb63e" providerId="LiveId" clId="{CB618ED1-AB78-4B83-B320-AB1AFFF08376}" dt="2023-12-04T00:31:51.001" v="6106" actId="20577"/>
+          <ac:chgData name="Jacob Stys" userId="8b560aeb39dfb63e" providerId="LiveId" clId="{CB618ED1-AB78-4B83-B320-AB1AFFF08376}" dt="2023-12-05T16:51:47.003" v="6108" actId="20577"/>
           <ac:spMkLst>
             <pc:docMk/>
             <pc:sldMk cId="0" sldId="262"/>
@@ -620,7 +621,7 @@
         </pc:picChg>
       </pc:sldChg>
       <pc:sldChg chg="addSp delSp modSp mod">
-        <pc:chgData name="Jacob Stys" userId="8b560aeb39dfb63e" providerId="LiveId" clId="{CB618ED1-AB78-4B83-B320-AB1AFFF08376}" dt="2023-12-03T21:57:31.602" v="6069" actId="20577"/>
+        <pc:chgData name="Jacob Stys" userId="8b560aeb39dfb63e" providerId="LiveId" clId="{CB618ED1-AB78-4B83-B320-AB1AFFF08376}" dt="2023-12-10T20:52:29.206" v="6295" actId="20577"/>
         <pc:sldMkLst>
           <pc:docMk/>
           <pc:sldMk cId="0" sldId="265"/>
@@ -634,7 +635,7 @@
           </ac:spMkLst>
         </pc:spChg>
         <pc:spChg chg="mod">
-          <ac:chgData name="Jacob Stys" userId="8b560aeb39dfb63e" providerId="LiveId" clId="{CB618ED1-AB78-4B83-B320-AB1AFFF08376}" dt="2023-12-03T21:57:31.602" v="6069" actId="20577"/>
+          <ac:chgData name="Jacob Stys" userId="8b560aeb39dfb63e" providerId="LiveId" clId="{CB618ED1-AB78-4B83-B320-AB1AFFF08376}" dt="2023-12-10T20:52:29.206" v="6295" actId="20577"/>
           <ac:spMkLst>
             <pc:docMk/>
             <pc:sldMk cId="0" sldId="265"/>
@@ -760,7 +761,7 @@
         </pc:picChg>
       </pc:sldChg>
       <pc:sldChg chg="modSp new mod">
-        <pc:chgData name="Jacob Stys" userId="8b560aeb39dfb63e" providerId="LiveId" clId="{CB618ED1-AB78-4B83-B320-AB1AFFF08376}" dt="2023-11-29T23:43:35.493" v="4893" actId="20577"/>
+        <pc:chgData name="Jacob Stys" userId="8b560aeb39dfb63e" providerId="LiveId" clId="{CB618ED1-AB78-4B83-B320-AB1AFFF08376}" dt="2023-12-10T20:44:38.123" v="6213" actId="20577"/>
         <pc:sldMkLst>
           <pc:docMk/>
           <pc:sldMk cId="2785407431" sldId="269"/>
@@ -774,7 +775,7 @@
           </ac:spMkLst>
         </pc:spChg>
         <pc:spChg chg="mod">
-          <ac:chgData name="Jacob Stys" userId="8b560aeb39dfb63e" providerId="LiveId" clId="{CB618ED1-AB78-4B83-B320-AB1AFFF08376}" dt="2023-11-29T23:43:35.493" v="4893" actId="20577"/>
+          <ac:chgData name="Jacob Stys" userId="8b560aeb39dfb63e" providerId="LiveId" clId="{CB618ED1-AB78-4B83-B320-AB1AFFF08376}" dt="2023-12-10T20:44:38.123" v="6213" actId="20577"/>
           <ac:spMkLst>
             <pc:docMk/>
             <pc:sldMk cId="2785407431" sldId="269"/>
@@ -819,6 +820,45 @@
             <ac:spMk id="2" creationId="{1EE4CC34-CE62-AEEC-0A2F-D4BB29AF2C34}"/>
           </ac:spMkLst>
         </pc:spChg>
+      </pc:sldChg>
+      <pc:sldChg chg="addSp modSp new mod">
+        <pc:chgData name="Jacob Stys" userId="8b560aeb39dfb63e" providerId="LiveId" clId="{CB618ED1-AB78-4B83-B320-AB1AFFF08376}" dt="2023-12-10T20:52:12.483" v="6290" actId="20577"/>
+        <pc:sldMkLst>
+          <pc:docMk/>
+          <pc:sldMk cId="927763877" sldId="272"/>
+        </pc:sldMkLst>
+        <pc:spChg chg="mod">
+          <ac:chgData name="Jacob Stys" userId="8b560aeb39dfb63e" providerId="LiveId" clId="{CB618ED1-AB78-4B83-B320-AB1AFFF08376}" dt="2023-12-10T20:47:02.418" v="6220" actId="20577"/>
+          <ac:spMkLst>
+            <pc:docMk/>
+            <pc:sldMk cId="927763877" sldId="272"/>
+            <ac:spMk id="2" creationId="{CBE6F4A4-5702-203C-8DC7-49181DCE1315}"/>
+          </ac:spMkLst>
+        </pc:spChg>
+        <pc:spChg chg="mod">
+          <ac:chgData name="Jacob Stys" userId="8b560aeb39dfb63e" providerId="LiveId" clId="{CB618ED1-AB78-4B83-B320-AB1AFFF08376}" dt="2023-12-10T20:52:12.483" v="6290" actId="20577"/>
+          <ac:spMkLst>
+            <pc:docMk/>
+            <pc:sldMk cId="927763877" sldId="272"/>
+            <ac:spMk id="3" creationId="{41674963-EF9F-9174-9F13-ADC24757A62C}"/>
+          </ac:spMkLst>
+        </pc:spChg>
+        <pc:picChg chg="add mod">
+          <ac:chgData name="Jacob Stys" userId="8b560aeb39dfb63e" providerId="LiveId" clId="{CB618ED1-AB78-4B83-B320-AB1AFFF08376}" dt="2023-12-10T20:48:20.669" v="6226" actId="14100"/>
+          <ac:picMkLst>
+            <pc:docMk/>
+            <pc:sldMk cId="927763877" sldId="272"/>
+            <ac:picMk id="5" creationId="{34FBDC2B-AF7A-F4A3-424A-A3C61A1A3596}"/>
+          </ac:picMkLst>
+        </pc:picChg>
+        <pc:picChg chg="add mod">
+          <ac:chgData name="Jacob Stys" userId="8b560aeb39dfb63e" providerId="LiveId" clId="{CB618ED1-AB78-4B83-B320-AB1AFFF08376}" dt="2023-12-10T20:51:46.752" v="6232" actId="14100"/>
+          <ac:picMkLst>
+            <pc:docMk/>
+            <pc:sldMk cId="927763877" sldId="272"/>
+            <ac:picMk id="7" creationId="{5F5537B3-B4A7-F769-EE59-31E59DE69C9B}"/>
+          </ac:picMkLst>
+        </pc:picChg>
       </pc:sldChg>
     </pc:docChg>
   </pc:docChgLst>
@@ -8808,7 +8848,7 @@
             </a:pPr>
             <a:r>
               <a:rPr lang="en" dirty="0"/>
-              <a:t>Used libraries from sklearn include:: RepeatedStratifiedKFold, GridSearchCv, and Logistic Regression </a:t>
+              <a:t>Used libraries from sklearn include: RepeatedStratifiedKFold, GridSearchCv, and Logistic Regression </a:t>
             </a:r>
             <a:endParaRPr dirty="0"/>
           </a:p>
@@ -8955,6 +8995,186 @@
   <p:cSld>
     <p:spTree>
       <p:nvGrpSpPr>
+        <p:cNvPr id="1" name=""/>
+        <p:cNvGrpSpPr/>
+        <p:nvPr/>
+      </p:nvGrpSpPr>
+      <p:grpSpPr>
+        <a:xfrm>
+          <a:off x="0" y="0"/>
+          <a:ext cx="0" cy="0"/>
+          <a:chOff x="0" y="0"/>
+          <a:chExt cx="0" cy="0"/>
+        </a:xfrm>
+      </p:grpSpPr>
+      <p:sp>
+        <p:nvSpPr>
+          <p:cNvPr id="2" name="Title 1">
+            <a:extLst>
+              <a:ext uri="{FF2B5EF4-FFF2-40B4-BE49-F238E27FC236}">
+                <a16:creationId xmlns:a16="http://schemas.microsoft.com/office/drawing/2014/main" id="{CBE6F4A4-5702-203C-8DC7-49181DCE1315}"/>
+              </a:ext>
+            </a:extLst>
+          </p:cNvPr>
+          <p:cNvSpPr>
+            <a:spLocks noGrp="1"/>
+          </p:cNvSpPr>
+          <p:nvPr>
+            <p:ph type="title"/>
+          </p:nvPr>
+        </p:nvSpPr>
+        <p:spPr/>
+        <p:txBody>
+          <a:bodyPr/>
+          <a:lstStyle/>
+          <a:p>
+            <a:r>
+              <a:rPr lang="en-US" dirty="0"/>
+              <a:t>SVM</a:t>
+            </a:r>
+          </a:p>
+        </p:txBody>
+      </p:sp>
+      <p:sp>
+        <p:nvSpPr>
+          <p:cNvPr id="3" name="Text Placeholder 2">
+            <a:extLst>
+              <a:ext uri="{FF2B5EF4-FFF2-40B4-BE49-F238E27FC236}">
+                <a16:creationId xmlns:a16="http://schemas.microsoft.com/office/drawing/2014/main" id="{41674963-EF9F-9174-9F13-ADC24757A62C}"/>
+              </a:ext>
+            </a:extLst>
+          </p:cNvPr>
+          <p:cNvSpPr>
+            <a:spLocks noGrp="1"/>
+          </p:cNvSpPr>
+          <p:nvPr>
+            <p:ph type="body" idx="1"/>
+          </p:nvPr>
+        </p:nvSpPr>
+        <p:spPr/>
+        <p:txBody>
+          <a:bodyPr/>
+          <a:lstStyle/>
+          <a:p>
+            <a:pPr>
+              <a:buFont typeface="Wingdings" panose="05000000000000000000" pitchFamily="2" charset="2"/>
+              <a:buChar char="v"/>
+            </a:pPr>
+            <a:r>
+              <a:rPr lang="en-US" dirty="0"/>
+              <a:t>Accuracy</a:t>
+            </a:r>
+          </a:p>
+          <a:p>
+            <a:pPr>
+              <a:buFont typeface="Wingdings" panose="05000000000000000000" pitchFamily="2" charset="2"/>
+              <a:buChar char="v"/>
+            </a:pPr>
+            <a:r>
+              <a:rPr lang="en-US" dirty="0"/>
+              <a:t>Highest Recall</a:t>
+            </a:r>
+          </a:p>
+          <a:p>
+            <a:pPr>
+              <a:buFont typeface="Wingdings" panose="05000000000000000000" pitchFamily="2" charset="2"/>
+              <a:buChar char="v"/>
+            </a:pPr>
+            <a:r>
+              <a:rPr lang="en-US" dirty="0"/>
+              <a:t>Tuned Hyper Parameters </a:t>
+            </a:r>
+          </a:p>
+          <a:p>
+            <a:pPr>
+              <a:buFont typeface="Wingdings" panose="05000000000000000000" pitchFamily="2" charset="2"/>
+              <a:buChar char="v"/>
+            </a:pPr>
+            <a:r>
+              <a:rPr lang="en-US" dirty="0"/>
+              <a:t>Best Model</a:t>
+            </a:r>
+          </a:p>
+        </p:txBody>
+      </p:sp>
+      <p:pic>
+        <p:nvPicPr>
+          <p:cNvPr id="5" name="Picture 4" descr="A black screen with white text&#10;&#10;Description automatically generated">
+            <a:extLst>
+              <a:ext uri="{FF2B5EF4-FFF2-40B4-BE49-F238E27FC236}">
+                <a16:creationId xmlns:a16="http://schemas.microsoft.com/office/drawing/2014/main" id="{34FBDC2B-AF7A-F4A3-424A-A3C61A1A3596}"/>
+              </a:ext>
+            </a:extLst>
+          </p:cNvPr>
+          <p:cNvPicPr>
+            <a:picLocks noChangeAspect="1"/>
+          </p:cNvPicPr>
+          <p:nvPr/>
+        </p:nvPicPr>
+        <p:blipFill>
+          <a:blip r:embed="rId2"/>
+          <a:stretch>
+            <a:fillRect/>
+          </a:stretch>
+        </p:blipFill>
+        <p:spPr>
+          <a:xfrm>
+            <a:off x="0" y="1202199"/>
+            <a:ext cx="4331368" cy="794221"/>
+          </a:xfrm>
+          <a:prstGeom prst="rect">
+            <a:avLst/>
+          </a:prstGeom>
+        </p:spPr>
+      </p:pic>
+      <p:pic>
+        <p:nvPicPr>
+          <p:cNvPr id="7" name="Picture 6" descr="A screenshot of a color palette&#10;&#10;Description automatically generated">
+            <a:extLst>
+              <a:ext uri="{FF2B5EF4-FFF2-40B4-BE49-F238E27FC236}">
+                <a16:creationId xmlns:a16="http://schemas.microsoft.com/office/drawing/2014/main" id="{5F5537B3-B4A7-F769-EE59-31E59DE69C9B}"/>
+              </a:ext>
+            </a:extLst>
+          </p:cNvPr>
+          <p:cNvPicPr>
+            <a:picLocks noChangeAspect="1"/>
+          </p:cNvPicPr>
+          <p:nvPr/>
+        </p:nvPicPr>
+        <p:blipFill>
+          <a:blip r:embed="rId3"/>
+          <a:stretch>
+            <a:fillRect/>
+          </a:stretch>
+        </p:blipFill>
+        <p:spPr>
+          <a:xfrm>
+            <a:off x="-2" y="2445157"/>
+            <a:ext cx="4572002" cy="1265941"/>
+          </a:xfrm>
+          <a:prstGeom prst="rect">
+            <a:avLst/>
+          </a:prstGeom>
+        </p:spPr>
+      </p:pic>
+    </p:spTree>
+    <p:extLst>
+      <p:ext uri="{BB962C8B-B14F-4D97-AF65-F5344CB8AC3E}">
+        <p14:creationId xmlns:p14="http://schemas.microsoft.com/office/powerpoint/2010/main" val="927763877"/>
+      </p:ext>
+    </p:extLst>
+  </p:cSld>
+  <p:clrMapOvr>
+    <a:masterClrMapping/>
+  </p:clrMapOvr>
+</p:sld>
+</file>
+
+<file path=ppt/slides/slide12.xml><?xml version="1.0" encoding="utf-8"?>
+<p:sld xmlns:a="http://schemas.openxmlformats.org/drawingml/2006/main" xmlns:r="http://schemas.openxmlformats.org/officeDocument/2006/relationships" xmlns:p="http://schemas.openxmlformats.org/presentationml/2006/main">
+  <p:cSld>
+    <p:spTree>
+      <p:nvGrpSpPr>
         <p:cNvPr id="1" name="Shape 113"/>
         <p:cNvGrpSpPr/>
         <p:nvPr/>
@@ -9188,7 +9408,7 @@
 </p:sld>
 </file>
 
-<file path=ppt/slides/slide12.xml><?xml version="1.0" encoding="utf-8"?>
+<file path=ppt/slides/slide13.xml><?xml version="1.0" encoding="utf-8"?>
 <p:sld xmlns:a="http://schemas.openxmlformats.org/drawingml/2006/main" xmlns:r="http://schemas.openxmlformats.org/officeDocument/2006/relationships" xmlns:p="http://schemas.openxmlformats.org/presentationml/2006/main">
   <p:cSld>
     <p:spTree>
@@ -9426,7 +9646,7 @@
 </p:sld>
 </file>
 
-<file path=ppt/slides/slide13.xml><?xml version="1.0" encoding="utf-8"?>
+<file path=ppt/slides/slide14.xml><?xml version="1.0" encoding="utf-8"?>
 <p:sld xmlns:a="http://schemas.openxmlformats.org/drawingml/2006/main" xmlns:r="http://schemas.openxmlformats.org/officeDocument/2006/relationships" xmlns:p="http://schemas.openxmlformats.org/presentationml/2006/main">
   <p:cSld>
     <p:spTree>
@@ -9654,7 +9874,15 @@
             </a:pPr>
             <a:r>
               <a:rPr lang="en" dirty="0"/>
-              <a:t>For model deployment, plugging in the specified variables for a specific loan will result in a 94.6% accuracy of predicting the outcome of the loan, which an underwriter can use to make a decision.</a:t>
+              <a:t>For model deployment, plugging in the specified variables for a specific loan will result in </a:t>
+            </a:r>
+            <a:r>
+              <a:rPr lang="en"/>
+              <a:t>a 95.55% </a:t>
+            </a:r>
+            <a:r>
+              <a:rPr lang="en" dirty="0"/>
+              <a:t>accuracy of predicting the outcome of the loan, which an underwriter can use to make a decision.</a:t>
             </a:r>
             <a:endParaRPr dirty="0"/>
           </a:p>
@@ -9698,7 +9926,7 @@
 </p:sld>
 </file>
 
-<file path=ppt/slides/slide14.xml><?xml version="1.0" encoding="utf-8"?>
+<file path=ppt/slides/slide15.xml><?xml version="1.0" encoding="utf-8"?>
 <p:sld xmlns:a="http://schemas.openxmlformats.org/drawingml/2006/main" xmlns:r="http://schemas.openxmlformats.org/officeDocument/2006/relationships" xmlns:p="http://schemas.openxmlformats.org/presentationml/2006/main">
   <p:cSld>
     <p:spTree>
@@ -9858,7 +10086,7 @@
 </p:sld>
 </file>
 
-<file path=ppt/slides/slide15.xml><?xml version="1.0" encoding="utf-8"?>
+<file path=ppt/slides/slide16.xml><?xml version="1.0" encoding="utf-8"?>
 <p:sld xmlns:a="http://schemas.openxmlformats.org/drawingml/2006/main" xmlns:r="http://schemas.openxmlformats.org/officeDocument/2006/relationships" xmlns:p="http://schemas.openxmlformats.org/presentationml/2006/main">
   <p:cSld>
     <p:spTree>
@@ -10096,7 +10324,7 @@
 </p:sld>
 </file>
 
-<file path=ppt/slides/slide16.xml><?xml version="1.0" encoding="utf-8"?>
+<file path=ppt/slides/slide17.xml><?xml version="1.0" encoding="utf-8"?>
 <p:sld xmlns:a="http://schemas.openxmlformats.org/drawingml/2006/main" xmlns:r="http://schemas.openxmlformats.org/officeDocument/2006/relationships" xmlns:p="http://schemas.openxmlformats.org/presentationml/2006/main">
   <p:cSld>
     <p:spTree>
@@ -10274,8 +10502,8 @@
               <a:buChar char="❖"/>
             </a:pPr>
             <a:r>
-              <a:rPr lang="en" dirty="0"/>
-              <a:t>The rise in interest rates for residential mortgages have affected the housing market recently.</a:t>
+              <a:rPr lang="en-US" dirty="0"/>
+              <a:t>Rise in mortgage rates.</a:t>
             </a:r>
             <a:endParaRPr dirty="0"/>
           </a:p>
@@ -10292,15 +10520,7 @@
             </a:pPr>
             <a:r>
               <a:rPr lang="en" dirty="0"/>
-              <a:t>Home owners are </a:t>
-            </a:r>
-            <a:r>
-              <a:rPr lang="en"/>
-              <a:t>have difficulty </a:t>
-            </a:r>
-            <a:r>
-              <a:rPr lang="en" dirty="0"/>
-              <a:t>for cash-out refinances.</a:t>
+              <a:t>Difficulty for cash-out refinance</a:t>
             </a:r>
           </a:p>
           <a:p>
@@ -10464,7 +10684,7 @@
             </a:pPr>
             <a:r>
               <a:rPr lang="en-US" dirty="0"/>
-              <a:t>This dataset is import for bank managers, underwriters, and loan officers.</a:t>
+              <a:t>Who is this dataset important to.</a:t>
             </a:r>
           </a:p>
           <a:p>
@@ -10605,9 +10825,8 @@
             </a:pPr>
             <a:r>
               <a:rPr lang="en" dirty="0"/>
-              <a:t>Goal of this project is to predict if a Loan will default given the selected variables.</a:t>
+              <a:t>Goal of this project</a:t>
             </a:r>
-            <a:endParaRPr dirty="0"/>
           </a:p>
           <a:p>
             <a:pPr marL="457200" lvl="0" indent="-311150" algn="l" rtl="0">

--- a/Capstone Folder/HMEQCapstone2/HomeEquityDefaultPrediction.pptx
+++ b/Capstone Folder/HMEQCapstone2/HomeEquityDefaultPrediction.pptx
@@ -305,7 +305,7 @@
   <pc:docChgLst>
     <pc:chgData name="Jacob Stys" userId="8b560aeb39dfb63e" providerId="LiveId" clId="{CB618ED1-AB78-4B83-B320-AB1AFFF08376}"/>
     <pc:docChg chg="undo custSel addSld modSld sldOrd">
-      <pc:chgData name="Jacob Stys" userId="8b560aeb39dfb63e" providerId="LiveId" clId="{CB618ED1-AB78-4B83-B320-AB1AFFF08376}" dt="2023-12-10T20:52:29.206" v="6295" actId="20577"/>
+      <pc:chgData name="Jacob Stys" userId="8b560aeb39dfb63e" providerId="LiveId" clId="{CB618ED1-AB78-4B83-B320-AB1AFFF08376}" dt="2023-12-18T02:13:51.675" v="6329" actId="14100"/>
       <pc:docMkLst>
         <pc:docMk/>
       </pc:docMkLst>
@@ -574,13 +574,13 @@
         </pc:picChg>
       </pc:sldChg>
       <pc:sldChg chg="addSp delSp modSp mod">
-        <pc:chgData name="Jacob Stys" userId="8b560aeb39dfb63e" providerId="LiveId" clId="{CB618ED1-AB78-4B83-B320-AB1AFFF08376}" dt="2023-11-29T23:44:17.488" v="4894" actId="20577"/>
+        <pc:chgData name="Jacob Stys" userId="8b560aeb39dfb63e" providerId="LiveId" clId="{CB618ED1-AB78-4B83-B320-AB1AFFF08376}" dt="2023-12-18T02:12:30.187" v="6296" actId="20577"/>
         <pc:sldMkLst>
           <pc:docMk/>
           <pc:sldMk cId="0" sldId="264"/>
         </pc:sldMkLst>
         <pc:spChg chg="mod">
-          <ac:chgData name="Jacob Stys" userId="8b560aeb39dfb63e" providerId="LiveId" clId="{CB618ED1-AB78-4B83-B320-AB1AFFF08376}" dt="2023-11-29T23:44:17.488" v="4894" actId="20577"/>
+          <ac:chgData name="Jacob Stys" userId="8b560aeb39dfb63e" providerId="LiveId" clId="{CB618ED1-AB78-4B83-B320-AB1AFFF08376}" dt="2023-12-18T02:12:30.187" v="6296" actId="20577"/>
           <ac:spMkLst>
             <pc:docMk/>
             <pc:sldMk cId="0" sldId="264"/>
@@ -621,7 +621,7 @@
         </pc:picChg>
       </pc:sldChg>
       <pc:sldChg chg="addSp delSp modSp mod">
-        <pc:chgData name="Jacob Stys" userId="8b560aeb39dfb63e" providerId="LiveId" clId="{CB618ED1-AB78-4B83-B320-AB1AFFF08376}" dt="2023-12-10T20:52:29.206" v="6295" actId="20577"/>
+        <pc:chgData name="Jacob Stys" userId="8b560aeb39dfb63e" providerId="LiveId" clId="{CB618ED1-AB78-4B83-B320-AB1AFFF08376}" dt="2023-12-18T02:13:08.308" v="6325" actId="20577"/>
         <pc:sldMkLst>
           <pc:docMk/>
           <pc:sldMk cId="0" sldId="265"/>
@@ -635,7 +635,7 @@
           </ac:spMkLst>
         </pc:spChg>
         <pc:spChg chg="mod">
-          <ac:chgData name="Jacob Stys" userId="8b560aeb39dfb63e" providerId="LiveId" clId="{CB618ED1-AB78-4B83-B320-AB1AFFF08376}" dt="2023-12-10T20:52:29.206" v="6295" actId="20577"/>
+          <ac:chgData name="Jacob Stys" userId="8b560aeb39dfb63e" providerId="LiveId" clId="{CB618ED1-AB78-4B83-B320-AB1AFFF08376}" dt="2023-12-18T02:13:08.308" v="6325" actId="20577"/>
           <ac:spMkLst>
             <pc:docMk/>
             <pc:sldMk cId="0" sldId="265"/>
@@ -822,7 +822,7 @@
         </pc:spChg>
       </pc:sldChg>
       <pc:sldChg chg="addSp modSp new mod">
-        <pc:chgData name="Jacob Stys" userId="8b560aeb39dfb63e" providerId="LiveId" clId="{CB618ED1-AB78-4B83-B320-AB1AFFF08376}" dt="2023-12-10T20:52:12.483" v="6290" actId="20577"/>
+        <pc:chgData name="Jacob Stys" userId="8b560aeb39dfb63e" providerId="LiveId" clId="{CB618ED1-AB78-4B83-B320-AB1AFFF08376}" dt="2023-12-18T02:13:51.675" v="6329" actId="14100"/>
         <pc:sldMkLst>
           <pc:docMk/>
           <pc:sldMk cId="927763877" sldId="272"/>
@@ -852,7 +852,7 @@
           </ac:picMkLst>
         </pc:picChg>
         <pc:picChg chg="add mod">
-          <ac:chgData name="Jacob Stys" userId="8b560aeb39dfb63e" providerId="LiveId" clId="{CB618ED1-AB78-4B83-B320-AB1AFFF08376}" dt="2023-12-10T20:51:46.752" v="6232" actId="14100"/>
+          <ac:chgData name="Jacob Stys" userId="8b560aeb39dfb63e" providerId="LiveId" clId="{CB618ED1-AB78-4B83-B320-AB1AFFF08376}" dt="2023-12-18T02:13:51.675" v="6329" actId="14100"/>
           <ac:picMkLst>
             <pc:docMk/>
             <pc:sldMk cId="927763877" sldId="272"/>
@@ -9149,8 +9149,8 @@
         </p:blipFill>
         <p:spPr>
           <a:xfrm>
-            <a:off x="-2" y="2445157"/>
-            <a:ext cx="4572002" cy="1265941"/>
+            <a:off x="-3" y="2172559"/>
+            <a:ext cx="8811077" cy="2695074"/>
           </a:xfrm>
           <a:prstGeom prst="rect">
             <a:avLst/>
@@ -9559,23 +9559,6 @@
             </a:r>
             <a:endParaRPr dirty="0"/>
           </a:p>
-          <a:p>
-            <a:pPr marL="457200" lvl="0" indent="-311150" algn="l" rtl="0">
-              <a:spcBef>
-                <a:spcPts val="0"/>
-              </a:spcBef>
-              <a:spcAft>
-                <a:spcPts val="0"/>
-              </a:spcAft>
-              <a:buSzPts val="1300"/>
-              <a:buChar char="❖"/>
-            </a:pPr>
-            <a:r>
-              <a:rPr lang="en" dirty="0"/>
-              <a:t>This being the highest accuracy and recall scores using this model would be ideal.</a:t>
-            </a:r>
-            <a:endParaRPr dirty="0"/>
-          </a:p>
         </p:txBody>
       </p:sp>
       <p:pic>
@@ -9793,7 +9776,7 @@
             </a:pPr>
             <a:r>
               <a:rPr lang="en" dirty="0"/>
-              <a:t>Predictability and accuracy was great and recall score of 0.76 is pretty good. </a:t>
+              <a:t>Predictability and accuracy was great and recall score of 0.84 is pretty good. </a:t>
             </a:r>
           </a:p>
           <a:p>
@@ -9825,9 +9808,8 @@
             </a:pPr>
             <a:r>
               <a:rPr lang="en" dirty="0"/>
-              <a:t>Overall having an Accuracy of 0.946 and a recall of 0.76 from the Gradient Boosting Classifier is good but would prefer a stronger recall.</a:t>
+              <a:t>Overall having an Accuracy of 0.955 and a recall of 0.84 from the SVM model is good</a:t>
             </a:r>
-            <a:endParaRPr dirty="0"/>
           </a:p>
           <a:p>
             <a:pPr marL="457200" lvl="0" indent="-311150" algn="l" rtl="0">
@@ -9874,15 +9856,7 @@
             </a:pPr>
             <a:r>
               <a:rPr lang="en" dirty="0"/>
-              <a:t>For model deployment, plugging in the specified variables for a specific loan will result in </a:t>
-            </a:r>
-            <a:r>
-              <a:rPr lang="en"/>
-              <a:t>a 95.55% </a:t>
-            </a:r>
-            <a:r>
-              <a:rPr lang="en" dirty="0"/>
-              <a:t>accuracy of predicting the outcome of the loan, which an underwriter can use to make a decision.</a:t>
+              <a:t>For model deployment, plugging in the specified variables for a specific loan will result in a 95.55% accuracy of predicting the outcome of the loan, which an underwriter can use to make a decision.</a:t>
             </a:r>
             <a:endParaRPr dirty="0"/>
           </a:p>

--- a/Capstone Folder/HMEQCapstone2/HomeEquityDefaultPrediction.pptx
+++ b/Capstone Folder/HMEQCapstone2/HomeEquityDefaultPrediction.pptx
@@ -305,7 +305,7 @@
   <pc:docChgLst>
     <pc:chgData name="Jacob Stys" userId="8b560aeb39dfb63e" providerId="LiveId" clId="{CB618ED1-AB78-4B83-B320-AB1AFFF08376}"/>
     <pc:docChg chg="undo custSel addSld modSld sldOrd">
-      <pc:chgData name="Jacob Stys" userId="8b560aeb39dfb63e" providerId="LiveId" clId="{CB618ED1-AB78-4B83-B320-AB1AFFF08376}" dt="2023-12-18T02:13:51.675" v="6329" actId="14100"/>
+      <pc:chgData name="Jacob Stys" userId="8b560aeb39dfb63e" providerId="LiveId" clId="{CB618ED1-AB78-4B83-B320-AB1AFFF08376}" dt="2023-12-18T02:16:39.725" v="6411" actId="20577"/>
       <pc:docMkLst>
         <pc:docMk/>
       </pc:docMkLst>
@@ -387,13 +387,13 @@
         </pc:picChg>
       </pc:sldChg>
       <pc:sldChg chg="addSp delSp modSp mod">
-        <pc:chgData name="Jacob Stys" userId="8b560aeb39dfb63e" providerId="LiveId" clId="{CB618ED1-AB78-4B83-B320-AB1AFFF08376}" dt="2023-11-24T19:33:18.029" v="1469" actId="20577"/>
+        <pc:chgData name="Jacob Stys" userId="8b560aeb39dfb63e" providerId="LiveId" clId="{CB618ED1-AB78-4B83-B320-AB1AFFF08376}" dt="2023-12-18T02:15:40.248" v="6405" actId="20577"/>
         <pc:sldMkLst>
           <pc:docMk/>
           <pc:sldMk cId="0" sldId="259"/>
         </pc:sldMkLst>
         <pc:spChg chg="mod">
-          <ac:chgData name="Jacob Stys" userId="8b560aeb39dfb63e" providerId="LiveId" clId="{CB618ED1-AB78-4B83-B320-AB1AFFF08376}" dt="2023-11-24T19:33:18.029" v="1469" actId="20577"/>
+          <ac:chgData name="Jacob Stys" userId="8b560aeb39dfb63e" providerId="LiveId" clId="{CB618ED1-AB78-4B83-B320-AB1AFFF08376}" dt="2023-12-18T02:15:40.248" v="6405" actId="20577"/>
           <ac:spMkLst>
             <pc:docMk/>
             <pc:sldMk cId="0" sldId="259"/>
@@ -675,7 +675,7 @@
         </pc:spChg>
       </pc:sldChg>
       <pc:sldChg chg="addSp modSp new mod">
-        <pc:chgData name="Jacob Stys" userId="8b560aeb39dfb63e" providerId="LiveId" clId="{CB618ED1-AB78-4B83-B320-AB1AFFF08376}" dt="2023-11-24T19:54:26.870" v="2118" actId="20577"/>
+        <pc:chgData name="Jacob Stys" userId="8b560aeb39dfb63e" providerId="LiveId" clId="{CB618ED1-AB78-4B83-B320-AB1AFFF08376}" dt="2023-12-18T02:16:39.725" v="6411" actId="20577"/>
         <pc:sldMkLst>
           <pc:docMk/>
           <pc:sldMk cId="2918541825" sldId="267"/>
@@ -689,7 +689,7 @@
           </ac:spMkLst>
         </pc:spChg>
         <pc:spChg chg="mod">
-          <ac:chgData name="Jacob Stys" userId="8b560aeb39dfb63e" providerId="LiveId" clId="{CB618ED1-AB78-4B83-B320-AB1AFFF08376}" dt="2023-11-24T19:54:26.870" v="2118" actId="20577"/>
+          <ac:chgData name="Jacob Stys" userId="8b560aeb39dfb63e" providerId="LiveId" clId="{CB618ED1-AB78-4B83-B320-AB1AFFF08376}" dt="2023-12-18T02:16:39.725" v="6411" actId="20577"/>
           <ac:spMkLst>
             <pc:docMk/>
             <pc:sldMk cId="2918541825" sldId="267"/>
@@ -11185,7 +11185,7 @@
         </p:spPr>
         <p:txBody>
           <a:bodyPr spcFirstLastPara="1" wrap="square" lIns="91425" tIns="91425" rIns="91425" bIns="91425" anchor="t" anchorCtr="0">
-            <a:normAutofit lnSpcReduction="10000"/>
+            <a:normAutofit/>
           </a:bodyPr>
           <a:lstStyle/>
           <a:p>
@@ -11201,7 +11201,7 @@
             </a:pPr>
             <a:r>
               <a:rPr lang="en" dirty="0"/>
-              <a:t>Decided to drop 50 rows where a lot of variables were missing and used data imputer to replace continuous missing values with the mean totaling to over 2000 rows being replaced. </a:t>
+              <a:t>Decided to drop 800 rows where the variable delinquency and derogatory reposrts were missing.</a:t>
             </a:r>
           </a:p>
           <a:p>
@@ -11426,7 +11426,7 @@
           <a:p>
             <a:r>
               <a:rPr lang="en-US" dirty="0"/>
-              <a:t>Totaled number of rows with imputed data and categorical replaced was 5940.</a:t>
+              <a:t>Totaled number of rows with imputed data and categorical replaced was 5175.</a:t>
             </a:r>
           </a:p>
           <a:p>
